--- a/docs/slides/Lecture9.pptx
+++ b/docs/slides/Lecture9.pptx
@@ -83,9 +83,6 @@
     <p:sldId id="328" r:id="rId78"/>
     <p:sldId id="329" r:id="rId79"/>
     <p:sldId id="330" r:id="rId80"/>
-    <p:sldId id="331" r:id="rId81"/>
-    <p:sldId id="332" r:id="rId82"/>
-    <p:sldId id="333" r:id="rId83"/>
   </p:sldIdLst>
   <p:sldSz cy="6858000" cx="9144000"/>
   <p:notesSz cx="6858000" cy="9144000"/>
@@ -881,7 +878,7 @@
       </p:grpSpPr>
       <p:sp>
         <p:nvSpPr>
-          <p:cNvPr id="112" name="Google Shape;112;g8fa0bfdf2e_0_83:notes"/>
+          <p:cNvPr id="112" name="Google Shape;112;g8fa0bfdf2e_0_95:notes"/>
           <p:cNvSpPr/>
           <p:nvPr>
             <p:ph idx="2" type="sldImg"/>
@@ -916,7 +913,7 @@
       </p:sp>
       <p:sp>
         <p:nvSpPr>
-          <p:cNvPr id="113" name="Google Shape;113;g8fa0bfdf2e_0_83:notes"/>
+          <p:cNvPr id="113" name="Google Shape;113;g8fa0bfdf2e_0_95:notes"/>
           <p:cNvSpPr txBox="1"/>
           <p:nvPr>
             <p:ph idx="1" type="body"/>
@@ -966,7 +963,7 @@
   <p:cSld>
     <p:spTree>
       <p:nvGrpSpPr>
-        <p:cNvPr id="116" name="Shape 116"/>
+        <p:cNvPr id="117" name="Shape 117"/>
         <p:cNvGrpSpPr/>
         <p:nvPr/>
       </p:nvGrpSpPr>
@@ -980,7 +977,7 @@
       </p:grpSpPr>
       <p:sp>
         <p:nvSpPr>
-          <p:cNvPr id="117" name="Google Shape;117;g8fa0bfdf2e_0_87:notes"/>
+          <p:cNvPr id="118" name="Google Shape;118;g8fa0bfdf2e_0_99:notes"/>
           <p:cNvSpPr/>
           <p:nvPr>
             <p:ph idx="2" type="sldImg"/>
@@ -1015,7 +1012,7 @@
       </p:sp>
       <p:sp>
         <p:nvSpPr>
-          <p:cNvPr id="118" name="Google Shape;118;g8fa0bfdf2e_0_87:notes"/>
+          <p:cNvPr id="119" name="Google Shape;119;g8fa0bfdf2e_0_99:notes"/>
           <p:cNvSpPr txBox="1"/>
           <p:nvPr>
             <p:ph idx="1" type="body"/>
@@ -1065,7 +1062,7 @@
   <p:cSld>
     <p:spTree>
       <p:nvGrpSpPr>
-        <p:cNvPr id="122" name="Shape 122"/>
+        <p:cNvPr id="123" name="Shape 123"/>
         <p:cNvGrpSpPr/>
         <p:nvPr/>
       </p:nvGrpSpPr>
@@ -1079,7 +1076,7 @@
       </p:grpSpPr>
       <p:sp>
         <p:nvSpPr>
-          <p:cNvPr id="123" name="Google Shape;123;g8fa0bfdf2e_0_91:notes"/>
+          <p:cNvPr id="124" name="Google Shape;124;g8fa0bfdf2e_0_103:notes"/>
           <p:cNvSpPr/>
           <p:nvPr>
             <p:ph idx="2" type="sldImg"/>
@@ -1114,7 +1111,7 @@
       </p:sp>
       <p:sp>
         <p:nvSpPr>
-          <p:cNvPr id="124" name="Google Shape;124;g8fa0bfdf2e_0_91:notes"/>
+          <p:cNvPr id="125" name="Google Shape;125;g8fa0bfdf2e_0_103:notes"/>
           <p:cNvSpPr txBox="1"/>
           <p:nvPr>
             <p:ph idx="1" type="body"/>
@@ -1164,7 +1161,7 @@
   <p:cSld>
     <p:spTree>
       <p:nvGrpSpPr>
-        <p:cNvPr id="128" name="Shape 128"/>
+        <p:cNvPr id="129" name="Shape 129"/>
         <p:cNvGrpSpPr/>
         <p:nvPr/>
       </p:nvGrpSpPr>
@@ -1178,7 +1175,7 @@
       </p:grpSpPr>
       <p:sp>
         <p:nvSpPr>
-          <p:cNvPr id="129" name="Google Shape;129;g8fa0bfdf2e_0_95:notes"/>
+          <p:cNvPr id="130" name="Google Shape;130;g8fa0bfdf2e_0_107:notes"/>
           <p:cNvSpPr/>
           <p:nvPr>
             <p:ph idx="2" type="sldImg"/>
@@ -1213,7 +1210,7 @@
       </p:sp>
       <p:sp>
         <p:nvSpPr>
-          <p:cNvPr id="130" name="Google Shape;130;g8fa0bfdf2e_0_95:notes"/>
+          <p:cNvPr id="131" name="Google Shape;131;g8fa0bfdf2e_0_107:notes"/>
           <p:cNvSpPr txBox="1"/>
           <p:nvPr>
             <p:ph idx="1" type="body"/>
@@ -1263,7 +1260,7 @@
   <p:cSld>
     <p:spTree>
       <p:nvGrpSpPr>
-        <p:cNvPr id="134" name="Shape 134"/>
+        <p:cNvPr id="135" name="Shape 135"/>
         <p:cNvGrpSpPr/>
         <p:nvPr/>
       </p:nvGrpSpPr>
@@ -1277,7 +1274,7 @@
       </p:grpSpPr>
       <p:sp>
         <p:nvSpPr>
-          <p:cNvPr id="135" name="Google Shape;135;g8fa0bfdf2e_0_99:notes"/>
+          <p:cNvPr id="136" name="Google Shape;136;g8fa0bfdf2e_0_111:notes"/>
           <p:cNvSpPr/>
           <p:nvPr>
             <p:ph idx="2" type="sldImg"/>
@@ -1312,7 +1309,7 @@
       </p:sp>
       <p:sp>
         <p:nvSpPr>
-          <p:cNvPr id="136" name="Google Shape;136;g8fa0bfdf2e_0_99:notes"/>
+          <p:cNvPr id="137" name="Google Shape;137;g8fa0bfdf2e_0_111:notes"/>
           <p:cNvSpPr txBox="1"/>
           <p:nvPr>
             <p:ph idx="1" type="body"/>
@@ -1362,7 +1359,7 @@
   <p:cSld>
     <p:spTree>
       <p:nvGrpSpPr>
-        <p:cNvPr id="140" name="Shape 140"/>
+        <p:cNvPr id="141" name="Shape 141"/>
         <p:cNvGrpSpPr/>
         <p:nvPr/>
       </p:nvGrpSpPr>
@@ -1376,7 +1373,7 @@
       </p:grpSpPr>
       <p:sp>
         <p:nvSpPr>
-          <p:cNvPr id="141" name="Google Shape;141;g8fa0bfdf2e_0_103:notes"/>
+          <p:cNvPr id="142" name="Google Shape;142;g8fa0bfdf2e_0_115:notes"/>
           <p:cNvSpPr/>
           <p:nvPr>
             <p:ph idx="2" type="sldImg"/>
@@ -1411,7 +1408,7 @@
       </p:sp>
       <p:sp>
         <p:nvSpPr>
-          <p:cNvPr id="142" name="Google Shape;142;g8fa0bfdf2e_0_103:notes"/>
+          <p:cNvPr id="143" name="Google Shape;143;g8fa0bfdf2e_0_115:notes"/>
           <p:cNvSpPr txBox="1"/>
           <p:nvPr>
             <p:ph idx="1" type="body"/>
@@ -1461,7 +1458,7 @@
   <p:cSld>
     <p:spTree>
       <p:nvGrpSpPr>
-        <p:cNvPr id="146" name="Shape 146"/>
+        <p:cNvPr id="147" name="Shape 147"/>
         <p:cNvGrpSpPr/>
         <p:nvPr/>
       </p:nvGrpSpPr>
@@ -1475,7 +1472,7 @@
       </p:grpSpPr>
       <p:sp>
         <p:nvSpPr>
-          <p:cNvPr id="147" name="Google Shape;147;g8fa0bfdf2e_0_107:notes"/>
+          <p:cNvPr id="148" name="Google Shape;148;g8fa0bfdf2e_0_119:notes"/>
           <p:cNvSpPr/>
           <p:nvPr>
             <p:ph idx="2" type="sldImg"/>
@@ -1510,7 +1507,7 @@
       </p:sp>
       <p:sp>
         <p:nvSpPr>
-          <p:cNvPr id="148" name="Google Shape;148;g8fa0bfdf2e_0_107:notes"/>
+          <p:cNvPr id="149" name="Google Shape;149;g8fa0bfdf2e_0_119:notes"/>
           <p:cNvSpPr txBox="1"/>
           <p:nvPr>
             <p:ph idx="1" type="body"/>
@@ -1560,7 +1557,7 @@
   <p:cSld>
     <p:spTree>
       <p:nvGrpSpPr>
-        <p:cNvPr id="152" name="Shape 152"/>
+        <p:cNvPr id="153" name="Shape 153"/>
         <p:cNvGrpSpPr/>
         <p:nvPr/>
       </p:nvGrpSpPr>
@@ -1574,7 +1571,7 @@
       </p:grpSpPr>
       <p:sp>
         <p:nvSpPr>
-          <p:cNvPr id="153" name="Google Shape;153;g8fa0bfdf2e_0_111:notes"/>
+          <p:cNvPr id="154" name="Google Shape;154;g8fa0bfdf2e_0_123:notes"/>
           <p:cNvSpPr/>
           <p:nvPr>
             <p:ph idx="2" type="sldImg"/>
@@ -1609,7 +1606,7 @@
       </p:sp>
       <p:sp>
         <p:nvSpPr>
-          <p:cNvPr id="154" name="Google Shape;154;g8fa0bfdf2e_0_111:notes"/>
+          <p:cNvPr id="155" name="Google Shape;155;g8fa0bfdf2e_0_123:notes"/>
           <p:cNvSpPr txBox="1"/>
           <p:nvPr>
             <p:ph idx="1" type="body"/>
@@ -1659,7 +1656,7 @@
   <p:cSld>
     <p:spTree>
       <p:nvGrpSpPr>
-        <p:cNvPr id="158" name="Shape 158"/>
+        <p:cNvPr id="159" name="Shape 159"/>
         <p:cNvGrpSpPr/>
         <p:nvPr/>
       </p:nvGrpSpPr>
@@ -1673,7 +1670,7 @@
       </p:grpSpPr>
       <p:sp>
         <p:nvSpPr>
-          <p:cNvPr id="159" name="Google Shape;159;g8fa0bfdf2e_0_115:notes"/>
+          <p:cNvPr id="160" name="Google Shape;160;g8fa0bfdf2e_0_127:notes"/>
           <p:cNvSpPr/>
           <p:nvPr>
             <p:ph idx="2" type="sldImg"/>
@@ -1708,7 +1705,7 @@
       </p:sp>
       <p:sp>
         <p:nvSpPr>
-          <p:cNvPr id="160" name="Google Shape;160;g8fa0bfdf2e_0_115:notes"/>
+          <p:cNvPr id="161" name="Google Shape;161;g8fa0bfdf2e_0_127:notes"/>
           <p:cNvSpPr txBox="1"/>
           <p:nvPr>
             <p:ph idx="1" type="body"/>
@@ -1758,7 +1755,7 @@
   <p:cSld>
     <p:spTree>
       <p:nvGrpSpPr>
-        <p:cNvPr id="164" name="Shape 164"/>
+        <p:cNvPr id="165" name="Shape 165"/>
         <p:cNvGrpSpPr/>
         <p:nvPr/>
       </p:nvGrpSpPr>
@@ -1772,7 +1769,7 @@
       </p:grpSpPr>
       <p:sp>
         <p:nvSpPr>
-          <p:cNvPr id="165" name="Google Shape;165;g8fa0bfdf2e_0_119:notes"/>
+          <p:cNvPr id="166" name="Google Shape;166;g8fa0bfdf2e_0_131:notes"/>
           <p:cNvSpPr/>
           <p:nvPr>
             <p:ph idx="2" type="sldImg"/>
@@ -1807,7 +1804,7 @@
       </p:sp>
       <p:sp>
         <p:nvSpPr>
-          <p:cNvPr id="166" name="Google Shape;166;g8fa0bfdf2e_0_119:notes"/>
+          <p:cNvPr id="167" name="Google Shape;167;g8fa0bfdf2e_0_131:notes"/>
           <p:cNvSpPr txBox="1"/>
           <p:nvPr>
             <p:ph idx="1" type="body"/>
@@ -1871,7 +1868,7 @@
       </p:grpSpPr>
       <p:sp>
         <p:nvSpPr>
-          <p:cNvPr id="58" name="Google Shape;58;g8fa0bfdf2e_0_1:notes"/>
+          <p:cNvPr id="58" name="Google Shape;58;g8fa0bfdf2e_0_45:notes"/>
           <p:cNvSpPr/>
           <p:nvPr>
             <p:ph idx="2" type="sldImg"/>
@@ -1906,7 +1903,7 @@
       </p:sp>
       <p:sp>
         <p:nvSpPr>
-          <p:cNvPr id="59" name="Google Shape;59;g8fa0bfdf2e_0_1:notes"/>
+          <p:cNvPr id="59" name="Google Shape;59;g8fa0bfdf2e_0_45:notes"/>
           <p:cNvSpPr txBox="1"/>
           <p:nvPr>
             <p:ph idx="1" type="body"/>
@@ -1956,7 +1953,7 @@
   <p:cSld>
     <p:spTree>
       <p:nvGrpSpPr>
-        <p:cNvPr id="170" name="Shape 170"/>
+        <p:cNvPr id="171" name="Shape 171"/>
         <p:cNvGrpSpPr/>
         <p:nvPr/>
       </p:nvGrpSpPr>
@@ -1970,7 +1967,7 @@
       </p:grpSpPr>
       <p:sp>
         <p:nvSpPr>
-          <p:cNvPr id="171" name="Google Shape;171;g8fa0bfdf2e_0_123:notes"/>
+          <p:cNvPr id="172" name="Google Shape;172;g8fa0bfdf2e_0_135:notes"/>
           <p:cNvSpPr/>
           <p:nvPr>
             <p:ph idx="2" type="sldImg"/>
@@ -2005,7 +2002,7 @@
       </p:sp>
       <p:sp>
         <p:nvSpPr>
-          <p:cNvPr id="172" name="Google Shape;172;g8fa0bfdf2e_0_123:notes"/>
+          <p:cNvPr id="173" name="Google Shape;173;g8fa0bfdf2e_0_135:notes"/>
           <p:cNvSpPr txBox="1"/>
           <p:nvPr>
             <p:ph idx="1" type="body"/>
@@ -2055,7 +2052,7 @@
   <p:cSld>
     <p:spTree>
       <p:nvGrpSpPr>
-        <p:cNvPr id="176" name="Shape 176"/>
+        <p:cNvPr id="177" name="Shape 177"/>
         <p:cNvGrpSpPr/>
         <p:nvPr/>
       </p:nvGrpSpPr>
@@ -2069,7 +2066,7 @@
       </p:grpSpPr>
       <p:sp>
         <p:nvSpPr>
-          <p:cNvPr id="177" name="Google Shape;177;g8fa0bfdf2e_0_127:notes"/>
+          <p:cNvPr id="178" name="Google Shape;178;g8fa0bfdf2e_0_139:notes"/>
           <p:cNvSpPr/>
           <p:nvPr>
             <p:ph idx="2" type="sldImg"/>
@@ -2104,7 +2101,7 @@
       </p:sp>
       <p:sp>
         <p:nvSpPr>
-          <p:cNvPr id="178" name="Google Shape;178;g8fa0bfdf2e_0_127:notes"/>
+          <p:cNvPr id="179" name="Google Shape;179;g8fa0bfdf2e_0_139:notes"/>
           <p:cNvSpPr txBox="1"/>
           <p:nvPr>
             <p:ph idx="1" type="body"/>
@@ -2154,7 +2151,7 @@
   <p:cSld>
     <p:spTree>
       <p:nvGrpSpPr>
-        <p:cNvPr id="182" name="Shape 182"/>
+        <p:cNvPr id="183" name="Shape 183"/>
         <p:cNvGrpSpPr/>
         <p:nvPr/>
       </p:nvGrpSpPr>
@@ -2168,7 +2165,7 @@
       </p:grpSpPr>
       <p:sp>
         <p:nvSpPr>
-          <p:cNvPr id="183" name="Google Shape;183;g8fa0bfdf2e_0_131:notes"/>
+          <p:cNvPr id="184" name="Google Shape;184;g8fa0bfdf2e_0_143:notes"/>
           <p:cNvSpPr/>
           <p:nvPr>
             <p:ph idx="2" type="sldImg"/>
@@ -2203,7 +2200,7 @@
       </p:sp>
       <p:sp>
         <p:nvSpPr>
-          <p:cNvPr id="184" name="Google Shape;184;g8fa0bfdf2e_0_131:notes"/>
+          <p:cNvPr id="185" name="Google Shape;185;g8fa0bfdf2e_0_143:notes"/>
           <p:cNvSpPr txBox="1"/>
           <p:nvPr>
             <p:ph idx="1" type="body"/>
@@ -2253,7 +2250,7 @@
   <p:cSld>
     <p:spTree>
       <p:nvGrpSpPr>
-        <p:cNvPr id="188" name="Shape 188"/>
+        <p:cNvPr id="189" name="Shape 189"/>
         <p:cNvGrpSpPr/>
         <p:nvPr/>
       </p:nvGrpSpPr>
@@ -2267,7 +2264,7 @@
       </p:grpSpPr>
       <p:sp>
         <p:nvSpPr>
-          <p:cNvPr id="189" name="Google Shape;189;g8fa0bfdf2e_0_135:notes"/>
+          <p:cNvPr id="190" name="Google Shape;190;g8fa0bfdf2e_0_147:notes"/>
           <p:cNvSpPr/>
           <p:nvPr>
             <p:ph idx="2" type="sldImg"/>
@@ -2302,7 +2299,7 @@
       </p:sp>
       <p:sp>
         <p:nvSpPr>
-          <p:cNvPr id="190" name="Google Shape;190;g8fa0bfdf2e_0_135:notes"/>
+          <p:cNvPr id="191" name="Google Shape;191;g8fa0bfdf2e_0_147:notes"/>
           <p:cNvSpPr txBox="1"/>
           <p:nvPr>
             <p:ph idx="1" type="body"/>
@@ -2352,7 +2349,7 @@
   <p:cSld>
     <p:spTree>
       <p:nvGrpSpPr>
-        <p:cNvPr id="194" name="Shape 194"/>
+        <p:cNvPr id="195" name="Shape 195"/>
         <p:cNvGrpSpPr/>
         <p:nvPr/>
       </p:nvGrpSpPr>
@@ -2366,7 +2363,7 @@
       </p:grpSpPr>
       <p:sp>
         <p:nvSpPr>
-          <p:cNvPr id="195" name="Google Shape;195;g8fa0bfdf2e_0_139:notes"/>
+          <p:cNvPr id="196" name="Google Shape;196;g8fa0bfdf2e_0_20:notes"/>
           <p:cNvSpPr/>
           <p:nvPr>
             <p:ph idx="2" type="sldImg"/>
@@ -2401,7 +2398,7 @@
       </p:sp>
       <p:sp>
         <p:nvSpPr>
-          <p:cNvPr id="196" name="Google Shape;196;g8fa0bfdf2e_0_139:notes"/>
+          <p:cNvPr id="197" name="Google Shape;197;g8fa0bfdf2e_0_20:notes"/>
           <p:cNvSpPr txBox="1"/>
           <p:nvPr>
             <p:ph idx="1" type="body"/>
@@ -2465,7 +2462,7 @@
       </p:grpSpPr>
       <p:sp>
         <p:nvSpPr>
-          <p:cNvPr id="201" name="Google Shape;201;g8fa0bfdf2e_0_143:notes"/>
+          <p:cNvPr id="201" name="Google Shape;201;g8fa0bfdf2e_0_168:notes"/>
           <p:cNvSpPr/>
           <p:nvPr>
             <p:ph idx="2" type="sldImg"/>
@@ -2500,7 +2497,7 @@
       </p:sp>
       <p:sp>
         <p:nvSpPr>
-          <p:cNvPr id="202" name="Google Shape;202;g8fa0bfdf2e_0_143:notes"/>
+          <p:cNvPr id="202" name="Google Shape;202;g8fa0bfdf2e_0_168:notes"/>
           <p:cNvSpPr txBox="1"/>
           <p:nvPr>
             <p:ph idx="1" type="body"/>
@@ -2564,7 +2561,7 @@
       </p:grpSpPr>
       <p:sp>
         <p:nvSpPr>
-          <p:cNvPr id="207" name="Google Shape;207;g8fa0bfdf2e_0_147:notes"/>
+          <p:cNvPr id="207" name="Google Shape;207;g8fa0bfdf2e_0_173:notes"/>
           <p:cNvSpPr/>
           <p:nvPr>
             <p:ph idx="2" type="sldImg"/>
@@ -2599,7 +2596,7 @@
       </p:sp>
       <p:sp>
         <p:nvSpPr>
-          <p:cNvPr id="208" name="Google Shape;208;g8fa0bfdf2e_0_147:notes"/>
+          <p:cNvPr id="208" name="Google Shape;208;g8fa0bfdf2e_0_173:notes"/>
           <p:cNvSpPr txBox="1"/>
           <p:nvPr>
             <p:ph idx="1" type="body"/>
@@ -2663,7 +2660,7 @@
       </p:grpSpPr>
       <p:sp>
         <p:nvSpPr>
-          <p:cNvPr id="213" name="Google Shape;213;g8fa0bfdf2e_0_20:notes"/>
+          <p:cNvPr id="213" name="Google Shape;213;g8fa0bfdf2e_0_178:notes"/>
           <p:cNvSpPr/>
           <p:nvPr>
             <p:ph idx="2" type="sldImg"/>
@@ -2698,7 +2695,7 @@
       </p:sp>
       <p:sp>
         <p:nvSpPr>
-          <p:cNvPr id="214" name="Google Shape;214;g8fa0bfdf2e_0_20:notes"/>
+          <p:cNvPr id="214" name="Google Shape;214;g8fa0bfdf2e_0_178:notes"/>
           <p:cNvSpPr txBox="1"/>
           <p:nvPr>
             <p:ph idx="1" type="body"/>
@@ -2748,7 +2745,7 @@
   <p:cSld>
     <p:spTree>
       <p:nvGrpSpPr>
-        <p:cNvPr id="217" name="Shape 217"/>
+        <p:cNvPr id="219" name="Shape 219"/>
         <p:cNvGrpSpPr/>
         <p:nvPr/>
       </p:nvGrpSpPr>
@@ -2762,7 +2759,7 @@
       </p:grpSpPr>
       <p:sp>
         <p:nvSpPr>
-          <p:cNvPr id="218" name="Google Shape;218;g8fa0bfdf2e_0_168:notes"/>
+          <p:cNvPr id="220" name="Google Shape;220;g8fa0bfdf2e_0_184:notes"/>
           <p:cNvSpPr/>
           <p:nvPr>
             <p:ph idx="2" type="sldImg"/>
@@ -2797,7 +2794,7 @@
       </p:sp>
       <p:sp>
         <p:nvSpPr>
-          <p:cNvPr id="219" name="Google Shape;219;g8fa0bfdf2e_0_168:notes"/>
+          <p:cNvPr id="221" name="Google Shape;221;g8fa0bfdf2e_0_184:notes"/>
           <p:cNvSpPr txBox="1"/>
           <p:nvPr>
             <p:ph idx="1" type="body"/>
@@ -2847,7 +2844,7 @@
   <p:cSld>
     <p:spTree>
       <p:nvGrpSpPr>
-        <p:cNvPr id="223" name="Shape 223"/>
+        <p:cNvPr id="225" name="Shape 225"/>
         <p:cNvGrpSpPr/>
         <p:nvPr/>
       </p:nvGrpSpPr>
@@ -2861,7 +2858,7 @@
       </p:grpSpPr>
       <p:sp>
         <p:nvSpPr>
-          <p:cNvPr id="224" name="Google Shape;224;g8fa0bfdf2e_0_173:notes"/>
+          <p:cNvPr id="226" name="Google Shape;226;g8fa0bfdf2e_0_190:notes"/>
           <p:cNvSpPr/>
           <p:nvPr>
             <p:ph idx="2" type="sldImg"/>
@@ -2896,7 +2893,7 @@
       </p:sp>
       <p:sp>
         <p:nvSpPr>
-          <p:cNvPr id="225" name="Google Shape;225;g8fa0bfdf2e_0_173:notes"/>
+          <p:cNvPr id="227" name="Google Shape;227;g8fa0bfdf2e_0_190:notes"/>
           <p:cNvSpPr txBox="1"/>
           <p:nvPr>
             <p:ph idx="1" type="body"/>
@@ -2946,7 +2943,7 @@
   <p:cSld>
     <p:spTree>
       <p:nvGrpSpPr>
-        <p:cNvPr id="62" name="Shape 62"/>
+        <p:cNvPr id="64" name="Shape 64"/>
         <p:cNvGrpSpPr/>
         <p:nvPr/>
       </p:nvGrpSpPr>
@@ -2960,7 +2957,7 @@
       </p:grpSpPr>
       <p:sp>
         <p:nvSpPr>
-          <p:cNvPr id="63" name="Google Shape;63;g8fa0bfdf2e_0_9:notes"/>
+          <p:cNvPr id="65" name="Google Shape;65;g8fa0bfdf2e_0_50:notes"/>
           <p:cNvSpPr/>
           <p:nvPr>
             <p:ph idx="2" type="sldImg"/>
@@ -2995,7 +2992,7 @@
       </p:sp>
       <p:sp>
         <p:nvSpPr>
-          <p:cNvPr id="64" name="Google Shape;64;g8fa0bfdf2e_0_9:notes"/>
+          <p:cNvPr id="66" name="Google Shape;66;g8fa0bfdf2e_0_50:notes"/>
           <p:cNvSpPr txBox="1"/>
           <p:nvPr>
             <p:ph idx="1" type="body"/>
@@ -3045,7 +3042,7 @@
   <p:cSld>
     <p:spTree>
       <p:nvGrpSpPr>
-        <p:cNvPr id="229" name="Shape 229"/>
+        <p:cNvPr id="232" name="Shape 232"/>
         <p:cNvGrpSpPr/>
         <p:nvPr/>
       </p:nvGrpSpPr>
@@ -3059,7 +3056,7 @@
       </p:grpSpPr>
       <p:sp>
         <p:nvSpPr>
-          <p:cNvPr id="230" name="Google Shape;230;g8fa0bfdf2e_0_178:notes"/>
+          <p:cNvPr id="233" name="Google Shape;233;g8fa0bfdf2e_0_196:notes"/>
           <p:cNvSpPr/>
           <p:nvPr>
             <p:ph idx="2" type="sldImg"/>
@@ -3094,7 +3091,7 @@
       </p:sp>
       <p:sp>
         <p:nvSpPr>
-          <p:cNvPr id="231" name="Google Shape;231;g8fa0bfdf2e_0_178:notes"/>
+          <p:cNvPr id="234" name="Google Shape;234;g8fa0bfdf2e_0_196:notes"/>
           <p:cNvSpPr txBox="1"/>
           <p:nvPr>
             <p:ph idx="1" type="body"/>
@@ -3144,7 +3141,7 @@
   <p:cSld>
     <p:spTree>
       <p:nvGrpSpPr>
-        <p:cNvPr id="236" name="Shape 236"/>
+        <p:cNvPr id="240" name="Shape 240"/>
         <p:cNvGrpSpPr/>
         <p:nvPr/>
       </p:nvGrpSpPr>
@@ -3158,7 +3155,7 @@
       </p:grpSpPr>
       <p:sp>
         <p:nvSpPr>
-          <p:cNvPr id="237" name="Google Shape;237;g8fa0bfdf2e_0_184:notes"/>
+          <p:cNvPr id="241" name="Google Shape;241;g8fa0bfdf2e_0_202:notes"/>
           <p:cNvSpPr/>
           <p:nvPr>
             <p:ph idx="2" type="sldImg"/>
@@ -3193,7 +3190,7 @@
       </p:sp>
       <p:sp>
         <p:nvSpPr>
-          <p:cNvPr id="238" name="Google Shape;238;g8fa0bfdf2e_0_184:notes"/>
+          <p:cNvPr id="242" name="Google Shape;242;g8fa0bfdf2e_0_202:notes"/>
           <p:cNvSpPr txBox="1"/>
           <p:nvPr>
             <p:ph idx="1" type="body"/>
@@ -3243,7 +3240,7 @@
   <p:cSld>
     <p:spTree>
       <p:nvGrpSpPr>
-        <p:cNvPr id="242" name="Shape 242"/>
+        <p:cNvPr id="245" name="Shape 245"/>
         <p:cNvGrpSpPr/>
         <p:nvPr/>
       </p:nvGrpSpPr>
@@ -3257,7 +3254,7 @@
       </p:grpSpPr>
       <p:sp>
         <p:nvSpPr>
-          <p:cNvPr id="243" name="Google Shape;243;g8fa0bfdf2e_0_190:notes"/>
+          <p:cNvPr id="246" name="Google Shape;246;g8fa0bfdf2e_0_207:notes"/>
           <p:cNvSpPr/>
           <p:nvPr>
             <p:ph idx="2" type="sldImg"/>
@@ -3292,7 +3289,7 @@
       </p:sp>
       <p:sp>
         <p:nvSpPr>
-          <p:cNvPr id="244" name="Google Shape;244;g8fa0bfdf2e_0_190:notes"/>
+          <p:cNvPr id="247" name="Google Shape;247;g8fa0bfdf2e_0_207:notes"/>
           <p:cNvSpPr txBox="1"/>
           <p:nvPr>
             <p:ph idx="1" type="body"/>
@@ -3342,7 +3339,7 @@
   <p:cSld>
     <p:spTree>
       <p:nvGrpSpPr>
-        <p:cNvPr id="249" name="Shape 249"/>
+        <p:cNvPr id="250" name="Shape 250"/>
         <p:cNvGrpSpPr/>
         <p:nvPr/>
       </p:nvGrpSpPr>
@@ -3356,7 +3353,7 @@
       </p:grpSpPr>
       <p:sp>
         <p:nvSpPr>
-          <p:cNvPr id="250" name="Google Shape;250;g8fa0bfdf2e_0_196:notes"/>
+          <p:cNvPr id="251" name="Google Shape;251;g8fa0bfdf2e_0_213:notes"/>
           <p:cNvSpPr/>
           <p:nvPr>
             <p:ph idx="2" type="sldImg"/>
@@ -3391,7 +3388,7 @@
       </p:sp>
       <p:sp>
         <p:nvSpPr>
-          <p:cNvPr id="251" name="Google Shape;251;g8fa0bfdf2e_0_196:notes"/>
+          <p:cNvPr id="252" name="Google Shape;252;g8fa0bfdf2e_0_213:notes"/>
           <p:cNvSpPr txBox="1"/>
           <p:nvPr>
             <p:ph idx="1" type="body"/>
@@ -3441,7 +3438,7 @@
   <p:cSld>
     <p:spTree>
       <p:nvGrpSpPr>
-        <p:cNvPr id="254" name="Shape 254"/>
+        <p:cNvPr id="258" name="Shape 258"/>
         <p:cNvGrpSpPr/>
         <p:nvPr/>
       </p:nvGrpSpPr>
@@ -3455,7 +3452,7 @@
       </p:grpSpPr>
       <p:sp>
         <p:nvSpPr>
-          <p:cNvPr id="255" name="Google Shape;255;g8fa0bfdf2e_0_202:notes"/>
+          <p:cNvPr id="259" name="Google Shape;259;g8fa0bfdf2e_0_220:notes"/>
           <p:cNvSpPr/>
           <p:nvPr>
             <p:ph idx="2" type="sldImg"/>
@@ -3490,7 +3487,7 @@
       </p:sp>
       <p:sp>
         <p:nvSpPr>
-          <p:cNvPr id="256" name="Google Shape;256;g8fa0bfdf2e_0_202:notes"/>
+          <p:cNvPr id="260" name="Google Shape;260;g8fa0bfdf2e_0_220:notes"/>
           <p:cNvSpPr txBox="1"/>
           <p:nvPr>
             <p:ph idx="1" type="body"/>
@@ -3540,7 +3537,7 @@
   <p:cSld>
     <p:spTree>
       <p:nvGrpSpPr>
-        <p:cNvPr id="260" name="Shape 260"/>
+        <p:cNvPr id="266" name="Shape 266"/>
         <p:cNvGrpSpPr/>
         <p:nvPr/>
       </p:nvGrpSpPr>
@@ -3554,7 +3551,7 @@
       </p:grpSpPr>
       <p:sp>
         <p:nvSpPr>
-          <p:cNvPr id="261" name="Google Shape;261;g8fa0bfdf2e_0_207:notes"/>
+          <p:cNvPr id="267" name="Google Shape;267;g8fa0bfdf2e_0_228:notes"/>
           <p:cNvSpPr/>
           <p:nvPr>
             <p:ph idx="2" type="sldImg"/>
@@ -3589,7 +3586,7 @@
       </p:sp>
       <p:sp>
         <p:nvSpPr>
-          <p:cNvPr id="262" name="Google Shape;262;g8fa0bfdf2e_0_207:notes"/>
+          <p:cNvPr id="268" name="Google Shape;268;g8fa0bfdf2e_0_228:notes"/>
           <p:cNvSpPr txBox="1"/>
           <p:nvPr>
             <p:ph idx="1" type="body"/>
@@ -3639,7 +3636,7 @@
   <p:cSld>
     <p:spTree>
       <p:nvGrpSpPr>
-        <p:cNvPr id="265" name="Shape 265"/>
+        <p:cNvPr id="272" name="Shape 272"/>
         <p:cNvGrpSpPr/>
         <p:nvPr/>
       </p:nvGrpSpPr>
@@ -3653,7 +3650,7 @@
       </p:grpSpPr>
       <p:sp>
         <p:nvSpPr>
-          <p:cNvPr id="266" name="Google Shape;266;g8fa0bfdf2e_0_213:notes"/>
+          <p:cNvPr id="273" name="Google Shape;273;g8fa0bfdf2e_0_236:notes"/>
           <p:cNvSpPr/>
           <p:nvPr>
             <p:ph idx="2" type="sldImg"/>
@@ -3688,7 +3685,7 @@
       </p:sp>
       <p:sp>
         <p:nvSpPr>
-          <p:cNvPr id="267" name="Google Shape;267;g8fa0bfdf2e_0_213:notes"/>
+          <p:cNvPr id="274" name="Google Shape;274;g8fa0bfdf2e_0_236:notes"/>
           <p:cNvSpPr txBox="1"/>
           <p:nvPr>
             <p:ph idx="1" type="body"/>
@@ -3738,7 +3735,7 @@
   <p:cSld>
     <p:spTree>
       <p:nvGrpSpPr>
-        <p:cNvPr id="273" name="Shape 273"/>
+        <p:cNvPr id="278" name="Shape 278"/>
         <p:cNvGrpSpPr/>
         <p:nvPr/>
       </p:nvGrpSpPr>
@@ -3752,7 +3749,7 @@
       </p:grpSpPr>
       <p:sp>
         <p:nvSpPr>
-          <p:cNvPr id="274" name="Google Shape;274;g8fa0bfdf2e_0_220:notes"/>
+          <p:cNvPr id="279" name="Google Shape;279;g8fa0bfdf2e_0_242:notes"/>
           <p:cNvSpPr/>
           <p:nvPr>
             <p:ph idx="2" type="sldImg"/>
@@ -3787,7 +3784,7 @@
       </p:sp>
       <p:sp>
         <p:nvSpPr>
-          <p:cNvPr id="275" name="Google Shape;275;g8fa0bfdf2e_0_220:notes"/>
+          <p:cNvPr id="280" name="Google Shape;280;g8fa0bfdf2e_0_242:notes"/>
           <p:cNvSpPr txBox="1"/>
           <p:nvPr>
             <p:ph idx="1" type="body"/>
@@ -3837,7 +3834,7 @@
   <p:cSld>
     <p:spTree>
       <p:nvGrpSpPr>
-        <p:cNvPr id="281" name="Shape 281"/>
+        <p:cNvPr id="284" name="Shape 284"/>
         <p:cNvGrpSpPr/>
         <p:nvPr/>
       </p:nvGrpSpPr>
@@ -3851,7 +3848,7 @@
       </p:grpSpPr>
       <p:sp>
         <p:nvSpPr>
-          <p:cNvPr id="282" name="Google Shape;282;g8fa0bfdf2e_0_228:notes"/>
+          <p:cNvPr id="285" name="Google Shape;285;g8fa0bfdf2e_0_248:notes"/>
           <p:cNvSpPr/>
           <p:nvPr>
             <p:ph idx="2" type="sldImg"/>
@@ -3886,7 +3883,7 @@
       </p:sp>
       <p:sp>
         <p:nvSpPr>
-          <p:cNvPr id="283" name="Google Shape;283;g8fa0bfdf2e_0_228:notes"/>
+          <p:cNvPr id="286" name="Google Shape;286;g8fa0bfdf2e_0_248:notes"/>
           <p:cNvSpPr txBox="1"/>
           <p:nvPr>
             <p:ph idx="1" type="body"/>
@@ -3936,7 +3933,7 @@
   <p:cSld>
     <p:spTree>
       <p:nvGrpSpPr>
-        <p:cNvPr id="289" name="Shape 289"/>
+        <p:cNvPr id="293" name="Shape 293"/>
         <p:cNvGrpSpPr/>
         <p:nvPr/>
       </p:nvGrpSpPr>
@@ -3950,7 +3947,7 @@
       </p:grpSpPr>
       <p:sp>
         <p:nvSpPr>
-          <p:cNvPr id="290" name="Google Shape;290;g8fa0bfdf2e_0_236:notes"/>
+          <p:cNvPr id="294" name="Google Shape;294;g8fa0bfdf2e_0_253:notes"/>
           <p:cNvSpPr/>
           <p:nvPr>
             <p:ph idx="2" type="sldImg"/>
@@ -3985,7 +3982,7 @@
       </p:sp>
       <p:sp>
         <p:nvSpPr>
-          <p:cNvPr id="291" name="Google Shape;291;g8fa0bfdf2e_0_236:notes"/>
+          <p:cNvPr id="295" name="Google Shape;295;g8fa0bfdf2e_0_253:notes"/>
           <p:cNvSpPr txBox="1"/>
           <p:nvPr>
             <p:ph idx="1" type="body"/>
@@ -4035,7 +4032,7 @@
   <p:cSld>
     <p:spTree>
       <p:nvGrpSpPr>
-        <p:cNvPr id="73" name="Shape 73"/>
+        <p:cNvPr id="75" name="Shape 75"/>
         <p:cNvGrpSpPr/>
         <p:nvPr/>
       </p:nvGrpSpPr>
@@ -4049,7 +4046,7 @@
       </p:grpSpPr>
       <p:sp>
         <p:nvSpPr>
-          <p:cNvPr id="74" name="Google Shape;74;g8fa0bfdf2e_0_5:notes"/>
+          <p:cNvPr id="76" name="Google Shape;76;g8fa0bfdf2e_0_59:notes"/>
           <p:cNvSpPr/>
           <p:nvPr>
             <p:ph idx="2" type="sldImg"/>
@@ -4084,7 +4081,7 @@
       </p:sp>
       <p:sp>
         <p:nvSpPr>
-          <p:cNvPr id="75" name="Google Shape;75;g8fa0bfdf2e_0_5:notes"/>
+          <p:cNvPr id="77" name="Google Shape;77;g8fa0bfdf2e_0_59:notes"/>
           <p:cNvSpPr txBox="1"/>
           <p:nvPr>
             <p:ph idx="1" type="body"/>
@@ -4134,7 +4131,7 @@
   <p:cSld>
     <p:spTree>
       <p:nvGrpSpPr>
-        <p:cNvPr id="295" name="Shape 295"/>
+        <p:cNvPr id="298" name="Shape 298"/>
         <p:cNvGrpSpPr/>
         <p:nvPr/>
       </p:nvGrpSpPr>
@@ -4148,7 +4145,7 @@
       </p:grpSpPr>
       <p:sp>
         <p:nvSpPr>
-          <p:cNvPr id="296" name="Google Shape;296;g8fa0bfdf2e_0_242:notes"/>
+          <p:cNvPr id="299" name="Google Shape;299;g8fa0bfdf2e_0_257:notes"/>
           <p:cNvSpPr/>
           <p:nvPr>
             <p:ph idx="2" type="sldImg"/>
@@ -4183,7 +4180,7 @@
       </p:sp>
       <p:sp>
         <p:nvSpPr>
-          <p:cNvPr id="297" name="Google Shape;297;g8fa0bfdf2e_0_242:notes"/>
+          <p:cNvPr id="300" name="Google Shape;300;g8fa0bfdf2e_0_257:notes"/>
           <p:cNvSpPr txBox="1"/>
           <p:nvPr>
             <p:ph idx="1" type="body"/>
@@ -4233,7 +4230,7 @@
   <p:cSld>
     <p:spTree>
       <p:nvGrpSpPr>
-        <p:cNvPr id="302" name="Shape 302"/>
+        <p:cNvPr id="306" name="Shape 306"/>
         <p:cNvGrpSpPr/>
         <p:nvPr/>
       </p:nvGrpSpPr>
@@ -4247,7 +4244,7 @@
       </p:grpSpPr>
       <p:sp>
         <p:nvSpPr>
-          <p:cNvPr id="303" name="Google Shape;303;g8fa0bfdf2e_0_248:notes"/>
+          <p:cNvPr id="307" name="Google Shape;307;g8fa0bfdf2e_0_265:notes"/>
           <p:cNvSpPr/>
           <p:nvPr>
             <p:ph idx="2" type="sldImg"/>
@@ -4282,7 +4279,7 @@
       </p:sp>
       <p:sp>
         <p:nvSpPr>
-          <p:cNvPr id="304" name="Google Shape;304;g8fa0bfdf2e_0_248:notes"/>
+          <p:cNvPr id="308" name="Google Shape;308;g8fa0bfdf2e_0_265:notes"/>
           <p:cNvSpPr txBox="1"/>
           <p:nvPr>
             <p:ph idx="1" type="body"/>
@@ -4332,7 +4329,7 @@
   <p:cSld>
     <p:spTree>
       <p:nvGrpSpPr>
-        <p:cNvPr id="309" name="Shape 309"/>
+        <p:cNvPr id="312" name="Shape 312"/>
         <p:cNvGrpSpPr/>
         <p:nvPr/>
       </p:nvGrpSpPr>
@@ -4346,7 +4343,7 @@
       </p:grpSpPr>
       <p:sp>
         <p:nvSpPr>
-          <p:cNvPr id="310" name="Google Shape;310;g8fa0bfdf2e_0_253:notes"/>
+          <p:cNvPr id="313" name="Google Shape;313;g8fa0bfdf2e_0_270:notes"/>
           <p:cNvSpPr/>
           <p:nvPr>
             <p:ph idx="2" type="sldImg"/>
@@ -4381,7 +4378,7 @@
       </p:sp>
       <p:sp>
         <p:nvSpPr>
-          <p:cNvPr id="311" name="Google Shape;311;g8fa0bfdf2e_0_253:notes"/>
+          <p:cNvPr id="314" name="Google Shape;314;g8fa0bfdf2e_0_270:notes"/>
           <p:cNvSpPr txBox="1"/>
           <p:nvPr>
             <p:ph idx="1" type="body"/>
@@ -4431,7 +4428,7 @@
   <p:cSld>
     <p:spTree>
       <p:nvGrpSpPr>
-        <p:cNvPr id="314" name="Shape 314"/>
+        <p:cNvPr id="319" name="Shape 319"/>
         <p:cNvGrpSpPr/>
         <p:nvPr/>
       </p:nvGrpSpPr>
@@ -4445,7 +4442,7 @@
       </p:grpSpPr>
       <p:sp>
         <p:nvSpPr>
-          <p:cNvPr id="315" name="Google Shape;315;g8fa0bfdf2e_0_257:notes"/>
+          <p:cNvPr id="320" name="Google Shape;320;g8fa0bfdf2e_0_277:notes"/>
           <p:cNvSpPr/>
           <p:nvPr>
             <p:ph idx="2" type="sldImg"/>
@@ -4480,7 +4477,7 @@
       </p:sp>
       <p:sp>
         <p:nvSpPr>
-          <p:cNvPr id="316" name="Google Shape;316;g8fa0bfdf2e_0_257:notes"/>
+          <p:cNvPr id="321" name="Google Shape;321;g8fa0bfdf2e_0_277:notes"/>
           <p:cNvSpPr txBox="1"/>
           <p:nvPr>
             <p:ph idx="1" type="body"/>
@@ -4530,7 +4527,7 @@
   <p:cSld>
     <p:spTree>
       <p:nvGrpSpPr>
-        <p:cNvPr id="322" name="Shape 322"/>
+        <p:cNvPr id="331" name="Shape 331"/>
         <p:cNvGrpSpPr/>
         <p:nvPr/>
       </p:nvGrpSpPr>
@@ -4544,7 +4541,7 @@
       </p:grpSpPr>
       <p:sp>
         <p:nvSpPr>
-          <p:cNvPr id="323" name="Google Shape;323;g8fa0bfdf2e_0_265:notes"/>
+          <p:cNvPr id="332" name="Google Shape;332;g8fa0bfdf2e_0_288:notes"/>
           <p:cNvSpPr/>
           <p:nvPr>
             <p:ph idx="2" type="sldImg"/>
@@ -4579,7 +4576,7 @@
       </p:sp>
       <p:sp>
         <p:nvSpPr>
-          <p:cNvPr id="324" name="Google Shape;324;g8fa0bfdf2e_0_265:notes"/>
+          <p:cNvPr id="333" name="Google Shape;333;g8fa0bfdf2e_0_288:notes"/>
           <p:cNvSpPr txBox="1"/>
           <p:nvPr>
             <p:ph idx="1" type="body"/>
@@ -4629,7 +4626,7 @@
   <p:cSld>
     <p:spTree>
       <p:nvGrpSpPr>
-        <p:cNvPr id="328" name="Shape 328"/>
+        <p:cNvPr id="343" name="Shape 343"/>
         <p:cNvGrpSpPr/>
         <p:nvPr/>
       </p:nvGrpSpPr>
@@ -4643,7 +4640,7 @@
       </p:grpSpPr>
       <p:sp>
         <p:nvSpPr>
-          <p:cNvPr id="329" name="Google Shape;329;g8fa0bfdf2e_0_270:notes"/>
+          <p:cNvPr id="344" name="Google Shape;344;g8fa0bfdf2e_0_299:notes"/>
           <p:cNvSpPr/>
           <p:nvPr>
             <p:ph idx="2" type="sldImg"/>
@@ -4678,7 +4675,7 @@
       </p:sp>
       <p:sp>
         <p:nvSpPr>
-          <p:cNvPr id="330" name="Google Shape;330;g8fa0bfdf2e_0_270:notes"/>
+          <p:cNvPr id="345" name="Google Shape;345;g8fa0bfdf2e_0_299:notes"/>
           <p:cNvSpPr txBox="1"/>
           <p:nvPr>
             <p:ph idx="1" type="body"/>
@@ -4728,7 +4725,7 @@
   <p:cSld>
     <p:spTree>
       <p:nvGrpSpPr>
-        <p:cNvPr id="335" name="Shape 335"/>
+        <p:cNvPr id="351" name="Shape 351"/>
         <p:cNvGrpSpPr/>
         <p:nvPr/>
       </p:nvGrpSpPr>
@@ -4742,7 +4739,7 @@
       </p:grpSpPr>
       <p:sp>
         <p:nvSpPr>
-          <p:cNvPr id="336" name="Google Shape;336;g8fa0bfdf2e_0_277:notes"/>
+          <p:cNvPr id="352" name="Google Shape;352;g8fa0bfdf2e_0_306:notes"/>
           <p:cNvSpPr/>
           <p:nvPr>
             <p:ph idx="2" type="sldImg"/>
@@ -4777,7 +4774,7 @@
       </p:sp>
       <p:sp>
         <p:nvSpPr>
-          <p:cNvPr id="337" name="Google Shape;337;g8fa0bfdf2e_0_277:notes"/>
+          <p:cNvPr id="353" name="Google Shape;353;g8fa0bfdf2e_0_306:notes"/>
           <p:cNvSpPr txBox="1"/>
           <p:nvPr>
             <p:ph idx="1" type="body"/>
@@ -4823,105 +4820,6 @@
 </file>
 
 <file path=ppt/notesSlides/notesSlide47.xml><?xml version="1.0" encoding="utf-8"?>
-<p:notes xmlns:a="http://schemas.openxmlformats.org/drawingml/2006/main" xmlns:r="http://schemas.openxmlformats.org/officeDocument/2006/relationships" xmlns:mc="http://schemas.openxmlformats.org/markup-compatibility/2006" xmlns:mv="urn:schemas-microsoft-com:mac:vml" xmlns:p="http://schemas.openxmlformats.org/presentationml/2006/main" xmlns:c="http://schemas.openxmlformats.org/drawingml/2006/chart" xmlns:dgm="http://schemas.openxmlformats.org/drawingml/2006/diagram" xmlns:o="urn:schemas-microsoft-com:office:office" xmlns:v="urn:schemas-microsoft-com:vml" xmlns:pvml="urn:schemas-microsoft-com:office:powerpoint" xmlns:com="http://schemas.openxmlformats.org/drawingml/2006/compatibility" xmlns:p14="http://schemas.microsoft.com/office/powerpoint/2010/main" xmlns:p15="http://schemas.microsoft.com/office/powerpoint/2012/main" xmlns:ahyp="http://schemas.microsoft.com/office/drawing/2018/hyperlinkcolor" showMasterPhAnim="0" showMasterSp="0">
-  <p:cSld>
-    <p:spTree>
-      <p:nvGrpSpPr>
-        <p:cNvPr id="347" name="Shape 347"/>
-        <p:cNvGrpSpPr/>
-        <p:nvPr/>
-      </p:nvGrpSpPr>
-      <p:grpSpPr>
-        <a:xfrm>
-          <a:off x="0" y="0"/>
-          <a:ext cx="0" cy="0"/>
-          <a:chOff x="0" y="0"/>
-          <a:chExt cx="0" cy="0"/>
-        </a:xfrm>
-      </p:grpSpPr>
-      <p:sp>
-        <p:nvSpPr>
-          <p:cNvPr id="348" name="Google Shape;348;g8fa0bfdf2e_0_288:notes"/>
-          <p:cNvSpPr/>
-          <p:nvPr>
-            <p:ph idx="2" type="sldImg"/>
-          </p:nvPr>
-        </p:nvSpPr>
-        <p:spPr>
-          <a:xfrm>
-            <a:off x="1143309" y="685800"/>
-            <a:ext cx="4572000" cy="3429000"/>
-          </a:xfrm>
-          <a:custGeom>
-            <a:rect b="b" l="l" r="r" t="t"/>
-            <a:pathLst>
-              <a:path extrusionOk="0" h="120000" w="120000">
-                <a:moveTo>
-                  <a:pt x="0" y="0"/>
-                </a:moveTo>
-                <a:lnTo>
-                  <a:pt x="120000" y="0"/>
-                </a:lnTo>
-                <a:lnTo>
-                  <a:pt x="120000" y="120000"/>
-                </a:lnTo>
-                <a:lnTo>
-                  <a:pt x="0" y="120000"/>
-                </a:lnTo>
-                <a:close/>
-              </a:path>
-            </a:pathLst>
-          </a:custGeom>
-        </p:spPr>
-      </p:sp>
-      <p:sp>
-        <p:nvSpPr>
-          <p:cNvPr id="349" name="Google Shape;349;g8fa0bfdf2e_0_288:notes"/>
-          <p:cNvSpPr txBox="1"/>
-          <p:nvPr>
-            <p:ph idx="1" type="body"/>
-          </p:nvPr>
-        </p:nvSpPr>
-        <p:spPr>
-          <a:xfrm>
-            <a:off x="685800" y="4343400"/>
-            <a:ext cx="5486400" cy="4114800"/>
-          </a:xfrm>
-          <a:prstGeom prst="rect">
-            <a:avLst/>
-          </a:prstGeom>
-        </p:spPr>
-        <p:txBody>
-          <a:bodyPr anchorCtr="0" anchor="t" bIns="91425" lIns="91425" spcFirstLastPara="1" rIns="91425" wrap="square" tIns="91425">
-            <a:noAutofit/>
-          </a:bodyPr>
-          <a:lstStyle/>
-          <a:p>
-            <a:pPr indent="0" lvl="0" marL="0" rtl="0" algn="l">
-              <a:spcBef>
-                <a:spcPts val="0"/>
-              </a:spcBef>
-              <a:spcAft>
-                <a:spcPts val="0"/>
-              </a:spcAft>
-              <a:buNone/>
-            </a:pPr>
-            <a:r>
-              <a:t/>
-            </a:r>
-            <a:endParaRPr/>
-          </a:p>
-        </p:txBody>
-      </p:sp>
-    </p:spTree>
-  </p:cSld>
-  <p:clrMapOvr>
-    <a:masterClrMapping/>
-  </p:clrMapOvr>
-</p:notes>
-</file>
-
-<file path=ppt/notesSlides/notesSlide48.xml><?xml version="1.0" encoding="utf-8"?>
 <p:notes xmlns:a="http://schemas.openxmlformats.org/drawingml/2006/main" xmlns:r="http://schemas.openxmlformats.org/officeDocument/2006/relationships" xmlns:mc="http://schemas.openxmlformats.org/markup-compatibility/2006" xmlns:mv="urn:schemas-microsoft-com:mac:vml" xmlns:p="http://schemas.openxmlformats.org/presentationml/2006/main" xmlns:c="http://schemas.openxmlformats.org/drawingml/2006/chart" xmlns:dgm="http://schemas.openxmlformats.org/drawingml/2006/diagram" xmlns:o="urn:schemas-microsoft-com:office:office" xmlns:v="urn:schemas-microsoft-com:vml" xmlns:pvml="urn:schemas-microsoft-com:office:powerpoint" xmlns:com="http://schemas.openxmlformats.org/drawingml/2006/compatibility" xmlns:p14="http://schemas.microsoft.com/office/powerpoint/2010/main" xmlns:p15="http://schemas.microsoft.com/office/powerpoint/2012/main" xmlns:ahyp="http://schemas.microsoft.com/office/drawing/2018/hyperlinkcolor" showMasterPhAnim="0" showMasterSp="0">
   <p:cSld>
     <p:spTree>
@@ -4940,7 +4838,7 @@
       </p:grpSpPr>
       <p:sp>
         <p:nvSpPr>
-          <p:cNvPr id="360" name="Google Shape;360;g8fa0bfdf2e_0_299:notes"/>
+          <p:cNvPr id="360" name="Google Shape;360;g8fa0bfdf2e_0_326:notes"/>
           <p:cNvSpPr/>
           <p:nvPr>
             <p:ph idx="2" type="sldImg"/>
@@ -4975,7 +4873,106 @@
       </p:sp>
       <p:sp>
         <p:nvSpPr>
-          <p:cNvPr id="361" name="Google Shape;361;g8fa0bfdf2e_0_299:notes"/>
+          <p:cNvPr id="361" name="Google Shape;361;g8fa0bfdf2e_0_326:notes"/>
+          <p:cNvSpPr txBox="1"/>
+          <p:nvPr>
+            <p:ph idx="1" type="body"/>
+          </p:nvPr>
+        </p:nvSpPr>
+        <p:spPr>
+          <a:xfrm>
+            <a:off x="685800" y="4343400"/>
+            <a:ext cx="5486400" cy="4114800"/>
+          </a:xfrm>
+          <a:prstGeom prst="rect">
+            <a:avLst/>
+          </a:prstGeom>
+        </p:spPr>
+        <p:txBody>
+          <a:bodyPr anchorCtr="0" anchor="t" bIns="91425" lIns="91425" spcFirstLastPara="1" rIns="91425" wrap="square" tIns="91425">
+            <a:noAutofit/>
+          </a:bodyPr>
+          <a:lstStyle/>
+          <a:p>
+            <a:pPr indent="0" lvl="0" marL="0" rtl="0" algn="l">
+              <a:spcBef>
+                <a:spcPts val="0"/>
+              </a:spcBef>
+              <a:spcAft>
+                <a:spcPts val="0"/>
+              </a:spcAft>
+              <a:buNone/>
+            </a:pPr>
+            <a:r>
+              <a:t/>
+            </a:r>
+            <a:endParaRPr/>
+          </a:p>
+        </p:txBody>
+      </p:sp>
+    </p:spTree>
+  </p:cSld>
+  <p:clrMapOvr>
+    <a:masterClrMapping/>
+  </p:clrMapOvr>
+</p:notes>
+</file>
+
+<file path=ppt/notesSlides/notesSlide48.xml><?xml version="1.0" encoding="utf-8"?>
+<p:notes xmlns:a="http://schemas.openxmlformats.org/drawingml/2006/main" xmlns:r="http://schemas.openxmlformats.org/officeDocument/2006/relationships" xmlns:mc="http://schemas.openxmlformats.org/markup-compatibility/2006" xmlns:mv="urn:schemas-microsoft-com:mac:vml" xmlns:p="http://schemas.openxmlformats.org/presentationml/2006/main" xmlns:c="http://schemas.openxmlformats.org/drawingml/2006/chart" xmlns:dgm="http://schemas.openxmlformats.org/drawingml/2006/diagram" xmlns:o="urn:schemas-microsoft-com:office:office" xmlns:v="urn:schemas-microsoft-com:vml" xmlns:pvml="urn:schemas-microsoft-com:office:powerpoint" xmlns:com="http://schemas.openxmlformats.org/drawingml/2006/compatibility" xmlns:p14="http://schemas.microsoft.com/office/powerpoint/2010/main" xmlns:p15="http://schemas.microsoft.com/office/powerpoint/2012/main" xmlns:ahyp="http://schemas.microsoft.com/office/drawing/2018/hyperlinkcolor" showMasterPhAnim="0" showMasterSp="0">
+  <p:cSld>
+    <p:spTree>
+      <p:nvGrpSpPr>
+        <p:cNvPr id="364" name="Shape 364"/>
+        <p:cNvGrpSpPr/>
+        <p:nvPr/>
+      </p:nvGrpSpPr>
+      <p:grpSpPr>
+        <a:xfrm>
+          <a:off x="0" y="0"/>
+          <a:ext cx="0" cy="0"/>
+          <a:chOff x="0" y="0"/>
+          <a:chExt cx="0" cy="0"/>
+        </a:xfrm>
+      </p:grpSpPr>
+      <p:sp>
+        <p:nvSpPr>
+          <p:cNvPr id="365" name="Google Shape;365;g8fa0bfdf2e_0_330:notes"/>
+          <p:cNvSpPr/>
+          <p:nvPr>
+            <p:ph idx="2" type="sldImg"/>
+          </p:nvPr>
+        </p:nvSpPr>
+        <p:spPr>
+          <a:xfrm>
+            <a:off x="1143309" y="685800"/>
+            <a:ext cx="4572000" cy="3429000"/>
+          </a:xfrm>
+          <a:custGeom>
+            <a:rect b="b" l="l" r="r" t="t"/>
+            <a:pathLst>
+              <a:path extrusionOk="0" h="120000" w="120000">
+                <a:moveTo>
+                  <a:pt x="0" y="0"/>
+                </a:moveTo>
+                <a:lnTo>
+                  <a:pt x="120000" y="0"/>
+                </a:lnTo>
+                <a:lnTo>
+                  <a:pt x="120000" y="120000"/>
+                </a:lnTo>
+                <a:lnTo>
+                  <a:pt x="0" y="120000"/>
+                </a:lnTo>
+                <a:close/>
+              </a:path>
+            </a:pathLst>
+          </a:custGeom>
+        </p:spPr>
+      </p:sp>
+      <p:sp>
+        <p:nvSpPr>
+          <p:cNvPr id="366" name="Google Shape;366;g8fa0bfdf2e_0_330:notes"/>
           <p:cNvSpPr txBox="1"/>
           <p:nvPr>
             <p:ph idx="1" type="body"/>
@@ -5025,7 +5022,7 @@
   <p:cSld>
     <p:spTree>
       <p:nvGrpSpPr>
-        <p:cNvPr id="367" name="Shape 367"/>
+        <p:cNvPr id="371" name="Shape 371"/>
         <p:cNvGrpSpPr/>
         <p:nvPr/>
       </p:nvGrpSpPr>
@@ -5039,7 +5036,7 @@
       </p:grpSpPr>
       <p:sp>
         <p:nvSpPr>
-          <p:cNvPr id="368" name="Google Shape;368;g8fa0bfdf2e_0_306:notes"/>
+          <p:cNvPr id="372" name="Google Shape;372;g8fa0bfdf2e_0_334:notes"/>
           <p:cNvSpPr/>
           <p:nvPr>
             <p:ph idx="2" type="sldImg"/>
@@ -5074,7 +5071,7 @@
       </p:sp>
       <p:sp>
         <p:nvSpPr>
-          <p:cNvPr id="369" name="Google Shape;369;g8fa0bfdf2e_0_306:notes"/>
+          <p:cNvPr id="373" name="Google Shape;373;g8fa0bfdf2e_0_334:notes"/>
           <p:cNvSpPr txBox="1"/>
           <p:nvPr>
             <p:ph idx="1" type="body"/>
@@ -5124,7 +5121,7 @@
   <p:cSld>
     <p:spTree>
       <p:nvGrpSpPr>
-        <p:cNvPr id="78" name="Shape 78"/>
+        <p:cNvPr id="82" name="Shape 82"/>
         <p:cNvGrpSpPr/>
         <p:nvPr/>
       </p:nvGrpSpPr>
@@ -5138,7 +5135,7 @@
       </p:grpSpPr>
       <p:sp>
         <p:nvSpPr>
-          <p:cNvPr id="79" name="Google Shape;79;g8fa0bfdf2e_0_45:notes"/>
+          <p:cNvPr id="83" name="Google Shape;83;g8fa0bfdf2e_0_40:notes"/>
           <p:cNvSpPr/>
           <p:nvPr>
             <p:ph idx="2" type="sldImg"/>
@@ -5173,7 +5170,7 @@
       </p:sp>
       <p:sp>
         <p:nvSpPr>
-          <p:cNvPr id="80" name="Google Shape;80;g8fa0bfdf2e_0_45:notes"/>
+          <p:cNvPr id="84" name="Google Shape;84;g8fa0bfdf2e_0_40:notes"/>
           <p:cNvSpPr txBox="1"/>
           <p:nvPr>
             <p:ph idx="1" type="body"/>
@@ -5223,7 +5220,7 @@
   <p:cSld>
     <p:spTree>
       <p:nvGrpSpPr>
-        <p:cNvPr id="375" name="Shape 375"/>
+        <p:cNvPr id="376" name="Shape 376"/>
         <p:cNvGrpSpPr/>
         <p:nvPr/>
       </p:nvGrpSpPr>
@@ -5237,7 +5234,7 @@
       </p:grpSpPr>
       <p:sp>
         <p:nvSpPr>
-          <p:cNvPr id="376" name="Google Shape;376;g8fa0bfdf2e_0_326:notes"/>
+          <p:cNvPr id="377" name="Google Shape;377;g8fa0bfdf2e_0_338:notes"/>
           <p:cNvSpPr/>
           <p:nvPr>
             <p:ph idx="2" type="sldImg"/>
@@ -5272,7 +5269,7 @@
       </p:sp>
       <p:sp>
         <p:nvSpPr>
-          <p:cNvPr id="377" name="Google Shape;377;g8fa0bfdf2e_0_326:notes"/>
+          <p:cNvPr id="378" name="Google Shape;378;g8fa0bfdf2e_0_338:notes"/>
           <p:cNvSpPr txBox="1"/>
           <p:nvPr>
             <p:ph idx="1" type="body"/>
@@ -5322,7 +5319,7 @@
   <p:cSld>
     <p:spTree>
       <p:nvGrpSpPr>
-        <p:cNvPr id="380" name="Shape 380"/>
+        <p:cNvPr id="383" name="Shape 383"/>
         <p:cNvGrpSpPr/>
         <p:nvPr/>
       </p:nvGrpSpPr>
@@ -5336,7 +5333,7 @@
       </p:grpSpPr>
       <p:sp>
         <p:nvSpPr>
-          <p:cNvPr id="381" name="Google Shape;381;g8fa0bfdf2e_0_330:notes"/>
+          <p:cNvPr id="384" name="Google Shape;384;g8fa0bfdf2e_0_342:notes"/>
           <p:cNvSpPr/>
           <p:nvPr>
             <p:ph idx="2" type="sldImg"/>
@@ -5371,7 +5368,7 @@
       </p:sp>
       <p:sp>
         <p:nvSpPr>
-          <p:cNvPr id="382" name="Google Shape;382;g8fa0bfdf2e_0_330:notes"/>
+          <p:cNvPr id="385" name="Google Shape;385;g8fa0bfdf2e_0_342:notes"/>
           <p:cNvSpPr txBox="1"/>
           <p:nvPr>
             <p:ph idx="1" type="body"/>
@@ -5421,7 +5418,7 @@
   <p:cSld>
     <p:spTree>
       <p:nvGrpSpPr>
-        <p:cNvPr id="387" name="Shape 387"/>
+        <p:cNvPr id="389" name="Shape 389"/>
         <p:cNvGrpSpPr/>
         <p:nvPr/>
       </p:nvGrpSpPr>
@@ -5435,7 +5432,7 @@
       </p:grpSpPr>
       <p:sp>
         <p:nvSpPr>
-          <p:cNvPr id="388" name="Google Shape;388;g8fa0bfdf2e_0_334:notes"/>
+          <p:cNvPr id="390" name="Google Shape;390;g8fa0bfdf2e_0_346:notes"/>
           <p:cNvSpPr/>
           <p:nvPr>
             <p:ph idx="2" type="sldImg"/>
@@ -5470,7 +5467,7 @@
       </p:sp>
       <p:sp>
         <p:nvSpPr>
-          <p:cNvPr id="389" name="Google Shape;389;g8fa0bfdf2e_0_334:notes"/>
+          <p:cNvPr id="391" name="Google Shape;391;g8fa0bfdf2e_0_346:notes"/>
           <p:cNvSpPr txBox="1"/>
           <p:nvPr>
             <p:ph idx="1" type="body"/>
@@ -5520,7 +5517,7 @@
   <p:cSld>
     <p:spTree>
       <p:nvGrpSpPr>
-        <p:cNvPr id="392" name="Shape 392"/>
+        <p:cNvPr id="395" name="Shape 395"/>
         <p:cNvGrpSpPr/>
         <p:nvPr/>
       </p:nvGrpSpPr>
@@ -5534,7 +5531,7 @@
       </p:grpSpPr>
       <p:sp>
         <p:nvSpPr>
-          <p:cNvPr id="393" name="Google Shape;393;g8fa0bfdf2e_0_338:notes"/>
+          <p:cNvPr id="396" name="Google Shape;396;g8fa0bfdf2e_0_350:notes"/>
           <p:cNvSpPr/>
           <p:nvPr>
             <p:ph idx="2" type="sldImg"/>
@@ -5569,7 +5566,7 @@
       </p:sp>
       <p:sp>
         <p:nvSpPr>
-          <p:cNvPr id="394" name="Google Shape;394;g8fa0bfdf2e_0_338:notes"/>
+          <p:cNvPr id="397" name="Google Shape;397;g8fa0bfdf2e_0_350:notes"/>
           <p:cNvSpPr txBox="1"/>
           <p:nvPr>
             <p:ph idx="1" type="body"/>
@@ -5619,7 +5616,7 @@
   <p:cSld>
     <p:spTree>
       <p:nvGrpSpPr>
-        <p:cNvPr id="399" name="Shape 399"/>
+        <p:cNvPr id="401" name="Shape 401"/>
         <p:cNvGrpSpPr/>
         <p:nvPr/>
       </p:nvGrpSpPr>
@@ -5633,7 +5630,7 @@
       </p:grpSpPr>
       <p:sp>
         <p:nvSpPr>
-          <p:cNvPr id="400" name="Google Shape;400;g8fa0bfdf2e_0_342:notes"/>
+          <p:cNvPr id="402" name="Google Shape;402;g8fa0bfdf2e_0_354:notes"/>
           <p:cNvSpPr/>
           <p:nvPr>
             <p:ph idx="2" type="sldImg"/>
@@ -5668,7 +5665,7 @@
       </p:sp>
       <p:sp>
         <p:nvSpPr>
-          <p:cNvPr id="401" name="Google Shape;401;g8fa0bfdf2e_0_342:notes"/>
+          <p:cNvPr id="403" name="Google Shape;403;g8fa0bfdf2e_0_354:notes"/>
           <p:cNvSpPr txBox="1"/>
           <p:nvPr>
             <p:ph idx="1" type="body"/>
@@ -5718,7 +5715,7 @@
   <p:cSld>
     <p:spTree>
       <p:nvGrpSpPr>
-        <p:cNvPr id="405" name="Shape 405"/>
+        <p:cNvPr id="407" name="Shape 407"/>
         <p:cNvGrpSpPr/>
         <p:nvPr/>
       </p:nvGrpSpPr>
@@ -5732,7 +5729,7 @@
       </p:grpSpPr>
       <p:sp>
         <p:nvSpPr>
-          <p:cNvPr id="406" name="Google Shape;406;g8fa0bfdf2e_0_346:notes"/>
+          <p:cNvPr id="408" name="Google Shape;408;g8fa0bfdf2e_0_358:notes"/>
           <p:cNvSpPr/>
           <p:nvPr>
             <p:ph idx="2" type="sldImg"/>
@@ -5767,7 +5764,7 @@
       </p:sp>
       <p:sp>
         <p:nvSpPr>
-          <p:cNvPr id="407" name="Google Shape;407;g8fa0bfdf2e_0_346:notes"/>
+          <p:cNvPr id="409" name="Google Shape;409;g8fa0bfdf2e_0_358:notes"/>
           <p:cNvSpPr txBox="1"/>
           <p:nvPr>
             <p:ph idx="1" type="body"/>
@@ -5817,7 +5814,7 @@
   <p:cSld>
     <p:spTree>
       <p:nvGrpSpPr>
-        <p:cNvPr id="411" name="Shape 411"/>
+        <p:cNvPr id="413" name="Shape 413"/>
         <p:cNvGrpSpPr/>
         <p:nvPr/>
       </p:nvGrpSpPr>
@@ -5831,7 +5828,7 @@
       </p:grpSpPr>
       <p:sp>
         <p:nvSpPr>
-          <p:cNvPr id="412" name="Google Shape;412;g8fa0bfdf2e_0_350:notes"/>
+          <p:cNvPr id="414" name="Google Shape;414;g8fa0bfdf2e_0_362:notes"/>
           <p:cNvSpPr/>
           <p:nvPr>
             <p:ph idx="2" type="sldImg"/>
@@ -5866,7 +5863,7 @@
       </p:sp>
       <p:sp>
         <p:nvSpPr>
-          <p:cNvPr id="413" name="Google Shape;413;g8fa0bfdf2e_0_350:notes"/>
+          <p:cNvPr id="415" name="Google Shape;415;g8fa0bfdf2e_0_362:notes"/>
           <p:cNvSpPr txBox="1"/>
           <p:nvPr>
             <p:ph idx="1" type="body"/>
@@ -5916,7 +5913,7 @@
   <p:cSld>
     <p:spTree>
       <p:nvGrpSpPr>
-        <p:cNvPr id="417" name="Shape 417"/>
+        <p:cNvPr id="420" name="Shape 420"/>
         <p:cNvGrpSpPr/>
         <p:nvPr/>
       </p:nvGrpSpPr>
@@ -5930,7 +5927,7 @@
       </p:grpSpPr>
       <p:sp>
         <p:nvSpPr>
-          <p:cNvPr id="418" name="Google Shape;418;g8fa0bfdf2e_0_354:notes"/>
+          <p:cNvPr id="421" name="Google Shape;421;g8fa0bfdf2e_0_366:notes"/>
           <p:cNvSpPr/>
           <p:nvPr>
             <p:ph idx="2" type="sldImg"/>
@@ -5965,7 +5962,7 @@
       </p:sp>
       <p:sp>
         <p:nvSpPr>
-          <p:cNvPr id="419" name="Google Shape;419;g8fa0bfdf2e_0_354:notes"/>
+          <p:cNvPr id="422" name="Google Shape;422;g8fa0bfdf2e_0_366:notes"/>
           <p:cNvSpPr txBox="1"/>
           <p:nvPr>
             <p:ph idx="1" type="body"/>
@@ -6015,7 +6012,7 @@
   <p:cSld>
     <p:spTree>
       <p:nvGrpSpPr>
-        <p:cNvPr id="423" name="Shape 423"/>
+        <p:cNvPr id="426" name="Shape 426"/>
         <p:cNvGrpSpPr/>
         <p:nvPr/>
       </p:nvGrpSpPr>
@@ -6029,7 +6026,7 @@
       </p:grpSpPr>
       <p:sp>
         <p:nvSpPr>
-          <p:cNvPr id="424" name="Google Shape;424;g8fa0bfdf2e_0_358:notes"/>
+          <p:cNvPr id="427" name="Google Shape;427;g8fa0bfdf2e_0_370:notes"/>
           <p:cNvSpPr/>
           <p:nvPr>
             <p:ph idx="2" type="sldImg"/>
@@ -6064,7 +6061,7 @@
       </p:sp>
       <p:sp>
         <p:nvSpPr>
-          <p:cNvPr id="425" name="Google Shape;425;g8fa0bfdf2e_0_358:notes"/>
+          <p:cNvPr id="428" name="Google Shape;428;g8fa0bfdf2e_0_370:notes"/>
           <p:cNvSpPr txBox="1"/>
           <p:nvPr>
             <p:ph idx="1" type="body"/>
@@ -6114,7 +6111,7 @@
   <p:cSld>
     <p:spTree>
       <p:nvGrpSpPr>
-        <p:cNvPr id="429" name="Shape 429"/>
+        <p:cNvPr id="432" name="Shape 432"/>
         <p:cNvGrpSpPr/>
         <p:nvPr/>
       </p:nvGrpSpPr>
@@ -6128,7 +6125,7 @@
       </p:grpSpPr>
       <p:sp>
         <p:nvSpPr>
-          <p:cNvPr id="430" name="Google Shape;430;g8fa0bfdf2e_0_362:notes"/>
+          <p:cNvPr id="433" name="Google Shape;433;g8fa0bfdf2e_0_374:notes"/>
           <p:cNvSpPr/>
           <p:nvPr>
             <p:ph idx="2" type="sldImg"/>
@@ -6163,7 +6160,7 @@
       </p:sp>
       <p:sp>
         <p:nvSpPr>
-          <p:cNvPr id="431" name="Google Shape;431;g8fa0bfdf2e_0_362:notes"/>
+          <p:cNvPr id="434" name="Google Shape;434;g8fa0bfdf2e_0_374:notes"/>
           <p:cNvSpPr txBox="1"/>
           <p:nvPr>
             <p:ph idx="1" type="body"/>
@@ -6213,7 +6210,7 @@
   <p:cSld>
     <p:spTree>
       <p:nvGrpSpPr>
-        <p:cNvPr id="85" name="Shape 85"/>
+        <p:cNvPr id="89" name="Shape 89"/>
         <p:cNvGrpSpPr/>
         <p:nvPr/>
       </p:nvGrpSpPr>
@@ -6227,7 +6224,7 @@
       </p:grpSpPr>
       <p:sp>
         <p:nvSpPr>
-          <p:cNvPr id="86" name="Google Shape;86;g8fa0bfdf2e_0_50:notes"/>
+          <p:cNvPr id="90" name="Google Shape;90;g8fa0bfdf2e_0_66:notes"/>
           <p:cNvSpPr/>
           <p:nvPr>
             <p:ph idx="2" type="sldImg"/>
@@ -6262,7 +6259,7 @@
       </p:sp>
       <p:sp>
         <p:nvSpPr>
-          <p:cNvPr id="87" name="Google Shape;87;g8fa0bfdf2e_0_50:notes"/>
+          <p:cNvPr id="91" name="Google Shape;91;g8fa0bfdf2e_0_66:notes"/>
           <p:cNvSpPr txBox="1"/>
           <p:nvPr>
             <p:ph idx="1" type="body"/>
@@ -6312,7 +6309,7 @@
   <p:cSld>
     <p:spTree>
       <p:nvGrpSpPr>
-        <p:cNvPr id="436" name="Shape 436"/>
+        <p:cNvPr id="439" name="Shape 439"/>
         <p:cNvGrpSpPr/>
         <p:nvPr/>
       </p:nvGrpSpPr>
@@ -6326,7 +6323,7 @@
       </p:grpSpPr>
       <p:sp>
         <p:nvSpPr>
-          <p:cNvPr id="437" name="Google Shape;437;g8fa0bfdf2e_0_366:notes"/>
+          <p:cNvPr id="440" name="Google Shape;440;g8fa0bfdf2e_0_378:notes"/>
           <p:cNvSpPr/>
           <p:nvPr>
             <p:ph idx="2" type="sldImg"/>
@@ -6361,7 +6358,7 @@
       </p:sp>
       <p:sp>
         <p:nvSpPr>
-          <p:cNvPr id="438" name="Google Shape;438;g8fa0bfdf2e_0_366:notes"/>
+          <p:cNvPr id="441" name="Google Shape;441;g8fa0bfdf2e_0_378:notes"/>
           <p:cNvSpPr txBox="1"/>
           <p:nvPr>
             <p:ph idx="1" type="body"/>
@@ -6411,7 +6408,7 @@
   <p:cSld>
     <p:spTree>
       <p:nvGrpSpPr>
-        <p:cNvPr id="442" name="Shape 442"/>
+        <p:cNvPr id="445" name="Shape 445"/>
         <p:cNvGrpSpPr/>
         <p:nvPr/>
       </p:nvGrpSpPr>
@@ -6425,7 +6422,7 @@
       </p:grpSpPr>
       <p:sp>
         <p:nvSpPr>
-          <p:cNvPr id="443" name="Google Shape;443;g8fa0bfdf2e_0_370:notes"/>
+          <p:cNvPr id="446" name="Google Shape;446;g8fa0bfdf2e_0_382:notes"/>
           <p:cNvSpPr/>
           <p:nvPr>
             <p:ph idx="2" type="sldImg"/>
@@ -6460,7 +6457,7 @@
       </p:sp>
       <p:sp>
         <p:nvSpPr>
-          <p:cNvPr id="444" name="Google Shape;444;g8fa0bfdf2e_0_370:notes"/>
+          <p:cNvPr id="447" name="Google Shape;447;g8fa0bfdf2e_0_382:notes"/>
           <p:cNvSpPr txBox="1"/>
           <p:nvPr>
             <p:ph idx="1" type="body"/>
@@ -6510,7 +6507,7 @@
   <p:cSld>
     <p:spTree>
       <p:nvGrpSpPr>
-        <p:cNvPr id="448" name="Shape 448"/>
+        <p:cNvPr id="451" name="Shape 451"/>
         <p:cNvGrpSpPr/>
         <p:nvPr/>
       </p:nvGrpSpPr>
@@ -6524,7 +6521,7 @@
       </p:grpSpPr>
       <p:sp>
         <p:nvSpPr>
-          <p:cNvPr id="449" name="Google Shape;449;g8fa0bfdf2e_0_374:notes"/>
+          <p:cNvPr id="452" name="Google Shape;452;g8fa0bfdf2e_0_386:notes"/>
           <p:cNvSpPr/>
           <p:nvPr>
             <p:ph idx="2" type="sldImg"/>
@@ -6559,7 +6556,7 @@
       </p:sp>
       <p:sp>
         <p:nvSpPr>
-          <p:cNvPr id="450" name="Google Shape;450;g8fa0bfdf2e_0_374:notes"/>
+          <p:cNvPr id="453" name="Google Shape;453;g8fa0bfdf2e_0_386:notes"/>
           <p:cNvSpPr txBox="1"/>
           <p:nvPr>
             <p:ph idx="1" type="body"/>
@@ -6609,7 +6606,7 @@
   <p:cSld>
     <p:spTree>
       <p:nvGrpSpPr>
-        <p:cNvPr id="455" name="Shape 455"/>
+        <p:cNvPr id="457" name="Shape 457"/>
         <p:cNvGrpSpPr/>
         <p:nvPr/>
       </p:nvGrpSpPr>
@@ -6623,7 +6620,7 @@
       </p:grpSpPr>
       <p:sp>
         <p:nvSpPr>
-          <p:cNvPr id="456" name="Google Shape;456;g8fa0bfdf2e_0_378:notes"/>
+          <p:cNvPr id="458" name="Google Shape;458;g8fa0bfdf2e_0_390:notes"/>
           <p:cNvSpPr/>
           <p:nvPr>
             <p:ph idx="2" type="sldImg"/>
@@ -6658,7 +6655,7 @@
       </p:sp>
       <p:sp>
         <p:nvSpPr>
-          <p:cNvPr id="457" name="Google Shape;457;g8fa0bfdf2e_0_378:notes"/>
+          <p:cNvPr id="459" name="Google Shape;459;g8fa0bfdf2e_0_390:notes"/>
           <p:cNvSpPr txBox="1"/>
           <p:nvPr>
             <p:ph idx="1" type="body"/>
@@ -6708,7 +6705,7 @@
   <p:cSld>
     <p:spTree>
       <p:nvGrpSpPr>
-        <p:cNvPr id="461" name="Shape 461"/>
+        <p:cNvPr id="463" name="Shape 463"/>
         <p:cNvGrpSpPr/>
         <p:nvPr/>
       </p:nvGrpSpPr>
@@ -6722,7 +6719,7 @@
       </p:grpSpPr>
       <p:sp>
         <p:nvSpPr>
-          <p:cNvPr id="462" name="Google Shape;462;g8fa0bfdf2e_0_382:notes"/>
+          <p:cNvPr id="464" name="Google Shape;464;g8fa0bfdf2e_0_394:notes"/>
           <p:cNvSpPr/>
           <p:nvPr>
             <p:ph idx="2" type="sldImg"/>
@@ -6757,7 +6754,7 @@
       </p:sp>
       <p:sp>
         <p:nvSpPr>
-          <p:cNvPr id="463" name="Google Shape;463;g8fa0bfdf2e_0_382:notes"/>
+          <p:cNvPr id="465" name="Google Shape;465;g8fa0bfdf2e_0_394:notes"/>
           <p:cNvSpPr txBox="1"/>
           <p:nvPr>
             <p:ph idx="1" type="body"/>
@@ -6807,7 +6804,7 @@
   <p:cSld>
     <p:spTree>
       <p:nvGrpSpPr>
-        <p:cNvPr id="467" name="Shape 467"/>
+        <p:cNvPr id="469" name="Shape 469"/>
         <p:cNvGrpSpPr/>
         <p:nvPr/>
       </p:nvGrpSpPr>
@@ -6821,7 +6818,7 @@
       </p:grpSpPr>
       <p:sp>
         <p:nvSpPr>
-          <p:cNvPr id="468" name="Google Shape;468;g8fa0bfdf2e_0_386:notes"/>
+          <p:cNvPr id="470" name="Google Shape;470;g8fa0bfdf2e_0_398:notes"/>
           <p:cNvSpPr/>
           <p:nvPr>
             <p:ph idx="2" type="sldImg"/>
@@ -6856,7 +6853,7 @@
       </p:sp>
       <p:sp>
         <p:nvSpPr>
-          <p:cNvPr id="469" name="Google Shape;469;g8fa0bfdf2e_0_386:notes"/>
+          <p:cNvPr id="471" name="Google Shape;471;g8fa0bfdf2e_0_398:notes"/>
           <p:cNvSpPr txBox="1"/>
           <p:nvPr>
             <p:ph idx="1" type="body"/>
@@ -6906,7 +6903,7 @@
   <p:cSld>
     <p:spTree>
       <p:nvGrpSpPr>
-        <p:cNvPr id="473" name="Shape 473"/>
+        <p:cNvPr id="475" name="Shape 475"/>
         <p:cNvGrpSpPr/>
         <p:nvPr/>
       </p:nvGrpSpPr>
@@ -6920,7 +6917,7 @@
       </p:grpSpPr>
       <p:sp>
         <p:nvSpPr>
-          <p:cNvPr id="474" name="Google Shape;474;g8fa0bfdf2e_0_390:notes"/>
+          <p:cNvPr id="476" name="Google Shape;476;g8fa0bfdf2e_0_402:notes"/>
           <p:cNvSpPr/>
           <p:nvPr>
             <p:ph idx="2" type="sldImg"/>
@@ -6955,7 +6952,7 @@
       </p:sp>
       <p:sp>
         <p:nvSpPr>
-          <p:cNvPr id="475" name="Google Shape;475;g8fa0bfdf2e_0_390:notes"/>
+          <p:cNvPr id="477" name="Google Shape;477;g8fa0bfdf2e_0_402:notes"/>
           <p:cNvSpPr txBox="1"/>
           <p:nvPr>
             <p:ph idx="1" type="body"/>
@@ -7005,7 +7002,7 @@
   <p:cSld>
     <p:spTree>
       <p:nvGrpSpPr>
-        <p:cNvPr id="479" name="Shape 479"/>
+        <p:cNvPr id="482" name="Shape 482"/>
         <p:cNvGrpSpPr/>
         <p:nvPr/>
       </p:nvGrpSpPr>
@@ -7019,7 +7016,7 @@
       </p:grpSpPr>
       <p:sp>
         <p:nvSpPr>
-          <p:cNvPr id="480" name="Google Shape;480;g8fa0bfdf2e_0_394:notes"/>
+          <p:cNvPr id="483" name="Google Shape;483;g8fa0bfdf2e_0_406:notes"/>
           <p:cNvSpPr/>
           <p:nvPr>
             <p:ph idx="2" type="sldImg"/>
@@ -7054,7 +7051,7 @@
       </p:sp>
       <p:sp>
         <p:nvSpPr>
-          <p:cNvPr id="481" name="Google Shape;481;g8fa0bfdf2e_0_394:notes"/>
+          <p:cNvPr id="484" name="Google Shape;484;g8fa0bfdf2e_0_406:notes"/>
           <p:cNvSpPr txBox="1"/>
           <p:nvPr>
             <p:ph idx="1" type="body"/>
@@ -7104,7 +7101,7 @@
   <p:cSld>
     <p:spTree>
       <p:nvGrpSpPr>
-        <p:cNvPr id="485" name="Shape 485"/>
+        <p:cNvPr id="488" name="Shape 488"/>
         <p:cNvGrpSpPr/>
         <p:nvPr/>
       </p:nvGrpSpPr>
@@ -7118,7 +7115,7 @@
       </p:grpSpPr>
       <p:sp>
         <p:nvSpPr>
-          <p:cNvPr id="486" name="Google Shape;486;g8fa0bfdf2e_0_398:notes"/>
+          <p:cNvPr id="489" name="Google Shape;489;g8fa0bfdf2e_0_410:notes"/>
           <p:cNvSpPr/>
           <p:nvPr>
             <p:ph idx="2" type="sldImg"/>
@@ -7153,7 +7150,7 @@
       </p:sp>
       <p:sp>
         <p:nvSpPr>
-          <p:cNvPr id="487" name="Google Shape;487;g8fa0bfdf2e_0_398:notes"/>
+          <p:cNvPr id="490" name="Google Shape;490;g8fa0bfdf2e_0_410:notes"/>
           <p:cNvSpPr txBox="1"/>
           <p:nvPr>
             <p:ph idx="1" type="body"/>
@@ -7203,7 +7200,7 @@
   <p:cSld>
     <p:spTree>
       <p:nvGrpSpPr>
-        <p:cNvPr id="491" name="Shape 491"/>
+        <p:cNvPr id="494" name="Shape 494"/>
         <p:cNvGrpSpPr/>
         <p:nvPr/>
       </p:nvGrpSpPr>
@@ -7217,7 +7214,7 @@
       </p:grpSpPr>
       <p:sp>
         <p:nvSpPr>
-          <p:cNvPr id="492" name="Google Shape;492;g8fa0bfdf2e_0_402:notes"/>
+          <p:cNvPr id="495" name="Google Shape;495;g8fa0bfdf2e_0_414:notes"/>
           <p:cNvSpPr/>
           <p:nvPr>
             <p:ph idx="2" type="sldImg"/>
@@ -7252,7 +7249,7 @@
       </p:sp>
       <p:sp>
         <p:nvSpPr>
-          <p:cNvPr id="493" name="Google Shape;493;g8fa0bfdf2e_0_402:notes"/>
+          <p:cNvPr id="496" name="Google Shape;496;g8fa0bfdf2e_0_414:notes"/>
           <p:cNvSpPr txBox="1"/>
           <p:nvPr>
             <p:ph idx="1" type="body"/>
@@ -7302,7 +7299,7 @@
   <p:cSld>
     <p:spTree>
       <p:nvGrpSpPr>
-        <p:cNvPr id="92" name="Shape 92"/>
+        <p:cNvPr id="94" name="Shape 94"/>
         <p:cNvGrpSpPr/>
         <p:nvPr/>
       </p:nvGrpSpPr>
@@ -7316,7 +7313,7 @@
       </p:grpSpPr>
       <p:sp>
         <p:nvSpPr>
-          <p:cNvPr id="93" name="Google Shape;93;g8fa0bfdf2e_0_59:notes"/>
+          <p:cNvPr id="95" name="Google Shape;95;g8fa0bfdf2e_0_83:notes"/>
           <p:cNvSpPr/>
           <p:nvPr>
             <p:ph idx="2" type="sldImg"/>
@@ -7351,7 +7348,7 @@
       </p:sp>
       <p:sp>
         <p:nvSpPr>
-          <p:cNvPr id="94" name="Google Shape;94;g8fa0bfdf2e_0_59:notes"/>
+          <p:cNvPr id="96" name="Google Shape;96;g8fa0bfdf2e_0_83:notes"/>
           <p:cNvSpPr txBox="1"/>
           <p:nvPr>
             <p:ph idx="1" type="body"/>
@@ -7401,7 +7398,7 @@
   <p:cSld>
     <p:spTree>
       <p:nvGrpSpPr>
-        <p:cNvPr id="498" name="Shape 498"/>
+        <p:cNvPr id="501" name="Shape 501"/>
         <p:cNvGrpSpPr/>
         <p:nvPr/>
       </p:nvGrpSpPr>
@@ -7415,7 +7412,7 @@
       </p:grpSpPr>
       <p:sp>
         <p:nvSpPr>
-          <p:cNvPr id="499" name="Google Shape;499;g8fa0bfdf2e_0_406:notes"/>
+          <p:cNvPr id="502" name="Google Shape;502;g8fa0bfdf2e_0_418:notes"/>
           <p:cNvSpPr/>
           <p:nvPr>
             <p:ph idx="2" type="sldImg"/>
@@ -7450,7 +7447,7 @@
       </p:sp>
       <p:sp>
         <p:nvSpPr>
-          <p:cNvPr id="500" name="Google Shape;500;g8fa0bfdf2e_0_406:notes"/>
+          <p:cNvPr id="503" name="Google Shape;503;g8fa0bfdf2e_0_418:notes"/>
           <p:cNvSpPr txBox="1"/>
           <p:nvPr>
             <p:ph idx="1" type="body"/>
@@ -7500,7 +7497,7 @@
   <p:cSld>
     <p:spTree>
       <p:nvGrpSpPr>
-        <p:cNvPr id="504" name="Shape 504"/>
+        <p:cNvPr id="507" name="Shape 507"/>
         <p:cNvGrpSpPr/>
         <p:nvPr/>
       </p:nvGrpSpPr>
@@ -7514,7 +7511,7 @@
       </p:grpSpPr>
       <p:sp>
         <p:nvSpPr>
-          <p:cNvPr id="505" name="Google Shape;505;g8fa0bfdf2e_0_410:notes"/>
+          <p:cNvPr id="508" name="Google Shape;508;g8fa0bfdf2e_0_422:notes"/>
           <p:cNvSpPr/>
           <p:nvPr>
             <p:ph idx="2" type="sldImg"/>
@@ -7549,7 +7546,7 @@
       </p:sp>
       <p:sp>
         <p:nvSpPr>
-          <p:cNvPr id="506" name="Google Shape;506;g8fa0bfdf2e_0_410:notes"/>
+          <p:cNvPr id="509" name="Google Shape;509;g8fa0bfdf2e_0_422:notes"/>
           <p:cNvSpPr txBox="1"/>
           <p:nvPr>
             <p:ph idx="1" type="body"/>
@@ -7599,7 +7596,7 @@
   <p:cSld>
     <p:spTree>
       <p:nvGrpSpPr>
-        <p:cNvPr id="510" name="Shape 510"/>
+        <p:cNvPr id="513" name="Shape 513"/>
         <p:cNvGrpSpPr/>
         <p:nvPr/>
       </p:nvGrpSpPr>
@@ -7613,7 +7610,7 @@
       </p:grpSpPr>
       <p:sp>
         <p:nvSpPr>
-          <p:cNvPr id="511" name="Google Shape;511;g8fa0bfdf2e_0_414:notes"/>
+          <p:cNvPr id="514" name="Google Shape;514;g8fa0bfdf2e_0_426:notes"/>
           <p:cNvSpPr/>
           <p:nvPr>
             <p:ph idx="2" type="sldImg"/>
@@ -7648,7 +7645,7 @@
       </p:sp>
       <p:sp>
         <p:nvSpPr>
-          <p:cNvPr id="512" name="Google Shape;512;g8fa0bfdf2e_0_414:notes"/>
+          <p:cNvPr id="515" name="Google Shape;515;g8fa0bfdf2e_0_426:notes"/>
           <p:cNvSpPr txBox="1"/>
           <p:nvPr>
             <p:ph idx="1" type="body"/>
@@ -7698,7 +7695,7 @@
   <p:cSld>
     <p:spTree>
       <p:nvGrpSpPr>
-        <p:cNvPr id="517" name="Shape 517"/>
+        <p:cNvPr id="520" name="Shape 520"/>
         <p:cNvGrpSpPr/>
         <p:nvPr/>
       </p:nvGrpSpPr>
@@ -7712,7 +7709,7 @@
       </p:grpSpPr>
       <p:sp>
         <p:nvSpPr>
-          <p:cNvPr id="518" name="Google Shape;518;g8fa0bfdf2e_0_418:notes"/>
+          <p:cNvPr id="521" name="Google Shape;521;g8fa0bfdf2e_0_430:notes"/>
           <p:cNvSpPr/>
           <p:nvPr>
             <p:ph idx="2" type="sldImg"/>
@@ -7747,7 +7744,7 @@
       </p:sp>
       <p:sp>
         <p:nvSpPr>
-          <p:cNvPr id="519" name="Google Shape;519;g8fa0bfdf2e_0_418:notes"/>
+          <p:cNvPr id="522" name="Google Shape;522;g8fa0bfdf2e_0_430:notes"/>
           <p:cNvSpPr txBox="1"/>
           <p:nvPr>
             <p:ph idx="1" type="body"/>
@@ -7797,7 +7794,7 @@
   <p:cSld>
     <p:spTree>
       <p:nvGrpSpPr>
-        <p:cNvPr id="523" name="Shape 523"/>
+        <p:cNvPr id="526" name="Shape 526"/>
         <p:cNvGrpSpPr/>
         <p:nvPr/>
       </p:nvGrpSpPr>
@@ -7811,7 +7808,7 @@
       </p:grpSpPr>
       <p:sp>
         <p:nvSpPr>
-          <p:cNvPr id="524" name="Google Shape;524;g8fa0bfdf2e_0_422:notes"/>
+          <p:cNvPr id="527" name="Google Shape;527;g8fa0bfdf2e_0_434:notes"/>
           <p:cNvSpPr/>
           <p:nvPr>
             <p:ph idx="2" type="sldImg"/>
@@ -7846,7 +7843,7 @@
       </p:sp>
       <p:sp>
         <p:nvSpPr>
-          <p:cNvPr id="525" name="Google Shape;525;g8fa0bfdf2e_0_422:notes"/>
+          <p:cNvPr id="528" name="Google Shape;528;g8fa0bfdf2e_0_434:notes"/>
           <p:cNvSpPr txBox="1"/>
           <p:nvPr>
             <p:ph idx="1" type="body"/>
@@ -7896,7 +7893,7 @@
   <p:cSld>
     <p:spTree>
       <p:nvGrpSpPr>
-        <p:cNvPr id="529" name="Shape 529"/>
+        <p:cNvPr id="532" name="Shape 532"/>
         <p:cNvGrpSpPr/>
         <p:nvPr/>
       </p:nvGrpSpPr>
@@ -7910,7 +7907,7 @@
       </p:grpSpPr>
       <p:sp>
         <p:nvSpPr>
-          <p:cNvPr id="530" name="Google Shape;530;g8fa0bfdf2e_0_426:notes"/>
+          <p:cNvPr id="533" name="Google Shape;533;g8fa0bfdf2e_0_438:notes"/>
           <p:cNvSpPr/>
           <p:nvPr>
             <p:ph idx="2" type="sldImg"/>
@@ -7945,304 +7942,7 @@
       </p:sp>
       <p:sp>
         <p:nvSpPr>
-          <p:cNvPr id="531" name="Google Shape;531;g8fa0bfdf2e_0_426:notes"/>
-          <p:cNvSpPr txBox="1"/>
-          <p:nvPr>
-            <p:ph idx="1" type="body"/>
-          </p:nvPr>
-        </p:nvSpPr>
-        <p:spPr>
-          <a:xfrm>
-            <a:off x="685800" y="4343400"/>
-            <a:ext cx="5486400" cy="4114800"/>
-          </a:xfrm>
-          <a:prstGeom prst="rect">
-            <a:avLst/>
-          </a:prstGeom>
-        </p:spPr>
-        <p:txBody>
-          <a:bodyPr anchorCtr="0" anchor="t" bIns="91425" lIns="91425" spcFirstLastPara="1" rIns="91425" wrap="square" tIns="91425">
-            <a:noAutofit/>
-          </a:bodyPr>
-          <a:lstStyle/>
-          <a:p>
-            <a:pPr indent="0" lvl="0" marL="0" rtl="0" algn="l">
-              <a:spcBef>
-                <a:spcPts val="0"/>
-              </a:spcBef>
-              <a:spcAft>
-                <a:spcPts val="0"/>
-              </a:spcAft>
-              <a:buNone/>
-            </a:pPr>
-            <a:r>
-              <a:t/>
-            </a:r>
-            <a:endParaRPr/>
-          </a:p>
-        </p:txBody>
-      </p:sp>
-    </p:spTree>
-  </p:cSld>
-  <p:clrMapOvr>
-    <a:masterClrMapping/>
-  </p:clrMapOvr>
-</p:notes>
-</file>
-
-<file path=ppt/notesSlides/notesSlide76.xml><?xml version="1.0" encoding="utf-8"?>
-<p:notes xmlns:a="http://schemas.openxmlformats.org/drawingml/2006/main" xmlns:r="http://schemas.openxmlformats.org/officeDocument/2006/relationships" xmlns:mc="http://schemas.openxmlformats.org/markup-compatibility/2006" xmlns:mv="urn:schemas-microsoft-com:mac:vml" xmlns:p="http://schemas.openxmlformats.org/presentationml/2006/main" xmlns:c="http://schemas.openxmlformats.org/drawingml/2006/chart" xmlns:dgm="http://schemas.openxmlformats.org/drawingml/2006/diagram" xmlns:o="urn:schemas-microsoft-com:office:office" xmlns:v="urn:schemas-microsoft-com:vml" xmlns:pvml="urn:schemas-microsoft-com:office:powerpoint" xmlns:com="http://schemas.openxmlformats.org/drawingml/2006/compatibility" xmlns:p14="http://schemas.microsoft.com/office/powerpoint/2010/main" xmlns:p15="http://schemas.microsoft.com/office/powerpoint/2012/main" xmlns:ahyp="http://schemas.microsoft.com/office/drawing/2018/hyperlinkcolor" showMasterPhAnim="0" showMasterSp="0">
-  <p:cSld>
-    <p:spTree>
-      <p:nvGrpSpPr>
-        <p:cNvPr id="536" name="Shape 536"/>
-        <p:cNvGrpSpPr/>
-        <p:nvPr/>
-      </p:nvGrpSpPr>
-      <p:grpSpPr>
-        <a:xfrm>
-          <a:off x="0" y="0"/>
-          <a:ext cx="0" cy="0"/>
-          <a:chOff x="0" y="0"/>
-          <a:chExt cx="0" cy="0"/>
-        </a:xfrm>
-      </p:grpSpPr>
-      <p:sp>
-        <p:nvSpPr>
-          <p:cNvPr id="537" name="Google Shape;537;g8fa0bfdf2e_0_430:notes"/>
-          <p:cNvSpPr/>
-          <p:nvPr>
-            <p:ph idx="2" type="sldImg"/>
-          </p:nvPr>
-        </p:nvSpPr>
-        <p:spPr>
-          <a:xfrm>
-            <a:off x="1143309" y="685800"/>
-            <a:ext cx="4572000" cy="3429000"/>
-          </a:xfrm>
-          <a:custGeom>
-            <a:rect b="b" l="l" r="r" t="t"/>
-            <a:pathLst>
-              <a:path extrusionOk="0" h="120000" w="120000">
-                <a:moveTo>
-                  <a:pt x="0" y="0"/>
-                </a:moveTo>
-                <a:lnTo>
-                  <a:pt x="120000" y="0"/>
-                </a:lnTo>
-                <a:lnTo>
-                  <a:pt x="120000" y="120000"/>
-                </a:lnTo>
-                <a:lnTo>
-                  <a:pt x="0" y="120000"/>
-                </a:lnTo>
-                <a:close/>
-              </a:path>
-            </a:pathLst>
-          </a:custGeom>
-        </p:spPr>
-      </p:sp>
-      <p:sp>
-        <p:nvSpPr>
-          <p:cNvPr id="538" name="Google Shape;538;g8fa0bfdf2e_0_430:notes"/>
-          <p:cNvSpPr txBox="1"/>
-          <p:nvPr>
-            <p:ph idx="1" type="body"/>
-          </p:nvPr>
-        </p:nvSpPr>
-        <p:spPr>
-          <a:xfrm>
-            <a:off x="685800" y="4343400"/>
-            <a:ext cx="5486400" cy="4114800"/>
-          </a:xfrm>
-          <a:prstGeom prst="rect">
-            <a:avLst/>
-          </a:prstGeom>
-        </p:spPr>
-        <p:txBody>
-          <a:bodyPr anchorCtr="0" anchor="t" bIns="91425" lIns="91425" spcFirstLastPara="1" rIns="91425" wrap="square" tIns="91425">
-            <a:noAutofit/>
-          </a:bodyPr>
-          <a:lstStyle/>
-          <a:p>
-            <a:pPr indent="0" lvl="0" marL="0" rtl="0" algn="l">
-              <a:spcBef>
-                <a:spcPts val="0"/>
-              </a:spcBef>
-              <a:spcAft>
-                <a:spcPts val="0"/>
-              </a:spcAft>
-              <a:buNone/>
-            </a:pPr>
-            <a:r>
-              <a:t/>
-            </a:r>
-            <a:endParaRPr/>
-          </a:p>
-        </p:txBody>
-      </p:sp>
-    </p:spTree>
-  </p:cSld>
-  <p:clrMapOvr>
-    <a:masterClrMapping/>
-  </p:clrMapOvr>
-</p:notes>
-</file>
-
-<file path=ppt/notesSlides/notesSlide77.xml><?xml version="1.0" encoding="utf-8"?>
-<p:notes xmlns:a="http://schemas.openxmlformats.org/drawingml/2006/main" xmlns:r="http://schemas.openxmlformats.org/officeDocument/2006/relationships" xmlns:mc="http://schemas.openxmlformats.org/markup-compatibility/2006" xmlns:mv="urn:schemas-microsoft-com:mac:vml" xmlns:p="http://schemas.openxmlformats.org/presentationml/2006/main" xmlns:c="http://schemas.openxmlformats.org/drawingml/2006/chart" xmlns:dgm="http://schemas.openxmlformats.org/drawingml/2006/diagram" xmlns:o="urn:schemas-microsoft-com:office:office" xmlns:v="urn:schemas-microsoft-com:vml" xmlns:pvml="urn:schemas-microsoft-com:office:powerpoint" xmlns:com="http://schemas.openxmlformats.org/drawingml/2006/compatibility" xmlns:p14="http://schemas.microsoft.com/office/powerpoint/2010/main" xmlns:p15="http://schemas.microsoft.com/office/powerpoint/2012/main" xmlns:ahyp="http://schemas.microsoft.com/office/drawing/2018/hyperlinkcolor" showMasterPhAnim="0" showMasterSp="0">
-  <p:cSld>
-    <p:spTree>
-      <p:nvGrpSpPr>
-        <p:cNvPr id="542" name="Shape 542"/>
-        <p:cNvGrpSpPr/>
-        <p:nvPr/>
-      </p:nvGrpSpPr>
-      <p:grpSpPr>
-        <a:xfrm>
-          <a:off x="0" y="0"/>
-          <a:ext cx="0" cy="0"/>
-          <a:chOff x="0" y="0"/>
-          <a:chExt cx="0" cy="0"/>
-        </a:xfrm>
-      </p:grpSpPr>
-      <p:sp>
-        <p:nvSpPr>
-          <p:cNvPr id="543" name="Google Shape;543;g8fa0bfdf2e_0_434:notes"/>
-          <p:cNvSpPr/>
-          <p:nvPr>
-            <p:ph idx="2" type="sldImg"/>
-          </p:nvPr>
-        </p:nvSpPr>
-        <p:spPr>
-          <a:xfrm>
-            <a:off x="1143309" y="685800"/>
-            <a:ext cx="4572000" cy="3429000"/>
-          </a:xfrm>
-          <a:custGeom>
-            <a:rect b="b" l="l" r="r" t="t"/>
-            <a:pathLst>
-              <a:path extrusionOk="0" h="120000" w="120000">
-                <a:moveTo>
-                  <a:pt x="0" y="0"/>
-                </a:moveTo>
-                <a:lnTo>
-                  <a:pt x="120000" y="0"/>
-                </a:lnTo>
-                <a:lnTo>
-                  <a:pt x="120000" y="120000"/>
-                </a:lnTo>
-                <a:lnTo>
-                  <a:pt x="0" y="120000"/>
-                </a:lnTo>
-                <a:close/>
-              </a:path>
-            </a:pathLst>
-          </a:custGeom>
-        </p:spPr>
-      </p:sp>
-      <p:sp>
-        <p:nvSpPr>
-          <p:cNvPr id="544" name="Google Shape;544;g8fa0bfdf2e_0_434:notes"/>
-          <p:cNvSpPr txBox="1"/>
-          <p:nvPr>
-            <p:ph idx="1" type="body"/>
-          </p:nvPr>
-        </p:nvSpPr>
-        <p:spPr>
-          <a:xfrm>
-            <a:off x="685800" y="4343400"/>
-            <a:ext cx="5486400" cy="4114800"/>
-          </a:xfrm>
-          <a:prstGeom prst="rect">
-            <a:avLst/>
-          </a:prstGeom>
-        </p:spPr>
-        <p:txBody>
-          <a:bodyPr anchorCtr="0" anchor="t" bIns="91425" lIns="91425" spcFirstLastPara="1" rIns="91425" wrap="square" tIns="91425">
-            <a:noAutofit/>
-          </a:bodyPr>
-          <a:lstStyle/>
-          <a:p>
-            <a:pPr indent="0" lvl="0" marL="0" rtl="0" algn="l">
-              <a:spcBef>
-                <a:spcPts val="0"/>
-              </a:spcBef>
-              <a:spcAft>
-                <a:spcPts val="0"/>
-              </a:spcAft>
-              <a:buNone/>
-            </a:pPr>
-            <a:r>
-              <a:t/>
-            </a:r>
-            <a:endParaRPr/>
-          </a:p>
-        </p:txBody>
-      </p:sp>
-    </p:spTree>
-  </p:cSld>
-  <p:clrMapOvr>
-    <a:masterClrMapping/>
-  </p:clrMapOvr>
-</p:notes>
-</file>
-
-<file path=ppt/notesSlides/notesSlide78.xml><?xml version="1.0" encoding="utf-8"?>
-<p:notes xmlns:a="http://schemas.openxmlformats.org/drawingml/2006/main" xmlns:r="http://schemas.openxmlformats.org/officeDocument/2006/relationships" xmlns:mc="http://schemas.openxmlformats.org/markup-compatibility/2006" xmlns:mv="urn:schemas-microsoft-com:mac:vml" xmlns:p="http://schemas.openxmlformats.org/presentationml/2006/main" xmlns:c="http://schemas.openxmlformats.org/drawingml/2006/chart" xmlns:dgm="http://schemas.openxmlformats.org/drawingml/2006/diagram" xmlns:o="urn:schemas-microsoft-com:office:office" xmlns:v="urn:schemas-microsoft-com:vml" xmlns:pvml="urn:schemas-microsoft-com:office:powerpoint" xmlns:com="http://schemas.openxmlformats.org/drawingml/2006/compatibility" xmlns:p14="http://schemas.microsoft.com/office/powerpoint/2010/main" xmlns:p15="http://schemas.microsoft.com/office/powerpoint/2012/main" xmlns:ahyp="http://schemas.microsoft.com/office/drawing/2018/hyperlinkcolor" showMasterPhAnim="0" showMasterSp="0">
-  <p:cSld>
-    <p:spTree>
-      <p:nvGrpSpPr>
-        <p:cNvPr id="548" name="Shape 548"/>
-        <p:cNvGrpSpPr/>
-        <p:nvPr/>
-      </p:nvGrpSpPr>
-      <p:grpSpPr>
-        <a:xfrm>
-          <a:off x="0" y="0"/>
-          <a:ext cx="0" cy="0"/>
-          <a:chOff x="0" y="0"/>
-          <a:chExt cx="0" cy="0"/>
-        </a:xfrm>
-      </p:grpSpPr>
-      <p:sp>
-        <p:nvSpPr>
-          <p:cNvPr id="549" name="Google Shape;549;g8fa0bfdf2e_0_438:notes"/>
-          <p:cNvSpPr/>
-          <p:nvPr>
-            <p:ph idx="2" type="sldImg"/>
-          </p:nvPr>
-        </p:nvSpPr>
-        <p:spPr>
-          <a:xfrm>
-            <a:off x="1143309" y="685800"/>
-            <a:ext cx="4572000" cy="3429000"/>
-          </a:xfrm>
-          <a:custGeom>
-            <a:rect b="b" l="l" r="r" t="t"/>
-            <a:pathLst>
-              <a:path extrusionOk="0" h="120000" w="120000">
-                <a:moveTo>
-                  <a:pt x="0" y="0"/>
-                </a:moveTo>
-                <a:lnTo>
-                  <a:pt x="120000" y="0"/>
-                </a:lnTo>
-                <a:lnTo>
-                  <a:pt x="120000" y="120000"/>
-                </a:lnTo>
-                <a:lnTo>
-                  <a:pt x="0" y="120000"/>
-                </a:lnTo>
-                <a:close/>
-              </a:path>
-            </a:pathLst>
-          </a:custGeom>
-        </p:spPr>
-      </p:sp>
-      <p:sp>
-        <p:nvSpPr>
-          <p:cNvPr id="550" name="Google Shape;550;g8fa0bfdf2e_0_438:notes"/>
+          <p:cNvPr id="534" name="Google Shape;534;g8fa0bfdf2e_0_438:notes"/>
           <p:cNvSpPr txBox="1"/>
           <p:nvPr>
             <p:ph idx="1" type="body"/>
@@ -8306,7 +8006,7 @@
       </p:grpSpPr>
       <p:sp>
         <p:nvSpPr>
-          <p:cNvPr id="100" name="Google Shape;100;g8fa0bfdf2e_0_40:notes"/>
+          <p:cNvPr id="100" name="Google Shape;100;g8fa0bfdf2e_0_87:notes"/>
           <p:cNvSpPr/>
           <p:nvPr>
             <p:ph idx="2" type="sldImg"/>
@@ -8341,7 +8041,7 @@
       </p:sp>
       <p:sp>
         <p:nvSpPr>
-          <p:cNvPr id="101" name="Google Shape;101;g8fa0bfdf2e_0_40:notes"/>
+          <p:cNvPr id="101" name="Google Shape;101;g8fa0bfdf2e_0_87:notes"/>
           <p:cNvSpPr txBox="1"/>
           <p:nvPr>
             <p:ph idx="1" type="body"/>
@@ -8391,7 +8091,7 @@
   <p:cSld>
     <p:spTree>
       <p:nvGrpSpPr>
-        <p:cNvPr id="106" name="Shape 106"/>
+        <p:cNvPr id="105" name="Shape 105"/>
         <p:cNvGrpSpPr/>
         <p:nvPr/>
       </p:nvGrpSpPr>
@@ -8405,7 +8105,7 @@
       </p:grpSpPr>
       <p:sp>
         <p:nvSpPr>
-          <p:cNvPr id="107" name="Google Shape;107;g8fa0bfdf2e_0_66:notes"/>
+          <p:cNvPr id="106" name="Google Shape;106;g8fa0bfdf2e_0_91:notes"/>
           <p:cNvSpPr/>
           <p:nvPr>
             <p:ph idx="2" type="sldImg"/>
@@ -8440,7 +8140,7 @@
       </p:sp>
       <p:sp>
         <p:nvSpPr>
-          <p:cNvPr id="108" name="Google Shape;108;g8fa0bfdf2e_0_66:notes"/>
+          <p:cNvPr id="107" name="Google Shape;107;g8fa0bfdf2e_0_91:notes"/>
           <p:cNvSpPr txBox="1"/>
           <p:nvPr>
             <p:ph idx="1" type="body"/>
@@ -13319,6 +13019,40 @@
           </a:ln>
         </p:spPr>
       </p:pic>
+      <p:pic>
+        <p:nvPicPr>
+          <p:cNvPr id="116" name="Google Shape;116;p22"/>
+          <p:cNvPicPr preferRelativeResize="0"/>
+          <p:nvPr/>
+        </p:nvPicPr>
+        <p:blipFill>
+          <a:blip r:embed="rId4">
+            <a:alphaModFix/>
+          </a:blip>
+          <a:stretch>
+            <a:fillRect/>
+          </a:stretch>
+        </p:blipFill>
+        <p:spPr>
+          <a:xfrm>
+            <a:off x="4300538" y="6429375"/>
+            <a:ext cx="542925" cy="428625"/>
+          </a:xfrm>
+          <a:prstGeom prst="rect">
+            <a:avLst/>
+          </a:prstGeom>
+          <a:noFill/>
+          <a:ln cap="flat" cmpd="sng" w="9525">
+            <a:solidFill>
+              <a:schemeClr val="dk2"/>
+            </a:solidFill>
+            <a:prstDash val="solid"/>
+            <a:round/>
+            <a:headEnd len="sm" w="sm" type="none"/>
+            <a:tailEnd len="sm" w="sm" type="none"/>
+          </a:ln>
+        </p:spPr>
+      </p:pic>
     </p:spTree>
   </p:cSld>
   <p:clrMapOvr>
@@ -13332,7 +13066,7 @@
   <p:cSld>
     <p:spTree>
       <p:nvGrpSpPr>
-        <p:cNvPr id="119" name="Shape 119"/>
+        <p:cNvPr id="120" name="Shape 120"/>
         <p:cNvGrpSpPr/>
         <p:nvPr/>
       </p:nvGrpSpPr>
@@ -13346,7 +13080,7 @@
       </p:grpSpPr>
       <p:pic>
         <p:nvPicPr>
-          <p:cNvPr id="120" name="Google Shape;120;p23"/>
+          <p:cNvPr id="121" name="Google Shape;121;p23"/>
           <p:cNvPicPr preferRelativeResize="0"/>
           <p:nvPr/>
         </p:nvPicPr>
@@ -13374,7 +13108,7 @@
       </p:pic>
       <p:pic>
         <p:nvPicPr>
-          <p:cNvPr id="121" name="Google Shape;121;p23"/>
+          <p:cNvPr id="122" name="Google Shape;122;p23"/>
           <p:cNvPicPr preferRelativeResize="0"/>
           <p:nvPr/>
         </p:nvPicPr>
@@ -13388,8 +13122,8 @@
         </p:blipFill>
         <p:spPr>
           <a:xfrm>
-            <a:off x="4348163" y="6429375"/>
-            <a:ext cx="447675" cy="428625"/>
+            <a:off x="4300538" y="6429375"/>
+            <a:ext cx="542925" cy="428625"/>
           </a:xfrm>
           <a:prstGeom prst="rect">
             <a:avLst/>
@@ -13419,7 +13153,7 @@
   <p:cSld>
     <p:spTree>
       <p:nvGrpSpPr>
-        <p:cNvPr id="125" name="Shape 125"/>
+        <p:cNvPr id="126" name="Shape 126"/>
         <p:cNvGrpSpPr/>
         <p:nvPr/>
       </p:nvGrpSpPr>
@@ -13433,7 +13167,7 @@
       </p:grpSpPr>
       <p:pic>
         <p:nvPicPr>
-          <p:cNvPr id="126" name="Google Shape;126;p24"/>
+          <p:cNvPr id="127" name="Google Shape;127;p24"/>
           <p:cNvPicPr preferRelativeResize="0"/>
           <p:nvPr/>
         </p:nvPicPr>
@@ -13461,7 +13195,7 @@
       </p:pic>
       <p:pic>
         <p:nvPicPr>
-          <p:cNvPr id="127" name="Google Shape;127;p24"/>
+          <p:cNvPr id="128" name="Google Shape;128;p24"/>
           <p:cNvPicPr preferRelativeResize="0"/>
           <p:nvPr/>
         </p:nvPicPr>
@@ -13475,8 +13209,8 @@
         </p:blipFill>
         <p:spPr>
           <a:xfrm>
-            <a:off x="4348163" y="6429375"/>
-            <a:ext cx="447675" cy="428625"/>
+            <a:off x="4167188" y="6429375"/>
+            <a:ext cx="809625" cy="428625"/>
           </a:xfrm>
           <a:prstGeom prst="rect">
             <a:avLst/>
@@ -13506,7 +13240,7 @@
   <p:cSld>
     <p:spTree>
       <p:nvGrpSpPr>
-        <p:cNvPr id="131" name="Shape 131"/>
+        <p:cNvPr id="132" name="Shape 132"/>
         <p:cNvGrpSpPr/>
         <p:nvPr/>
       </p:nvGrpSpPr>
@@ -13520,7 +13254,7 @@
       </p:grpSpPr>
       <p:pic>
         <p:nvPicPr>
-          <p:cNvPr id="132" name="Google Shape;132;p25"/>
+          <p:cNvPr id="133" name="Google Shape;133;p25"/>
           <p:cNvPicPr preferRelativeResize="0"/>
           <p:nvPr/>
         </p:nvPicPr>
@@ -13548,7 +13282,7 @@
       </p:pic>
       <p:pic>
         <p:nvPicPr>
-          <p:cNvPr id="133" name="Google Shape;133;p25"/>
+          <p:cNvPr id="134" name="Google Shape;134;p25"/>
           <p:cNvPicPr preferRelativeResize="0"/>
           <p:nvPr/>
         </p:nvPicPr>
@@ -13562,8 +13296,8 @@
         </p:blipFill>
         <p:spPr>
           <a:xfrm>
-            <a:off x="4300538" y="6429375"/>
-            <a:ext cx="542925" cy="428625"/>
+            <a:off x="4167188" y="6429375"/>
+            <a:ext cx="809625" cy="428625"/>
           </a:xfrm>
           <a:prstGeom prst="rect">
             <a:avLst/>
@@ -13593,7 +13327,7 @@
   <p:cSld>
     <p:spTree>
       <p:nvGrpSpPr>
-        <p:cNvPr id="137" name="Shape 137"/>
+        <p:cNvPr id="138" name="Shape 138"/>
         <p:cNvGrpSpPr/>
         <p:nvPr/>
       </p:nvGrpSpPr>
@@ -13607,7 +13341,7 @@
       </p:grpSpPr>
       <p:pic>
         <p:nvPicPr>
-          <p:cNvPr id="138" name="Google Shape;138;p26"/>
+          <p:cNvPr id="139" name="Google Shape;139;p26"/>
           <p:cNvPicPr preferRelativeResize="0"/>
           <p:nvPr/>
         </p:nvPicPr>
@@ -13635,7 +13369,7 @@
       </p:pic>
       <p:pic>
         <p:nvPicPr>
-          <p:cNvPr id="139" name="Google Shape;139;p26"/>
+          <p:cNvPr id="140" name="Google Shape;140;p26"/>
           <p:cNvPicPr preferRelativeResize="0"/>
           <p:nvPr/>
         </p:nvPicPr>
@@ -13649,8 +13383,8 @@
         </p:blipFill>
         <p:spPr>
           <a:xfrm>
-            <a:off x="4300538" y="6429375"/>
-            <a:ext cx="542925" cy="428625"/>
+            <a:off x="4167188" y="6067425"/>
+            <a:ext cx="809625" cy="790575"/>
           </a:xfrm>
           <a:prstGeom prst="rect">
             <a:avLst/>
@@ -13680,7 +13414,7 @@
   <p:cSld>
     <p:spTree>
       <p:nvGrpSpPr>
-        <p:cNvPr id="143" name="Shape 143"/>
+        <p:cNvPr id="144" name="Shape 144"/>
         <p:cNvGrpSpPr/>
         <p:nvPr/>
       </p:nvGrpSpPr>
@@ -13694,7 +13428,7 @@
       </p:grpSpPr>
       <p:pic>
         <p:nvPicPr>
-          <p:cNvPr id="144" name="Google Shape;144;p27"/>
+          <p:cNvPr id="145" name="Google Shape;145;p27"/>
           <p:cNvPicPr preferRelativeResize="0"/>
           <p:nvPr/>
         </p:nvPicPr>
@@ -13722,7 +13456,7 @@
       </p:pic>
       <p:pic>
         <p:nvPicPr>
-          <p:cNvPr id="145" name="Google Shape;145;p27"/>
+          <p:cNvPr id="146" name="Google Shape;146;p27"/>
           <p:cNvPicPr preferRelativeResize="0"/>
           <p:nvPr/>
         </p:nvPicPr>
@@ -13736,8 +13470,8 @@
         </p:blipFill>
         <p:spPr>
           <a:xfrm>
-            <a:off x="4167188" y="6429375"/>
-            <a:ext cx="809625" cy="428625"/>
+            <a:off x="4167188" y="6067425"/>
+            <a:ext cx="809625" cy="790575"/>
           </a:xfrm>
           <a:prstGeom prst="rect">
             <a:avLst/>
@@ -13767,7 +13501,7 @@
   <p:cSld>
     <p:spTree>
       <p:nvGrpSpPr>
-        <p:cNvPr id="149" name="Shape 149"/>
+        <p:cNvPr id="150" name="Shape 150"/>
         <p:cNvGrpSpPr/>
         <p:nvPr/>
       </p:nvGrpSpPr>
@@ -13781,7 +13515,7 @@
       </p:grpSpPr>
       <p:pic>
         <p:nvPicPr>
-          <p:cNvPr id="150" name="Google Shape;150;p28"/>
+          <p:cNvPr id="151" name="Google Shape;151;p28"/>
           <p:cNvPicPr preferRelativeResize="0"/>
           <p:nvPr/>
         </p:nvPicPr>
@@ -13809,7 +13543,7 @@
       </p:pic>
       <p:pic>
         <p:nvPicPr>
-          <p:cNvPr id="151" name="Google Shape;151;p28"/>
+          <p:cNvPr id="152" name="Google Shape;152;p28"/>
           <p:cNvPicPr preferRelativeResize="0"/>
           <p:nvPr/>
         </p:nvPicPr>
@@ -13823,8 +13557,8 @@
         </p:blipFill>
         <p:spPr>
           <a:xfrm>
-            <a:off x="4167188" y="6429375"/>
-            <a:ext cx="809625" cy="428625"/>
+            <a:off x="4167188" y="6067425"/>
+            <a:ext cx="809625" cy="790575"/>
           </a:xfrm>
           <a:prstGeom prst="rect">
             <a:avLst/>
@@ -13854,7 +13588,7 @@
   <p:cSld>
     <p:spTree>
       <p:nvGrpSpPr>
-        <p:cNvPr id="155" name="Shape 155"/>
+        <p:cNvPr id="156" name="Shape 156"/>
         <p:cNvGrpSpPr/>
         <p:nvPr/>
       </p:nvGrpSpPr>
@@ -13868,7 +13602,7 @@
       </p:grpSpPr>
       <p:pic>
         <p:nvPicPr>
-          <p:cNvPr id="156" name="Google Shape;156;p29"/>
+          <p:cNvPr id="157" name="Google Shape;157;p29"/>
           <p:cNvPicPr preferRelativeResize="0"/>
           <p:nvPr/>
         </p:nvPicPr>
@@ -13896,7 +13630,7 @@
       </p:pic>
       <p:pic>
         <p:nvPicPr>
-          <p:cNvPr id="157" name="Google Shape;157;p29"/>
+          <p:cNvPr id="158" name="Google Shape;158;p29"/>
           <p:cNvPicPr preferRelativeResize="0"/>
           <p:nvPr/>
         </p:nvPicPr>
@@ -13941,7 +13675,7 @@
   <p:cSld>
     <p:spTree>
       <p:nvGrpSpPr>
-        <p:cNvPr id="161" name="Shape 161"/>
+        <p:cNvPr id="162" name="Shape 162"/>
         <p:cNvGrpSpPr/>
         <p:nvPr/>
       </p:nvGrpSpPr>
@@ -13955,7 +13689,7 @@
       </p:grpSpPr>
       <p:pic>
         <p:nvPicPr>
-          <p:cNvPr id="162" name="Google Shape;162;p30"/>
+          <p:cNvPr id="163" name="Google Shape;163;p30"/>
           <p:cNvPicPr preferRelativeResize="0"/>
           <p:nvPr/>
         </p:nvPicPr>
@@ -13983,7 +13717,7 @@
       </p:pic>
       <p:pic>
         <p:nvPicPr>
-          <p:cNvPr id="163" name="Google Shape;163;p30"/>
+          <p:cNvPr id="164" name="Google Shape;164;p30"/>
           <p:cNvPicPr preferRelativeResize="0"/>
           <p:nvPr/>
         </p:nvPicPr>
@@ -14028,7 +13762,7 @@
   <p:cSld>
     <p:spTree>
       <p:nvGrpSpPr>
-        <p:cNvPr id="167" name="Shape 167"/>
+        <p:cNvPr id="168" name="Shape 168"/>
         <p:cNvGrpSpPr/>
         <p:nvPr/>
       </p:nvGrpSpPr>
@@ -14042,7 +13776,7 @@
       </p:grpSpPr>
       <p:pic>
         <p:nvPicPr>
-          <p:cNvPr id="168" name="Google Shape;168;p31"/>
+          <p:cNvPr id="169" name="Google Shape;169;p31"/>
           <p:cNvPicPr preferRelativeResize="0"/>
           <p:nvPr/>
         </p:nvPicPr>
@@ -14070,7 +13804,7 @@
       </p:pic>
       <p:pic>
         <p:nvPicPr>
-          <p:cNvPr id="169" name="Google Shape;169;p31"/>
+          <p:cNvPr id="170" name="Google Shape;170;p31"/>
           <p:cNvPicPr preferRelativeResize="0"/>
           <p:nvPr/>
         </p:nvPicPr>
@@ -14127,30 +13861,100 @@
           <a:chExt cx="0" cy="0"/>
         </a:xfrm>
       </p:grpSpPr>
-      <p:sp>
-        <p:nvSpPr>
+      <p:pic>
+        <p:nvPicPr>
           <p:cNvPr id="61" name="Google Shape;61;p14"/>
+          <p:cNvPicPr preferRelativeResize="0"/>
+          <p:nvPr/>
+        </p:nvPicPr>
+        <p:blipFill>
+          <a:blip r:embed="rId3">
+            <a:alphaModFix/>
+          </a:blip>
+          <a:stretch>
+            <a:fillRect/>
+          </a:stretch>
+        </p:blipFill>
+        <p:spPr>
+          <a:xfrm>
+            <a:off x="4386263" y="3233738"/>
+            <a:ext cx="371475" cy="390525"/>
+          </a:xfrm>
+          <a:prstGeom prst="rect">
+            <a:avLst/>
+          </a:prstGeom>
+          <a:noFill/>
+          <a:ln cap="flat" cmpd="sng" w="9525">
+            <a:solidFill>
+              <a:schemeClr val="dk2"/>
+            </a:solidFill>
+            <a:prstDash val="solid"/>
+            <a:round/>
+            <a:headEnd len="sm" w="sm" type="none"/>
+            <a:tailEnd len="sm" w="sm" type="none"/>
+          </a:ln>
+        </p:spPr>
+      </p:pic>
+      <p:pic>
+        <p:nvPicPr>
+          <p:cNvPr id="62" name="Google Shape;62;p14"/>
+          <p:cNvPicPr preferRelativeResize="0"/>
+          <p:nvPr/>
+        </p:nvPicPr>
+        <p:blipFill>
+          <a:blip r:embed="rId4">
+            <a:alphaModFix/>
+          </a:blip>
+          <a:stretch>
+            <a:fillRect/>
+          </a:stretch>
+        </p:blipFill>
+        <p:spPr>
+          <a:xfrm>
+            <a:off x="3900488" y="0"/>
+            <a:ext cx="1343025" cy="371475"/>
+          </a:xfrm>
+          <a:prstGeom prst="rect">
+            <a:avLst/>
+          </a:prstGeom>
+          <a:noFill/>
+          <a:ln>
+            <a:noFill/>
+          </a:ln>
+        </p:spPr>
+      </p:pic>
+      <p:sp>
+        <p:nvSpPr>
+          <p:cNvPr id="63" name="Google Shape;63;p14"/>
           <p:cNvSpPr txBox="1"/>
-          <p:nvPr>
-            <p:ph type="title"/>
-          </p:nvPr>
-        </p:nvSpPr>
-        <p:spPr>
-          <a:xfrm>
-            <a:off x="311700" y="2867800"/>
-            <a:ext cx="8520600" cy="1122300"/>
-          </a:xfrm>
-          <a:prstGeom prst="rect">
-            <a:avLst/>
-          </a:prstGeom>
+          <p:nvPr/>
+        </p:nvSpPr>
+        <p:spPr>
+          <a:xfrm>
+            <a:off x="3844663" y="6486550"/>
+            <a:ext cx="1454700" cy="390600"/>
+          </a:xfrm>
+          <a:prstGeom prst="rect">
+            <a:avLst/>
+          </a:prstGeom>
+          <a:noFill/>
+          <a:ln cap="flat" cmpd="sng" w="9525">
+            <a:solidFill>
+              <a:srgbClr val="000000"/>
+            </a:solidFill>
+            <a:prstDash val="solid"/>
+            <a:round/>
+            <a:headEnd len="sm" w="sm" type="none"/>
+            <a:tailEnd len="sm" w="sm" type="none"/>
+          </a:ln>
         </p:spPr>
         <p:txBody>
-          <a:bodyPr anchorCtr="0" anchor="ctr" bIns="91425" lIns="91425" spcFirstLastPara="1" rIns="91425" wrap="square" tIns="91425">
+          <a:bodyPr anchorCtr="0" anchor="t" bIns="91425" lIns="91425" spcFirstLastPara="1" rIns="91425" wrap="square" tIns="91425">
             <a:noAutofit/>
           </a:bodyPr>
           <a:lstStyle/>
           <a:p>
-            <a:pPr indent="0" lvl="0" marL="0" rtl="0" algn="ctr">
+            <a:pPr indent="0" lvl="0" marL="0" rtl="0" algn="l">
               <a:spcBef>
                 <a:spcPts val="0"/>
               </a:spcBef>
@@ -14161,7 +13965,7 @@
             </a:pPr>
             <a:r>
               <a:rPr lang="cs"/>
-              <a:t>Review</a:t>
+              <a:t>Repeat? A line?</a:t>
             </a:r>
             <a:endParaRPr/>
           </a:p>
@@ -14180,7 +13984,7 @@
   <p:cSld>
     <p:spTree>
       <p:nvGrpSpPr>
-        <p:cNvPr id="173" name="Shape 173"/>
+        <p:cNvPr id="174" name="Shape 174"/>
         <p:cNvGrpSpPr/>
         <p:nvPr/>
       </p:nvGrpSpPr>
@@ -14194,7 +13998,7 @@
       </p:grpSpPr>
       <p:pic>
         <p:nvPicPr>
-          <p:cNvPr id="174" name="Google Shape;174;p32"/>
+          <p:cNvPr id="175" name="Google Shape;175;p32"/>
           <p:cNvPicPr preferRelativeResize="0"/>
           <p:nvPr/>
         </p:nvPicPr>
@@ -14222,7 +14026,7 @@
       </p:pic>
       <p:pic>
         <p:nvPicPr>
-          <p:cNvPr id="175" name="Google Shape;175;p32"/>
+          <p:cNvPr id="176" name="Google Shape;176;p32"/>
           <p:cNvPicPr preferRelativeResize="0"/>
           <p:nvPr/>
         </p:nvPicPr>
@@ -14267,7 +14071,7 @@
   <p:cSld>
     <p:spTree>
       <p:nvGrpSpPr>
-        <p:cNvPr id="179" name="Shape 179"/>
+        <p:cNvPr id="180" name="Shape 180"/>
         <p:cNvGrpSpPr/>
         <p:nvPr/>
       </p:nvGrpSpPr>
@@ -14281,7 +14085,7 @@
       </p:grpSpPr>
       <p:pic>
         <p:nvPicPr>
-          <p:cNvPr id="180" name="Google Shape;180;p33"/>
+          <p:cNvPr id="181" name="Google Shape;181;p33"/>
           <p:cNvPicPr preferRelativeResize="0"/>
           <p:nvPr/>
         </p:nvPicPr>
@@ -14309,7 +14113,7 @@
       </p:pic>
       <p:pic>
         <p:nvPicPr>
-          <p:cNvPr id="181" name="Google Shape;181;p33"/>
+          <p:cNvPr id="182" name="Google Shape;182;p33"/>
           <p:cNvPicPr preferRelativeResize="0"/>
           <p:nvPr/>
         </p:nvPicPr>
@@ -14354,7 +14158,7 @@
   <p:cSld>
     <p:spTree>
       <p:nvGrpSpPr>
-        <p:cNvPr id="185" name="Shape 185"/>
+        <p:cNvPr id="186" name="Shape 186"/>
         <p:cNvGrpSpPr/>
         <p:nvPr/>
       </p:nvGrpSpPr>
@@ -14368,7 +14172,7 @@
       </p:grpSpPr>
       <p:pic>
         <p:nvPicPr>
-          <p:cNvPr id="186" name="Google Shape;186;p34"/>
+          <p:cNvPr id="187" name="Google Shape;187;p34"/>
           <p:cNvPicPr preferRelativeResize="0"/>
           <p:nvPr/>
         </p:nvPicPr>
@@ -14396,7 +14200,7 @@
       </p:pic>
       <p:pic>
         <p:nvPicPr>
-          <p:cNvPr id="187" name="Google Shape;187;p34"/>
+          <p:cNvPr id="188" name="Google Shape;188;p34"/>
           <p:cNvPicPr preferRelativeResize="0"/>
           <p:nvPr/>
         </p:nvPicPr>
@@ -14410,8 +14214,8 @@
         </p:blipFill>
         <p:spPr>
           <a:xfrm>
-            <a:off x="4167188" y="6067425"/>
-            <a:ext cx="809625" cy="790575"/>
+            <a:off x="4167188" y="5667375"/>
+            <a:ext cx="809625" cy="1190625"/>
           </a:xfrm>
           <a:prstGeom prst="rect">
             <a:avLst/>
@@ -14441,7 +14245,7 @@
   <p:cSld>
     <p:spTree>
       <p:nvGrpSpPr>
-        <p:cNvPr id="191" name="Shape 191"/>
+        <p:cNvPr id="192" name="Shape 192"/>
         <p:cNvGrpSpPr/>
         <p:nvPr/>
       </p:nvGrpSpPr>
@@ -14455,7 +14259,7 @@
       </p:grpSpPr>
       <p:pic>
         <p:nvPicPr>
-          <p:cNvPr id="192" name="Google Shape;192;p35"/>
+          <p:cNvPr id="193" name="Google Shape;193;p35"/>
           <p:cNvPicPr preferRelativeResize="0"/>
           <p:nvPr/>
         </p:nvPicPr>
@@ -14483,7 +14287,7 @@
       </p:pic>
       <p:pic>
         <p:nvPicPr>
-          <p:cNvPr id="193" name="Google Shape;193;p35"/>
+          <p:cNvPr id="194" name="Google Shape;194;p35"/>
           <p:cNvPicPr preferRelativeResize="0"/>
           <p:nvPr/>
         </p:nvPicPr>
@@ -14497,8 +14301,8 @@
         </p:blipFill>
         <p:spPr>
           <a:xfrm>
-            <a:off x="4167188" y="6067425"/>
-            <a:ext cx="809625" cy="790575"/>
+            <a:off x="4167188" y="5667375"/>
+            <a:ext cx="809625" cy="1190625"/>
           </a:xfrm>
           <a:prstGeom prst="rect">
             <a:avLst/>
@@ -14528,7 +14332,7 @@
   <p:cSld>
     <p:spTree>
       <p:nvGrpSpPr>
-        <p:cNvPr id="197" name="Shape 197"/>
+        <p:cNvPr id="198" name="Shape 198"/>
         <p:cNvGrpSpPr/>
         <p:nvPr/>
       </p:nvGrpSpPr>
@@ -14542,7 +14346,7 @@
       </p:grpSpPr>
       <p:pic>
         <p:nvPicPr>
-          <p:cNvPr id="198" name="Google Shape;198;p36"/>
+          <p:cNvPr id="199" name="Google Shape;199;p36"/>
           <p:cNvPicPr preferRelativeResize="0"/>
           <p:nvPr/>
         </p:nvPicPr>
@@ -14556,8 +14360,8 @@
         </p:blipFill>
         <p:spPr>
           <a:xfrm>
-            <a:off x="152400" y="152400"/>
-            <a:ext cx="4829175" cy="2124075"/>
+            <a:off x="1143000" y="0"/>
+            <a:ext cx="6858000" cy="6858000"/>
           </a:xfrm>
           <a:prstGeom prst="rect">
             <a:avLst/>
@@ -14565,40 +14369,6 @@
           <a:noFill/>
           <a:ln>
             <a:noFill/>
-          </a:ln>
-        </p:spPr>
-      </p:pic>
-      <p:pic>
-        <p:nvPicPr>
-          <p:cNvPr id="199" name="Google Shape;199;p36"/>
-          <p:cNvPicPr preferRelativeResize="0"/>
-          <p:nvPr/>
-        </p:nvPicPr>
-        <p:blipFill>
-          <a:blip r:embed="rId4">
-            <a:alphaModFix/>
-          </a:blip>
-          <a:stretch>
-            <a:fillRect/>
-          </a:stretch>
-        </p:blipFill>
-        <p:spPr>
-          <a:xfrm>
-            <a:off x="4167188" y="6067425"/>
-            <a:ext cx="809625" cy="790575"/>
-          </a:xfrm>
-          <a:prstGeom prst="rect">
-            <a:avLst/>
-          </a:prstGeom>
-          <a:noFill/>
-          <a:ln cap="flat" cmpd="sng" w="9525">
-            <a:solidFill>
-              <a:schemeClr val="dk2"/>
-            </a:solidFill>
-            <a:prstDash val="solid"/>
-            <a:round/>
-            <a:headEnd len="sm" w="sm" type="none"/>
-            <a:tailEnd len="sm" w="sm" type="none"/>
           </a:ln>
         </p:spPr>
       </p:pic>
@@ -14643,8 +14413,8 @@
         </p:blipFill>
         <p:spPr>
           <a:xfrm>
-            <a:off x="152400" y="152400"/>
-            <a:ext cx="4829175" cy="2124075"/>
+            <a:off x="1143000" y="0"/>
+            <a:ext cx="6858000" cy="6858000"/>
           </a:xfrm>
           <a:prstGeom prst="rect">
             <a:avLst/>
@@ -14655,40 +14425,56 @@
           </a:ln>
         </p:spPr>
       </p:pic>
-      <p:pic>
-        <p:nvPicPr>
+      <p:sp>
+        <p:nvSpPr>
           <p:cNvPr id="205" name="Google Shape;205;p37"/>
-          <p:cNvPicPr preferRelativeResize="0"/>
+          <p:cNvSpPr txBox="1"/>
           <p:nvPr/>
-        </p:nvPicPr>
-        <p:blipFill>
-          <a:blip r:embed="rId4">
-            <a:alphaModFix/>
-          </a:blip>
-          <a:stretch>
-            <a:fillRect/>
-          </a:stretch>
-        </p:blipFill>
-        <p:spPr>
-          <a:xfrm>
-            <a:off x="4167188" y="5667375"/>
-            <a:ext cx="809625" cy="1190625"/>
+        </p:nvSpPr>
+        <p:spPr>
+          <a:xfrm>
+            <a:off x="2848350" y="2826900"/>
+            <a:ext cx="3447300" cy="1204200"/>
           </a:xfrm>
           <a:prstGeom prst="rect">
             <a:avLst/>
           </a:prstGeom>
           <a:noFill/>
-          <a:ln cap="flat" cmpd="sng" w="9525">
-            <a:solidFill>
-              <a:schemeClr val="dk2"/>
-            </a:solidFill>
-            <a:prstDash val="solid"/>
-            <a:round/>
-            <a:headEnd len="sm" w="sm" type="none"/>
-            <a:tailEnd len="sm" w="sm" type="none"/>
+          <a:ln>
+            <a:noFill/>
           </a:ln>
         </p:spPr>
-      </p:pic>
+        <p:txBody>
+          <a:bodyPr anchorCtr="0" anchor="t" bIns="91425" lIns="91425" spcFirstLastPara="1" rIns="91425" wrap="square" tIns="91425">
+            <a:noAutofit/>
+          </a:bodyPr>
+          <a:lstStyle/>
+          <a:p>
+            <a:pPr indent="0" lvl="0" marL="0" rtl="0" algn="l">
+              <a:spcBef>
+                <a:spcPts val="0"/>
+              </a:spcBef>
+              <a:spcAft>
+                <a:spcPts val="0"/>
+              </a:spcAft>
+              <a:buNone/>
+            </a:pPr>
+            <a:r>
+              <a:rPr b="1" lang="cs" sz="3800">
+                <a:solidFill>
+                  <a:srgbClr val="FF0000"/>
+                </a:solidFill>
+              </a:rPr>
+              <a:t>Decompose</a:t>
+            </a:r>
+            <a:endParaRPr b="1" sz="3800">
+              <a:solidFill>
+                <a:srgbClr val="FF0000"/>
+              </a:solidFill>
+            </a:endParaRPr>
+          </a:p>
+        </p:txBody>
+      </p:sp>
     </p:spTree>
   </p:cSld>
   <p:clrMapOvr>
@@ -14730,8 +14516,8 @@
         </p:blipFill>
         <p:spPr>
           <a:xfrm>
-            <a:off x="152400" y="152400"/>
-            <a:ext cx="4829175" cy="2124075"/>
+            <a:off x="1143000" y="0"/>
+            <a:ext cx="6858000" cy="6858000"/>
           </a:xfrm>
           <a:prstGeom prst="rect">
             <a:avLst/>
@@ -14742,32 +14528,26 @@
           </a:ln>
         </p:spPr>
       </p:pic>
-      <p:pic>
-        <p:nvPicPr>
+      <p:sp>
+        <p:nvSpPr>
           <p:cNvPr id="211" name="Google Shape;211;p38"/>
-          <p:cNvPicPr preferRelativeResize="0"/>
+          <p:cNvSpPr/>
           <p:nvPr/>
-        </p:nvPicPr>
-        <p:blipFill>
-          <a:blip r:embed="rId4">
-            <a:alphaModFix/>
-          </a:blip>
-          <a:stretch>
-            <a:fillRect/>
-          </a:stretch>
-        </p:blipFill>
-        <p:spPr>
-          <a:xfrm>
-            <a:off x="4167188" y="5667375"/>
-            <a:ext cx="809625" cy="1190625"/>
-          </a:xfrm>
-          <a:prstGeom prst="rect">
-            <a:avLst/>
+        </p:nvSpPr>
+        <p:spPr>
+          <a:xfrm>
+            <a:off x="1057200" y="18375"/>
+            <a:ext cx="7078500" cy="919200"/>
+          </a:xfrm>
+          <a:prstGeom prst="roundRect">
+            <a:avLst>
+              <a:gd fmla="val 16667" name="adj"/>
+            </a:avLst>
           </a:prstGeom>
           <a:noFill/>
-          <a:ln cap="flat" cmpd="sng" w="9525">
+          <a:ln cap="flat" cmpd="sng" w="38100">
             <a:solidFill>
-              <a:schemeClr val="dk2"/>
+              <a:srgbClr val="FF9900"/>
             </a:solidFill>
             <a:prstDash val="solid"/>
             <a:round/>
@@ -14775,7 +14555,28 @@
             <a:tailEnd len="sm" w="sm" type="none"/>
           </a:ln>
         </p:spPr>
-      </p:pic>
+        <p:txBody>
+          <a:bodyPr anchorCtr="0" anchor="ctr" bIns="91425" lIns="91425" spcFirstLastPara="1" rIns="91425" wrap="square" tIns="91425">
+            <a:noAutofit/>
+          </a:bodyPr>
+          <a:lstStyle/>
+          <a:p>
+            <a:pPr indent="0" lvl="0" marL="0" rtl="0" algn="l">
+              <a:spcBef>
+                <a:spcPts val="0"/>
+              </a:spcBef>
+              <a:spcAft>
+                <a:spcPts val="0"/>
+              </a:spcAft>
+              <a:buNone/>
+            </a:pPr>
+            <a:r>
+              <a:t/>
+            </a:r>
+            <a:endParaRPr/>
+          </a:p>
+        </p:txBody>
+      </p:sp>
     </p:spTree>
   </p:cSld>
   <p:clrMapOvr>
@@ -14829,6 +14630,104 @@
           </a:ln>
         </p:spPr>
       </p:pic>
+      <p:sp>
+        <p:nvSpPr>
+          <p:cNvPr id="217" name="Google Shape;217;p39"/>
+          <p:cNvSpPr/>
+          <p:nvPr/>
+        </p:nvSpPr>
+        <p:spPr>
+          <a:xfrm>
+            <a:off x="1057200" y="18375"/>
+            <a:ext cx="1047900" cy="919200"/>
+          </a:xfrm>
+          <a:prstGeom prst="roundRect">
+            <a:avLst>
+              <a:gd fmla="val 16667" name="adj"/>
+            </a:avLst>
+          </a:prstGeom>
+          <a:noFill/>
+          <a:ln cap="flat" cmpd="sng" w="38100">
+            <a:solidFill>
+              <a:srgbClr val="FF9900"/>
+            </a:solidFill>
+            <a:prstDash val="solid"/>
+            <a:round/>
+            <a:headEnd len="sm" w="sm" type="none"/>
+            <a:tailEnd len="sm" w="sm" type="none"/>
+          </a:ln>
+        </p:spPr>
+        <p:txBody>
+          <a:bodyPr anchorCtr="0" anchor="ctr" bIns="91425" lIns="91425" spcFirstLastPara="1" rIns="91425" wrap="square" tIns="91425">
+            <a:noAutofit/>
+          </a:bodyPr>
+          <a:lstStyle/>
+          <a:p>
+            <a:pPr indent="0" lvl="0" marL="0" rtl="0" algn="l">
+              <a:spcBef>
+                <a:spcPts val="0"/>
+              </a:spcBef>
+              <a:spcAft>
+                <a:spcPts val="0"/>
+              </a:spcAft>
+              <a:buNone/>
+            </a:pPr>
+            <a:r>
+              <a:t/>
+            </a:r>
+            <a:endParaRPr/>
+          </a:p>
+        </p:txBody>
+      </p:sp>
+      <p:sp>
+        <p:nvSpPr>
+          <p:cNvPr id="218" name="Google Shape;218;p39"/>
+          <p:cNvSpPr/>
+          <p:nvPr/>
+        </p:nvSpPr>
+        <p:spPr>
+          <a:xfrm>
+            <a:off x="3590575" y="18375"/>
+            <a:ext cx="1047900" cy="919200"/>
+          </a:xfrm>
+          <a:prstGeom prst="roundRect">
+            <a:avLst>
+              <a:gd fmla="val 16667" name="adj"/>
+            </a:avLst>
+          </a:prstGeom>
+          <a:noFill/>
+          <a:ln cap="flat" cmpd="sng" w="38100">
+            <a:solidFill>
+              <a:srgbClr val="FF9900"/>
+            </a:solidFill>
+            <a:prstDash val="solid"/>
+            <a:round/>
+            <a:headEnd len="sm" w="sm" type="none"/>
+            <a:tailEnd len="sm" w="sm" type="none"/>
+          </a:ln>
+        </p:spPr>
+        <p:txBody>
+          <a:bodyPr anchorCtr="0" anchor="ctr" bIns="91425" lIns="91425" spcFirstLastPara="1" rIns="91425" wrap="square" tIns="91425">
+            <a:noAutofit/>
+          </a:bodyPr>
+          <a:lstStyle/>
+          <a:p>
+            <a:pPr indent="0" lvl="0" marL="0" rtl="0" algn="l">
+              <a:spcBef>
+                <a:spcPts val="0"/>
+              </a:spcBef>
+              <a:spcAft>
+                <a:spcPts val="0"/>
+              </a:spcAft>
+              <a:buNone/>
+            </a:pPr>
+            <a:r>
+              <a:t/>
+            </a:r>
+            <a:endParaRPr/>
+          </a:p>
+        </p:txBody>
+      </p:sp>
     </p:spTree>
   </p:cSld>
   <p:clrMapOvr>
@@ -14842,7 +14741,7 @@
   <p:cSld>
     <p:spTree>
       <p:nvGrpSpPr>
-        <p:cNvPr id="220" name="Shape 220"/>
+        <p:cNvPr id="222" name="Shape 222"/>
         <p:cNvGrpSpPr/>
         <p:nvPr/>
       </p:nvGrpSpPr>
@@ -14856,7 +14755,7 @@
       </p:grpSpPr>
       <p:pic>
         <p:nvPicPr>
-          <p:cNvPr id="221" name="Google Shape;221;p40"/>
+          <p:cNvPr id="223" name="Google Shape;223;p40"/>
           <p:cNvPicPr preferRelativeResize="0"/>
           <p:nvPr/>
         </p:nvPicPr>
@@ -14870,8 +14769,8 @@
         </p:blipFill>
         <p:spPr>
           <a:xfrm>
-            <a:off x="1143000" y="0"/>
-            <a:ext cx="6858000" cy="6858000"/>
+            <a:off x="3616366" y="5474155"/>
+            <a:ext cx="1911274" cy="1383850"/>
           </a:xfrm>
           <a:prstGeom prst="rect">
             <a:avLst/>
@@ -14882,16 +14781,24 @@
           </a:ln>
         </p:spPr>
       </p:pic>
-      <p:sp>
-        <p:nvSpPr>
-          <p:cNvPr id="222" name="Google Shape;222;p40"/>
-          <p:cNvSpPr txBox="1"/>
+      <p:pic>
+        <p:nvPicPr>
+          <p:cNvPr id="224" name="Google Shape;224;p40"/>
+          <p:cNvPicPr preferRelativeResize="0"/>
           <p:nvPr/>
-        </p:nvSpPr>
-        <p:spPr>
-          <a:xfrm>
-            <a:off x="2848350" y="2826900"/>
-            <a:ext cx="3447300" cy="1204200"/>
+        </p:nvPicPr>
+        <p:blipFill>
+          <a:blip r:embed="rId4">
+            <a:alphaModFix/>
+          </a:blip>
+          <a:stretch>
+            <a:fillRect/>
+          </a:stretch>
+        </p:blipFill>
+        <p:spPr>
+          <a:xfrm>
+            <a:off x="13" y="-2"/>
+            <a:ext cx="9144000" cy="5245203"/>
           </a:xfrm>
           <a:prstGeom prst="rect">
             <a:avLst/>
@@ -14901,37 +14808,7 @@
             <a:noFill/>
           </a:ln>
         </p:spPr>
-        <p:txBody>
-          <a:bodyPr anchorCtr="0" anchor="t" bIns="91425" lIns="91425" spcFirstLastPara="1" rIns="91425" wrap="square" tIns="91425">
-            <a:noAutofit/>
-          </a:bodyPr>
-          <a:lstStyle/>
-          <a:p>
-            <a:pPr indent="0" lvl="0" marL="0" rtl="0" algn="l">
-              <a:spcBef>
-                <a:spcPts val="0"/>
-              </a:spcBef>
-              <a:spcAft>
-                <a:spcPts val="0"/>
-              </a:spcAft>
-              <a:buNone/>
-            </a:pPr>
-            <a:r>
-              <a:rPr b="1" lang="cs" sz="3800">
-                <a:solidFill>
-                  <a:srgbClr val="FF0000"/>
-                </a:solidFill>
-              </a:rPr>
-              <a:t>Decompose</a:t>
-            </a:r>
-            <a:endParaRPr b="1" sz="3800">
-              <a:solidFill>
-                <a:srgbClr val="FF0000"/>
-              </a:solidFill>
-            </a:endParaRPr>
-          </a:p>
-        </p:txBody>
-      </p:sp>
+      </p:pic>
     </p:spTree>
   </p:cSld>
   <p:clrMapOvr>
@@ -14945,7 +14822,7 @@
   <p:cSld>
     <p:spTree>
       <p:nvGrpSpPr>
-        <p:cNvPr id="226" name="Shape 226"/>
+        <p:cNvPr id="228" name="Shape 228"/>
         <p:cNvGrpSpPr/>
         <p:nvPr/>
       </p:nvGrpSpPr>
@@ -14959,7 +14836,7 @@
       </p:grpSpPr>
       <p:pic>
         <p:nvPicPr>
-          <p:cNvPr id="227" name="Google Shape;227;p41"/>
+          <p:cNvPr id="229" name="Google Shape;229;p41"/>
           <p:cNvPicPr preferRelativeResize="0"/>
           <p:nvPr/>
         </p:nvPicPr>
@@ -14973,8 +14850,8 @@
         </p:blipFill>
         <p:spPr>
           <a:xfrm>
-            <a:off x="1143000" y="0"/>
-            <a:ext cx="6858000" cy="6858000"/>
+            <a:off x="152400" y="152400"/>
+            <a:ext cx="8839199" cy="2744846"/>
           </a:xfrm>
           <a:prstGeom prst="rect">
             <a:avLst/>
@@ -14987,14 +14864,63 @@
       </p:pic>
       <p:sp>
         <p:nvSpPr>
-          <p:cNvPr id="228" name="Google Shape;228;p41"/>
+          <p:cNvPr id="230" name="Google Shape;230;p41"/>
           <p:cNvSpPr/>
           <p:nvPr/>
         </p:nvSpPr>
         <p:spPr>
-          <a:xfrm>
-            <a:off x="1057200" y="18375"/>
-            <a:ext cx="7078500" cy="919200"/>
+          <a:xfrm flipH="1" rot="10800000">
+            <a:off x="3861075" y="827325"/>
+            <a:ext cx="965400" cy="340200"/>
+          </a:xfrm>
+          <a:prstGeom prst="roundRect">
+            <a:avLst>
+              <a:gd fmla="val 16667" name="adj"/>
+            </a:avLst>
+          </a:prstGeom>
+          <a:noFill/>
+          <a:ln cap="flat" cmpd="sng" w="38100">
+            <a:solidFill>
+              <a:srgbClr val="FF9900"/>
+            </a:solidFill>
+            <a:prstDash val="solid"/>
+            <a:round/>
+            <a:headEnd len="sm" w="sm" type="none"/>
+            <a:tailEnd len="sm" w="sm" type="none"/>
+          </a:ln>
+        </p:spPr>
+        <p:txBody>
+          <a:bodyPr anchorCtr="0" anchor="ctr" bIns="91425" lIns="91425" spcFirstLastPara="1" rIns="91425" wrap="square" tIns="91425">
+            <a:noAutofit/>
+          </a:bodyPr>
+          <a:lstStyle/>
+          <a:p>
+            <a:pPr indent="0" lvl="0" marL="0" rtl="0" algn="l">
+              <a:spcBef>
+                <a:spcPts val="0"/>
+              </a:spcBef>
+              <a:spcAft>
+                <a:spcPts val="0"/>
+              </a:spcAft>
+              <a:buNone/>
+            </a:pPr>
+            <a:r>
+              <a:t/>
+            </a:r>
+            <a:endParaRPr/>
+          </a:p>
+        </p:txBody>
+      </p:sp>
+      <p:sp>
+        <p:nvSpPr>
+          <p:cNvPr id="231" name="Google Shape;231;p41"/>
+          <p:cNvSpPr/>
+          <p:nvPr/>
+        </p:nvSpPr>
+        <p:spPr>
+          <a:xfrm flipH="1" rot="10800000">
+            <a:off x="3861075" y="2487375"/>
+            <a:ext cx="965400" cy="340200"/>
           </a:xfrm>
           <a:prstGeom prst="roundRect">
             <a:avLst>
@@ -15047,7 +14973,7 @@
   <p:cSld>
     <p:spTree>
       <p:nvGrpSpPr>
-        <p:cNvPr id="65" name="Shape 65"/>
+        <p:cNvPr id="67" name="Shape 67"/>
         <p:cNvGrpSpPr/>
         <p:nvPr/>
       </p:nvGrpSpPr>
@@ -15061,7 +14987,7 @@
       </p:grpSpPr>
       <p:pic>
         <p:nvPicPr>
-          <p:cNvPr id="66" name="Google Shape;66;p15"/>
+          <p:cNvPr id="68" name="Google Shape;68;p15"/>
           <p:cNvPicPr preferRelativeResize="0"/>
           <p:nvPr/>
         </p:nvPicPr>
@@ -15075,8 +15001,8 @@
         </p:blipFill>
         <p:spPr>
           <a:xfrm>
-            <a:off x="2519363" y="696700"/>
-            <a:ext cx="4105275" cy="1666875"/>
+            <a:off x="2995613" y="0"/>
+            <a:ext cx="3152775" cy="866775"/>
           </a:xfrm>
           <a:prstGeom prst="rect">
             <a:avLst/>
@@ -15089,7 +15015,7 @@
       </p:pic>
       <p:pic>
         <p:nvPicPr>
-          <p:cNvPr id="67" name="Google Shape;67;p15"/>
+          <p:cNvPr id="69" name="Google Shape;69;p15"/>
           <p:cNvPicPr preferRelativeResize="0"/>
           <p:nvPr/>
         </p:nvPicPr>
@@ -15103,8 +15029,8 @@
         </p:blipFill>
         <p:spPr>
           <a:xfrm>
-            <a:off x="4005263" y="3169125"/>
-            <a:ext cx="1133475" cy="2143125"/>
+            <a:off x="4252913" y="3233738"/>
+            <a:ext cx="638175" cy="390525"/>
           </a:xfrm>
           <a:prstGeom prst="rect">
             <a:avLst/>
@@ -15123,17 +15049,19 @@
       </p:pic>
       <p:sp>
         <p:nvSpPr>
-          <p:cNvPr id="68" name="Google Shape;68;p15"/>
+          <p:cNvPr id="70" name="Google Shape;70;p15"/>
           <p:cNvSpPr/>
           <p:nvPr/>
         </p:nvSpPr>
         <p:spPr>
           <a:xfrm>
-            <a:off x="3097475" y="1484425"/>
-            <a:ext cx="306900" cy="356100"/>
-          </a:xfrm>
-          <a:prstGeom prst="ellipse">
-            <a:avLst/>
+            <a:off x="4938150" y="415625"/>
+            <a:ext cx="979800" cy="346500"/>
+          </a:xfrm>
+          <a:prstGeom prst="roundRect">
+            <a:avLst>
+              <a:gd fmla="val 16667" name="adj"/>
+            </a:avLst>
           </a:prstGeom>
           <a:noFill/>
           <a:ln cap="flat" cmpd="sng" w="38100">
@@ -15170,13 +15098,13 @@
       </p:sp>
       <p:sp>
         <p:nvSpPr>
-          <p:cNvPr id="69" name="Google Shape;69;p15"/>
+          <p:cNvPr id="71" name="Google Shape;71;p15"/>
           <p:cNvSpPr/>
           <p:nvPr/>
         </p:nvSpPr>
         <p:spPr>
           <a:xfrm>
-            <a:off x="3325100" y="653150"/>
+            <a:off x="4512750" y="3211363"/>
             <a:ext cx="425400" cy="435300"/>
           </a:xfrm>
           <a:prstGeom prst="ellipse">
@@ -15217,13 +15145,13 @@
       </p:sp>
       <p:sp>
         <p:nvSpPr>
-          <p:cNvPr id="70" name="Google Shape;70;p15"/>
+          <p:cNvPr id="72" name="Google Shape;72;p15"/>
           <p:cNvSpPr/>
           <p:nvPr/>
         </p:nvSpPr>
         <p:spPr>
           <a:xfrm>
-            <a:off x="4615550" y="4803575"/>
+            <a:off x="5215350" y="-19675"/>
             <a:ext cx="425400" cy="435300"/>
           </a:xfrm>
           <a:prstGeom prst="ellipse">
@@ -15264,13 +15192,13 @@
       </p:sp>
       <p:sp>
         <p:nvSpPr>
-          <p:cNvPr id="71" name="Google Shape;71;p15"/>
+          <p:cNvPr id="73" name="Google Shape;73;p15"/>
           <p:cNvSpPr txBox="1"/>
           <p:nvPr/>
         </p:nvSpPr>
         <p:spPr>
           <a:xfrm>
-            <a:off x="306775" y="2993700"/>
+            <a:off x="742200" y="1509300"/>
             <a:ext cx="1345800" cy="435300"/>
           </a:xfrm>
           <a:prstGeom prst="rect">
@@ -15306,16 +15234,15 @@
       </p:sp>
       <p:cxnSp>
         <p:nvCxnSpPr>
-          <p:cNvPr id="72" name="Google Shape;72;p15"/>
+          <p:cNvPr id="74" name="Google Shape;74;p15"/>
           <p:cNvCxnSpPr>
-            <a:stCxn id="71" idx="0"/>
-            <a:endCxn id="68" idx="3"/>
+            <a:stCxn id="73" idx="0"/>
           </p:cNvCxnSpPr>
           <p:nvPr/>
         </p:nvCxnSpPr>
         <p:spPr>
           <a:xfrm flipH="1" rot="10800000">
-            <a:off x="979675" y="1788300"/>
+            <a:off x="1415100" y="303900"/>
             <a:ext cx="2162700" cy="1205400"/>
           </a:xfrm>
           <a:prstGeom prst="straightConnector1">
@@ -15346,7 +15273,7 @@
   <p:cSld>
     <p:spTree>
       <p:nvGrpSpPr>
-        <p:cNvPr id="232" name="Shape 232"/>
+        <p:cNvPr id="235" name="Shape 235"/>
         <p:cNvGrpSpPr/>
         <p:nvPr/>
       </p:nvGrpSpPr>
@@ -15360,7 +15287,7 @@
       </p:grpSpPr>
       <p:pic>
         <p:nvPicPr>
-          <p:cNvPr id="233" name="Google Shape;233;p42"/>
+          <p:cNvPr id="236" name="Google Shape;236;p42"/>
           <p:cNvPicPr preferRelativeResize="0"/>
           <p:nvPr/>
         </p:nvPicPr>
@@ -15374,8 +15301,8 @@
         </p:blipFill>
         <p:spPr>
           <a:xfrm>
-            <a:off x="1143000" y="0"/>
-            <a:ext cx="6858000" cy="6858000"/>
+            <a:off x="152400" y="152400"/>
+            <a:ext cx="8839201" cy="4350986"/>
           </a:xfrm>
           <a:prstGeom prst="rect">
             <a:avLst/>
@@ -15388,14 +15315,14 @@
       </p:pic>
       <p:sp>
         <p:nvSpPr>
-          <p:cNvPr id="234" name="Google Shape;234;p42"/>
+          <p:cNvPr id="237" name="Google Shape;237;p42"/>
           <p:cNvSpPr/>
           <p:nvPr/>
         </p:nvSpPr>
         <p:spPr>
           <a:xfrm>
-            <a:off x="1057200" y="18375"/>
-            <a:ext cx="1047900" cy="919200"/>
+            <a:off x="3180800" y="808975"/>
+            <a:ext cx="777600" cy="330900"/>
           </a:xfrm>
           <a:prstGeom prst="roundRect">
             <a:avLst>
@@ -15437,14 +15364,63 @@
       </p:sp>
       <p:sp>
         <p:nvSpPr>
-          <p:cNvPr id="235" name="Google Shape;235;p42"/>
+          <p:cNvPr id="238" name="Google Shape;238;p42"/>
           <p:cNvSpPr/>
           <p:nvPr/>
         </p:nvSpPr>
         <p:spPr>
           <a:xfrm>
-            <a:off x="3590575" y="18375"/>
-            <a:ext cx="1047900" cy="919200"/>
+            <a:off x="3180800" y="2109325"/>
+            <a:ext cx="777600" cy="330900"/>
+          </a:xfrm>
+          <a:prstGeom prst="roundRect">
+            <a:avLst>
+              <a:gd fmla="val 16667" name="adj"/>
+            </a:avLst>
+          </a:prstGeom>
+          <a:noFill/>
+          <a:ln cap="flat" cmpd="sng" w="38100">
+            <a:solidFill>
+              <a:srgbClr val="FF9900"/>
+            </a:solidFill>
+            <a:prstDash val="solid"/>
+            <a:round/>
+            <a:headEnd len="sm" w="sm" type="none"/>
+            <a:tailEnd len="sm" w="sm" type="none"/>
+          </a:ln>
+        </p:spPr>
+        <p:txBody>
+          <a:bodyPr anchorCtr="0" anchor="ctr" bIns="91425" lIns="91425" spcFirstLastPara="1" rIns="91425" wrap="square" tIns="91425">
+            <a:noAutofit/>
+          </a:bodyPr>
+          <a:lstStyle/>
+          <a:p>
+            <a:pPr indent="0" lvl="0" marL="0" rtl="0" algn="l">
+              <a:spcBef>
+                <a:spcPts val="0"/>
+              </a:spcBef>
+              <a:spcAft>
+                <a:spcPts val="0"/>
+              </a:spcAft>
+              <a:buNone/>
+            </a:pPr>
+            <a:r>
+              <a:t/>
+            </a:r>
+            <a:endParaRPr/>
+          </a:p>
+        </p:txBody>
+      </p:sp>
+      <p:sp>
+        <p:nvSpPr>
+          <p:cNvPr id="239" name="Google Shape;239;p42"/>
+          <p:cNvSpPr/>
+          <p:nvPr/>
+        </p:nvSpPr>
+        <p:spPr>
+          <a:xfrm>
+            <a:off x="1001675" y="2825800"/>
+            <a:ext cx="777600" cy="330900"/>
           </a:xfrm>
           <a:prstGeom prst="roundRect">
             <a:avLst>
@@ -15497,7 +15473,7 @@
   <p:cSld>
     <p:spTree>
       <p:nvGrpSpPr>
-        <p:cNvPr id="239" name="Shape 239"/>
+        <p:cNvPr id="243" name="Shape 243"/>
         <p:cNvGrpSpPr/>
         <p:nvPr/>
       </p:nvGrpSpPr>
@@ -15511,7 +15487,7 @@
       </p:grpSpPr>
       <p:pic>
         <p:nvPicPr>
-          <p:cNvPr id="240" name="Google Shape;240;p43"/>
+          <p:cNvPr id="244" name="Google Shape;244;p43"/>
           <p:cNvPicPr preferRelativeResize="0"/>
           <p:nvPr/>
         </p:nvPicPr>
@@ -15525,36 +15501,8 @@
         </p:blipFill>
         <p:spPr>
           <a:xfrm>
-            <a:off x="3616366" y="5474155"/>
-            <a:ext cx="1911274" cy="1383850"/>
-          </a:xfrm>
-          <a:prstGeom prst="rect">
-            <a:avLst/>
-          </a:prstGeom>
-          <a:noFill/>
-          <a:ln>
-            <a:noFill/>
-          </a:ln>
-        </p:spPr>
-      </p:pic>
-      <p:pic>
-        <p:nvPicPr>
-          <p:cNvPr id="241" name="Google Shape;241;p43"/>
-          <p:cNvPicPr preferRelativeResize="0"/>
-          <p:nvPr/>
-        </p:nvPicPr>
-        <p:blipFill>
-          <a:blip r:embed="rId4">
-            <a:alphaModFix/>
-          </a:blip>
-          <a:stretch>
-            <a:fillRect/>
-          </a:stretch>
-        </p:blipFill>
-        <p:spPr>
-          <a:xfrm>
-            <a:off x="13" y="-2"/>
-            <a:ext cx="9144000" cy="5245203"/>
+            <a:off x="152400" y="174025"/>
+            <a:ext cx="8839201" cy="4350986"/>
           </a:xfrm>
           <a:prstGeom prst="rect">
             <a:avLst/>
@@ -15578,7 +15526,7 @@
   <p:cSld>
     <p:spTree>
       <p:nvGrpSpPr>
-        <p:cNvPr id="245" name="Shape 245"/>
+        <p:cNvPr id="248" name="Shape 248"/>
         <p:cNvGrpSpPr/>
         <p:nvPr/>
       </p:nvGrpSpPr>
@@ -15592,7 +15540,7 @@
       </p:grpSpPr>
       <p:pic>
         <p:nvPicPr>
-          <p:cNvPr id="246" name="Google Shape;246;p44"/>
+          <p:cNvPr id="249" name="Google Shape;249;p44"/>
           <p:cNvPicPr preferRelativeResize="0"/>
           <p:nvPr/>
         </p:nvPicPr>
@@ -15606,8 +15554,8 @@
         </p:blipFill>
         <p:spPr>
           <a:xfrm>
-            <a:off x="152400" y="152400"/>
-            <a:ext cx="8839199" cy="2744846"/>
+            <a:off x="152400" y="2837788"/>
+            <a:ext cx="8839198" cy="1182418"/>
           </a:xfrm>
           <a:prstGeom prst="rect">
             <a:avLst/>
@@ -15618,104 +15566,6 @@
           </a:ln>
         </p:spPr>
       </p:pic>
-      <p:sp>
-        <p:nvSpPr>
-          <p:cNvPr id="247" name="Google Shape;247;p44"/>
-          <p:cNvSpPr/>
-          <p:nvPr/>
-        </p:nvSpPr>
-        <p:spPr>
-          <a:xfrm flipH="1" rot="10800000">
-            <a:off x="3861075" y="827325"/>
-            <a:ext cx="965400" cy="340200"/>
-          </a:xfrm>
-          <a:prstGeom prst="roundRect">
-            <a:avLst>
-              <a:gd fmla="val 16667" name="adj"/>
-            </a:avLst>
-          </a:prstGeom>
-          <a:noFill/>
-          <a:ln cap="flat" cmpd="sng" w="38100">
-            <a:solidFill>
-              <a:srgbClr val="FF9900"/>
-            </a:solidFill>
-            <a:prstDash val="solid"/>
-            <a:round/>
-            <a:headEnd len="sm" w="sm" type="none"/>
-            <a:tailEnd len="sm" w="sm" type="none"/>
-          </a:ln>
-        </p:spPr>
-        <p:txBody>
-          <a:bodyPr anchorCtr="0" anchor="ctr" bIns="91425" lIns="91425" spcFirstLastPara="1" rIns="91425" wrap="square" tIns="91425">
-            <a:noAutofit/>
-          </a:bodyPr>
-          <a:lstStyle/>
-          <a:p>
-            <a:pPr indent="0" lvl="0" marL="0" rtl="0" algn="l">
-              <a:spcBef>
-                <a:spcPts val="0"/>
-              </a:spcBef>
-              <a:spcAft>
-                <a:spcPts val="0"/>
-              </a:spcAft>
-              <a:buNone/>
-            </a:pPr>
-            <a:r>
-              <a:t/>
-            </a:r>
-            <a:endParaRPr/>
-          </a:p>
-        </p:txBody>
-      </p:sp>
-      <p:sp>
-        <p:nvSpPr>
-          <p:cNvPr id="248" name="Google Shape;248;p44"/>
-          <p:cNvSpPr/>
-          <p:nvPr/>
-        </p:nvSpPr>
-        <p:spPr>
-          <a:xfrm flipH="1" rot="10800000">
-            <a:off x="3861075" y="2487375"/>
-            <a:ext cx="965400" cy="340200"/>
-          </a:xfrm>
-          <a:prstGeom prst="roundRect">
-            <a:avLst>
-              <a:gd fmla="val 16667" name="adj"/>
-            </a:avLst>
-          </a:prstGeom>
-          <a:noFill/>
-          <a:ln cap="flat" cmpd="sng" w="38100">
-            <a:solidFill>
-              <a:srgbClr val="FF9900"/>
-            </a:solidFill>
-            <a:prstDash val="solid"/>
-            <a:round/>
-            <a:headEnd len="sm" w="sm" type="none"/>
-            <a:tailEnd len="sm" w="sm" type="none"/>
-          </a:ln>
-        </p:spPr>
-        <p:txBody>
-          <a:bodyPr anchorCtr="0" anchor="ctr" bIns="91425" lIns="91425" spcFirstLastPara="1" rIns="91425" wrap="square" tIns="91425">
-            <a:noAutofit/>
-          </a:bodyPr>
-          <a:lstStyle/>
-          <a:p>
-            <a:pPr indent="0" lvl="0" marL="0" rtl="0" algn="l">
-              <a:spcBef>
-                <a:spcPts val="0"/>
-              </a:spcBef>
-              <a:spcAft>
-                <a:spcPts val="0"/>
-              </a:spcAft>
-              <a:buNone/>
-            </a:pPr>
-            <a:r>
-              <a:t/>
-            </a:r>
-            <a:endParaRPr/>
-          </a:p>
-        </p:txBody>
-      </p:sp>
     </p:spTree>
   </p:cSld>
   <p:clrMapOvr>
@@ -15729,7 +15579,7 @@
   <p:cSld>
     <p:spTree>
       <p:nvGrpSpPr>
-        <p:cNvPr id="252" name="Shape 252"/>
+        <p:cNvPr id="253" name="Shape 253"/>
         <p:cNvGrpSpPr/>
         <p:nvPr/>
       </p:nvGrpSpPr>
@@ -15743,7 +15593,7 @@
       </p:grpSpPr>
       <p:pic>
         <p:nvPicPr>
-          <p:cNvPr id="253" name="Google Shape;253;p45"/>
+          <p:cNvPr id="254" name="Google Shape;254;p45"/>
           <p:cNvPicPr preferRelativeResize="0"/>
           <p:nvPr/>
         </p:nvPicPr>
@@ -15757,8 +15607,8 @@
         </p:blipFill>
         <p:spPr>
           <a:xfrm>
-            <a:off x="152400" y="152400"/>
-            <a:ext cx="8839200" cy="4407557"/>
+            <a:off x="152400" y="69600"/>
+            <a:ext cx="8839200" cy="1765462"/>
           </a:xfrm>
           <a:prstGeom prst="rect">
             <a:avLst/>
@@ -15769,6 +15619,153 @@
           </a:ln>
         </p:spPr>
       </p:pic>
+      <p:sp>
+        <p:nvSpPr>
+          <p:cNvPr id="255" name="Google Shape;255;p45"/>
+          <p:cNvSpPr/>
+          <p:nvPr/>
+        </p:nvSpPr>
+        <p:spPr>
+          <a:xfrm>
+            <a:off x="2426950" y="137900"/>
+            <a:ext cx="239100" cy="193200"/>
+          </a:xfrm>
+          <a:prstGeom prst="roundRect">
+            <a:avLst>
+              <a:gd fmla="val 16667" name="adj"/>
+            </a:avLst>
+          </a:prstGeom>
+          <a:noFill/>
+          <a:ln cap="flat" cmpd="sng" w="38100">
+            <a:solidFill>
+              <a:srgbClr val="FF9900"/>
+            </a:solidFill>
+            <a:prstDash val="solid"/>
+            <a:round/>
+            <a:headEnd len="sm" w="sm" type="none"/>
+            <a:tailEnd len="sm" w="sm" type="none"/>
+          </a:ln>
+        </p:spPr>
+        <p:txBody>
+          <a:bodyPr anchorCtr="0" anchor="ctr" bIns="91425" lIns="91425" spcFirstLastPara="1" rIns="91425" wrap="square" tIns="91425">
+            <a:noAutofit/>
+          </a:bodyPr>
+          <a:lstStyle/>
+          <a:p>
+            <a:pPr indent="0" lvl="0" marL="0" rtl="0" algn="l">
+              <a:spcBef>
+                <a:spcPts val="0"/>
+              </a:spcBef>
+              <a:spcAft>
+                <a:spcPts val="0"/>
+              </a:spcAft>
+              <a:buNone/>
+            </a:pPr>
+            <a:r>
+              <a:t/>
+            </a:r>
+            <a:endParaRPr/>
+          </a:p>
+        </p:txBody>
+      </p:sp>
+      <p:sp>
+        <p:nvSpPr>
+          <p:cNvPr id="256" name="Google Shape;256;p45"/>
+          <p:cNvSpPr/>
+          <p:nvPr/>
+        </p:nvSpPr>
+        <p:spPr>
+          <a:xfrm>
+            <a:off x="3643075" y="333600"/>
+            <a:ext cx="239100" cy="260100"/>
+          </a:xfrm>
+          <a:prstGeom prst="roundRect">
+            <a:avLst>
+              <a:gd fmla="val 16667" name="adj"/>
+            </a:avLst>
+          </a:prstGeom>
+          <a:noFill/>
+          <a:ln cap="flat" cmpd="sng" w="38100">
+            <a:solidFill>
+              <a:srgbClr val="FF9900"/>
+            </a:solidFill>
+            <a:prstDash val="solid"/>
+            <a:round/>
+            <a:headEnd len="sm" w="sm" type="none"/>
+            <a:tailEnd len="sm" w="sm" type="none"/>
+          </a:ln>
+        </p:spPr>
+        <p:txBody>
+          <a:bodyPr anchorCtr="0" anchor="ctr" bIns="91425" lIns="91425" spcFirstLastPara="1" rIns="91425" wrap="square" tIns="91425">
+            <a:noAutofit/>
+          </a:bodyPr>
+          <a:lstStyle/>
+          <a:p>
+            <a:pPr indent="0" lvl="0" marL="0" rtl="0" algn="l">
+              <a:spcBef>
+                <a:spcPts val="0"/>
+              </a:spcBef>
+              <a:spcAft>
+                <a:spcPts val="0"/>
+              </a:spcAft>
+              <a:buNone/>
+            </a:pPr>
+            <a:r>
+              <a:t/>
+            </a:r>
+            <a:endParaRPr/>
+          </a:p>
+        </p:txBody>
+      </p:sp>
+      <p:sp>
+        <p:nvSpPr>
+          <p:cNvPr id="257" name="Google Shape;257;p45"/>
+          <p:cNvSpPr/>
+          <p:nvPr/>
+        </p:nvSpPr>
+        <p:spPr>
+          <a:xfrm>
+            <a:off x="5624900" y="333600"/>
+            <a:ext cx="540900" cy="260100"/>
+          </a:xfrm>
+          <a:prstGeom prst="roundRect">
+            <a:avLst>
+              <a:gd fmla="val 16667" name="adj"/>
+            </a:avLst>
+          </a:prstGeom>
+          <a:noFill/>
+          <a:ln cap="flat" cmpd="sng" w="38100">
+            <a:solidFill>
+              <a:srgbClr val="FF9900"/>
+            </a:solidFill>
+            <a:prstDash val="solid"/>
+            <a:round/>
+            <a:headEnd len="sm" w="sm" type="none"/>
+            <a:tailEnd len="sm" w="sm" type="none"/>
+          </a:ln>
+        </p:spPr>
+        <p:txBody>
+          <a:bodyPr anchorCtr="0" anchor="ctr" bIns="91425" lIns="91425" spcFirstLastPara="1" rIns="91425" wrap="square" tIns="91425">
+            <a:noAutofit/>
+          </a:bodyPr>
+          <a:lstStyle/>
+          <a:p>
+            <a:pPr indent="0" lvl="0" marL="0" rtl="0" algn="l">
+              <a:spcBef>
+                <a:spcPts val="0"/>
+              </a:spcBef>
+              <a:spcAft>
+                <a:spcPts val="0"/>
+              </a:spcAft>
+              <a:buNone/>
+            </a:pPr>
+            <a:r>
+              <a:t/>
+            </a:r>
+            <a:endParaRPr/>
+          </a:p>
+        </p:txBody>
+      </p:sp>
     </p:spTree>
   </p:cSld>
   <p:clrMapOvr>
@@ -15782,7 +15779,7 @@
   <p:cSld>
     <p:spTree>
       <p:nvGrpSpPr>
-        <p:cNvPr id="257" name="Shape 257"/>
+        <p:cNvPr id="261" name="Shape 261"/>
         <p:cNvGrpSpPr/>
         <p:nvPr/>
       </p:nvGrpSpPr>
@@ -15796,7 +15793,7 @@
       </p:grpSpPr>
       <p:pic>
         <p:nvPicPr>
-          <p:cNvPr id="258" name="Google Shape;258;p46"/>
+          <p:cNvPr id="262" name="Google Shape;262;p46"/>
           <p:cNvPicPr preferRelativeResize="0"/>
           <p:nvPr/>
         </p:nvPicPr>
@@ -15810,8 +15807,8 @@
         </p:blipFill>
         <p:spPr>
           <a:xfrm>
-            <a:off x="152400" y="152400"/>
-            <a:ext cx="8839200" cy="4407557"/>
+            <a:off x="112625" y="152400"/>
+            <a:ext cx="8878974" cy="3182575"/>
           </a:xfrm>
           <a:prstGeom prst="rect">
             <a:avLst/>
@@ -15822,16 +15819,93 @@
           </a:ln>
         </p:spPr>
       </p:pic>
-      <p:sp>
-        <p:nvSpPr>
-          <p:cNvPr id="259" name="Google Shape;259;p46"/>
+      <p:pic>
+        <p:nvPicPr>
+          <p:cNvPr id="263" name="Google Shape;263;p46"/>
+          <p:cNvPicPr preferRelativeResize="0"/>
+          <p:nvPr/>
+        </p:nvPicPr>
+        <p:blipFill>
+          <a:blip r:embed="rId4">
+            <a:alphaModFix/>
+          </a:blip>
+          <a:stretch>
+            <a:fillRect/>
+          </a:stretch>
+        </p:blipFill>
+        <p:spPr>
+          <a:xfrm>
+            <a:off x="2628763" y="4047933"/>
+            <a:ext cx="3886483" cy="2810067"/>
+          </a:xfrm>
+          <a:prstGeom prst="rect">
+            <a:avLst/>
+          </a:prstGeom>
+          <a:noFill/>
+          <a:ln>
+            <a:noFill/>
+          </a:ln>
+        </p:spPr>
+      </p:pic>
+      <p:sp>
+        <p:nvSpPr>
+          <p:cNvPr id="264" name="Google Shape;264;p46"/>
           <p:cNvSpPr/>
           <p:nvPr/>
         </p:nvSpPr>
         <p:spPr>
           <a:xfrm>
-            <a:off x="3180800" y="808975"/>
-            <a:ext cx="1391100" cy="330900"/>
+            <a:off x="2387525" y="689475"/>
+            <a:ext cx="183900" cy="183900"/>
+          </a:xfrm>
+          <a:prstGeom prst="roundRect">
+            <a:avLst>
+              <a:gd fmla="val 16667" name="adj"/>
+            </a:avLst>
+          </a:prstGeom>
+          <a:noFill/>
+          <a:ln cap="flat" cmpd="sng" w="38100">
+            <a:solidFill>
+              <a:srgbClr val="FF9900"/>
+            </a:solidFill>
+            <a:prstDash val="solid"/>
+            <a:round/>
+            <a:headEnd len="sm" w="sm" type="none"/>
+            <a:tailEnd len="sm" w="sm" type="none"/>
+          </a:ln>
+        </p:spPr>
+        <p:txBody>
+          <a:bodyPr anchorCtr="0" anchor="ctr" bIns="91425" lIns="91425" spcFirstLastPara="1" rIns="91425" wrap="square" tIns="91425">
+            <a:noAutofit/>
+          </a:bodyPr>
+          <a:lstStyle/>
+          <a:p>
+            <a:pPr indent="0" lvl="0" marL="0" rtl="0" algn="l">
+              <a:spcBef>
+                <a:spcPts val="0"/>
+              </a:spcBef>
+              <a:spcAft>
+                <a:spcPts val="0"/>
+              </a:spcAft>
+              <a:buNone/>
+            </a:pPr>
+            <a:r>
+              <a:t/>
+            </a:r>
+            <a:endParaRPr/>
+          </a:p>
+        </p:txBody>
+      </p:sp>
+      <p:sp>
+        <p:nvSpPr>
+          <p:cNvPr id="265" name="Google Shape;265;p46"/>
+          <p:cNvSpPr/>
+          <p:nvPr/>
+        </p:nvSpPr>
+        <p:spPr>
+          <a:xfrm>
+            <a:off x="2311325" y="1648200"/>
+            <a:ext cx="241200" cy="225000"/>
           </a:xfrm>
           <a:prstGeom prst="roundRect">
             <a:avLst>
@@ -15884,7 +15958,7 @@
   <p:cSld>
     <p:spTree>
       <p:nvGrpSpPr>
-        <p:cNvPr id="263" name="Shape 263"/>
+        <p:cNvPr id="269" name="Shape 269"/>
         <p:cNvGrpSpPr/>
         <p:nvPr/>
       </p:nvGrpSpPr>
@@ -15896,9 +15970,57 @@
           <a:chExt cx="0" cy="0"/>
         </a:xfrm>
       </p:grpSpPr>
+      <p:sp>
+        <p:nvSpPr>
+          <p:cNvPr id="270" name="Google Shape;270;p47"/>
+          <p:cNvSpPr txBox="1"/>
+          <p:nvPr/>
+        </p:nvSpPr>
+        <p:spPr>
+          <a:xfrm>
+            <a:off x="2757900" y="5635325"/>
+            <a:ext cx="3107400" cy="432000"/>
+          </a:xfrm>
+          <a:prstGeom prst="rect">
+            <a:avLst/>
+          </a:prstGeom>
+          <a:noFill/>
+          <a:ln cap="flat" cmpd="sng" w="9525">
+            <a:solidFill>
+              <a:srgbClr val="000000"/>
+            </a:solidFill>
+            <a:prstDash val="solid"/>
+            <a:round/>
+            <a:headEnd len="sm" w="sm" type="none"/>
+            <a:tailEnd len="sm" w="sm" type="none"/>
+          </a:ln>
+        </p:spPr>
+        <p:txBody>
+          <a:bodyPr anchorCtr="0" anchor="t" bIns="91425" lIns="91425" spcFirstLastPara="1" rIns="91425" wrap="square" tIns="91425">
+            <a:noAutofit/>
+          </a:bodyPr>
+          <a:lstStyle/>
+          <a:p>
+            <a:pPr indent="0" lvl="0" marL="0" rtl="0" algn="l">
+              <a:spcBef>
+                <a:spcPts val="0"/>
+              </a:spcBef>
+              <a:spcAft>
+                <a:spcPts val="0"/>
+              </a:spcAft>
+              <a:buNone/>
+            </a:pPr>
+            <a:r>
+              <a:rPr lang="cs"/>
+              <a:t>How to draw a line of white squares?</a:t>
+            </a:r>
+            <a:endParaRPr/>
+          </a:p>
+        </p:txBody>
+      </p:sp>
       <p:pic>
         <p:nvPicPr>
-          <p:cNvPr id="264" name="Google Shape;264;p47"/>
+          <p:cNvPr id="271" name="Google Shape;271;p47"/>
           <p:cNvPicPr preferRelativeResize="0"/>
           <p:nvPr/>
         </p:nvPicPr>
@@ -15912,8 +16034,8 @@
         </p:blipFill>
         <p:spPr>
           <a:xfrm>
-            <a:off x="152400" y="2837788"/>
-            <a:ext cx="8839198" cy="1182418"/>
+            <a:off x="112625" y="152400"/>
+            <a:ext cx="8878974" cy="3182575"/>
           </a:xfrm>
           <a:prstGeom prst="rect">
             <a:avLst/>
@@ -15937,7 +16059,7 @@
   <p:cSld>
     <p:spTree>
       <p:nvGrpSpPr>
-        <p:cNvPr id="268" name="Shape 268"/>
+        <p:cNvPr id="275" name="Shape 275"/>
         <p:cNvGrpSpPr/>
         <p:nvPr/>
       </p:nvGrpSpPr>
@@ -15951,7 +16073,7 @@
       </p:grpSpPr>
       <p:pic>
         <p:nvPicPr>
-          <p:cNvPr id="269" name="Google Shape;269;p48"/>
+          <p:cNvPr id="276" name="Google Shape;276;p48"/>
           <p:cNvPicPr preferRelativeResize="0"/>
           <p:nvPr/>
         </p:nvPicPr>
@@ -15965,8 +16087,8 @@
         </p:blipFill>
         <p:spPr>
           <a:xfrm>
-            <a:off x="152400" y="152400"/>
-            <a:ext cx="8839199" cy="1755606"/>
+            <a:off x="152400" y="149100"/>
+            <a:ext cx="8123091" cy="4310100"/>
           </a:xfrm>
           <a:prstGeom prst="rect">
             <a:avLst/>
@@ -15979,112 +16101,14 @@
       </p:pic>
       <p:sp>
         <p:nvSpPr>
-          <p:cNvPr id="270" name="Google Shape;270;p48"/>
+          <p:cNvPr id="277" name="Google Shape;277;p48"/>
           <p:cNvSpPr/>
           <p:nvPr/>
         </p:nvSpPr>
         <p:spPr>
           <a:xfrm>
-            <a:off x="2426950" y="137900"/>
-            <a:ext cx="239100" cy="193200"/>
-          </a:xfrm>
-          <a:prstGeom prst="roundRect">
-            <a:avLst>
-              <a:gd fmla="val 16667" name="adj"/>
-            </a:avLst>
-          </a:prstGeom>
-          <a:noFill/>
-          <a:ln cap="flat" cmpd="sng" w="38100">
-            <a:solidFill>
-              <a:srgbClr val="FF9900"/>
-            </a:solidFill>
-            <a:prstDash val="solid"/>
-            <a:round/>
-            <a:headEnd len="sm" w="sm" type="none"/>
-            <a:tailEnd len="sm" w="sm" type="none"/>
-          </a:ln>
-        </p:spPr>
-        <p:txBody>
-          <a:bodyPr anchorCtr="0" anchor="ctr" bIns="91425" lIns="91425" spcFirstLastPara="1" rIns="91425" wrap="square" tIns="91425">
-            <a:noAutofit/>
-          </a:bodyPr>
-          <a:lstStyle/>
-          <a:p>
-            <a:pPr indent="0" lvl="0" marL="0" rtl="0" algn="l">
-              <a:spcBef>
-                <a:spcPts val="0"/>
-              </a:spcBef>
-              <a:spcAft>
-                <a:spcPts val="0"/>
-              </a:spcAft>
-              <a:buNone/>
-            </a:pPr>
-            <a:r>
-              <a:t/>
-            </a:r>
-            <a:endParaRPr/>
-          </a:p>
-        </p:txBody>
-      </p:sp>
-      <p:sp>
-        <p:nvSpPr>
-          <p:cNvPr id="271" name="Google Shape;271;p48"/>
-          <p:cNvSpPr/>
-          <p:nvPr/>
-        </p:nvSpPr>
-        <p:spPr>
-          <a:xfrm>
-            <a:off x="3719275" y="409800"/>
-            <a:ext cx="239100" cy="193200"/>
-          </a:xfrm>
-          <a:prstGeom prst="roundRect">
-            <a:avLst>
-              <a:gd fmla="val 16667" name="adj"/>
-            </a:avLst>
-          </a:prstGeom>
-          <a:noFill/>
-          <a:ln cap="flat" cmpd="sng" w="38100">
-            <a:solidFill>
-              <a:srgbClr val="FF9900"/>
-            </a:solidFill>
-            <a:prstDash val="solid"/>
-            <a:round/>
-            <a:headEnd len="sm" w="sm" type="none"/>
-            <a:tailEnd len="sm" w="sm" type="none"/>
-          </a:ln>
-        </p:spPr>
-        <p:txBody>
-          <a:bodyPr anchorCtr="0" anchor="ctr" bIns="91425" lIns="91425" spcFirstLastPara="1" rIns="91425" wrap="square" tIns="91425">
-            <a:noAutofit/>
-          </a:bodyPr>
-          <a:lstStyle/>
-          <a:p>
-            <a:pPr indent="0" lvl="0" marL="0" rtl="0" algn="l">
-              <a:spcBef>
-                <a:spcPts val="0"/>
-              </a:spcBef>
-              <a:spcAft>
-                <a:spcPts val="0"/>
-              </a:spcAft>
-              <a:buNone/>
-            </a:pPr>
-            <a:r>
-              <a:t/>
-            </a:r>
-            <a:endParaRPr/>
-          </a:p>
-        </p:txBody>
-      </p:sp>
-      <p:sp>
-        <p:nvSpPr>
-          <p:cNvPr id="272" name="Google Shape;272;p48"/>
-          <p:cNvSpPr/>
-          <p:nvPr/>
-        </p:nvSpPr>
-        <p:spPr>
-          <a:xfrm>
-            <a:off x="5701100" y="409800"/>
-            <a:ext cx="540900" cy="193200"/>
+            <a:off x="496450" y="1548300"/>
+            <a:ext cx="2967300" cy="440700"/>
           </a:xfrm>
           <a:prstGeom prst="roundRect">
             <a:avLst>
@@ -16137,7 +16161,108 @@
   <p:cSld>
     <p:spTree>
       <p:nvGrpSpPr>
-        <p:cNvPr id="276" name="Shape 276"/>
+        <p:cNvPr id="281" name="Shape 281"/>
+        <p:cNvGrpSpPr/>
+        <p:nvPr/>
+      </p:nvGrpSpPr>
+      <p:grpSpPr>
+        <a:xfrm>
+          <a:off x="0" y="0"/>
+          <a:ext cx="0" cy="0"/>
+          <a:chOff x="0" y="0"/>
+          <a:chExt cx="0" cy="0"/>
+        </a:xfrm>
+      </p:grpSpPr>
+      <p:sp>
+        <p:nvSpPr>
+          <p:cNvPr id="282" name="Google Shape;282;p49"/>
+          <p:cNvSpPr txBox="1"/>
+          <p:nvPr/>
+        </p:nvSpPr>
+        <p:spPr>
+          <a:xfrm>
+            <a:off x="2757900" y="5635325"/>
+            <a:ext cx="4394400" cy="432000"/>
+          </a:xfrm>
+          <a:prstGeom prst="rect">
+            <a:avLst/>
+          </a:prstGeom>
+          <a:noFill/>
+          <a:ln cap="flat" cmpd="sng" w="9525">
+            <a:solidFill>
+              <a:srgbClr val="000000"/>
+            </a:solidFill>
+            <a:prstDash val="solid"/>
+            <a:round/>
+            <a:headEnd len="sm" w="sm" type="none"/>
+            <a:tailEnd len="sm" w="sm" type="none"/>
+          </a:ln>
+        </p:spPr>
+        <p:txBody>
+          <a:bodyPr anchorCtr="0" anchor="t" bIns="91425" lIns="91425" spcFirstLastPara="1" rIns="91425" wrap="square" tIns="91425">
+            <a:noAutofit/>
+          </a:bodyPr>
+          <a:lstStyle/>
+          <a:p>
+            <a:pPr indent="0" lvl="0" marL="0" rtl="0" algn="l">
+              <a:spcBef>
+                <a:spcPts val="0"/>
+              </a:spcBef>
+              <a:spcAft>
+                <a:spcPts val="0"/>
+              </a:spcAft>
+              <a:buNone/>
+            </a:pPr>
+            <a:r>
+              <a:rPr lang="cs"/>
+              <a:t>How to draw a line of altering black/white squares?</a:t>
+            </a:r>
+            <a:endParaRPr/>
+          </a:p>
+        </p:txBody>
+      </p:sp>
+      <p:pic>
+        <p:nvPicPr>
+          <p:cNvPr id="283" name="Google Shape;283;p49"/>
+          <p:cNvPicPr preferRelativeResize="0"/>
+          <p:nvPr/>
+        </p:nvPicPr>
+        <p:blipFill>
+          <a:blip r:embed="rId3">
+            <a:alphaModFix/>
+          </a:blip>
+          <a:stretch>
+            <a:fillRect/>
+          </a:stretch>
+        </p:blipFill>
+        <p:spPr>
+          <a:xfrm>
+            <a:off x="152400" y="149100"/>
+            <a:ext cx="8123091" cy="4310100"/>
+          </a:xfrm>
+          <a:prstGeom prst="rect">
+            <a:avLst/>
+          </a:prstGeom>
+          <a:noFill/>
+          <a:ln>
+            <a:noFill/>
+          </a:ln>
+        </p:spPr>
+      </p:pic>
+    </p:spTree>
+  </p:cSld>
+  <p:clrMapOvr>
+    <a:masterClrMapping/>
+  </p:clrMapOvr>
+</p:sld>
+</file>
+
+<file path=ppt/slides/slide38.xml><?xml version="1.0" encoding="utf-8"?>
+<p:sld xmlns:a="http://schemas.openxmlformats.org/drawingml/2006/main" xmlns:r="http://schemas.openxmlformats.org/officeDocument/2006/relationships" xmlns:mc="http://schemas.openxmlformats.org/markup-compatibility/2006" xmlns:mv="urn:schemas-microsoft-com:mac:vml" xmlns:p="http://schemas.openxmlformats.org/presentationml/2006/main" xmlns:c="http://schemas.openxmlformats.org/drawingml/2006/chart" xmlns:dgm="http://schemas.openxmlformats.org/drawingml/2006/diagram" xmlns:o="urn:schemas-microsoft-com:office:office" xmlns:v="urn:schemas-microsoft-com:vml" xmlns:pvml="urn:schemas-microsoft-com:office:powerpoint" xmlns:com="http://schemas.openxmlformats.org/drawingml/2006/compatibility" xmlns:p14="http://schemas.microsoft.com/office/powerpoint/2010/main" xmlns:p15="http://schemas.microsoft.com/office/powerpoint/2012/main" xmlns:ahyp="http://schemas.microsoft.com/office/drawing/2018/hyperlinkcolor">
+  <p:cSld>
+    <p:spTree>
+      <p:nvGrpSpPr>
+        <p:cNvPr id="287" name="Shape 287"/>
         <p:cNvGrpSpPr/>
         <p:nvPr/>
       </p:nvGrpSpPr>
@@ -16151,7 +16276,7 @@
       </p:grpSpPr>
       <p:pic>
         <p:nvPicPr>
-          <p:cNvPr id="277" name="Google Shape;277;p49"/>
+          <p:cNvPr id="288" name="Google Shape;288;p50"/>
           <p:cNvPicPr preferRelativeResize="0"/>
           <p:nvPr/>
         </p:nvPicPr>
@@ -16165,8 +16290,8 @@
         </p:blipFill>
         <p:spPr>
           <a:xfrm>
-            <a:off x="152400" y="152400"/>
-            <a:ext cx="8839199" cy="3590733"/>
+            <a:off x="168225" y="152400"/>
+            <a:ext cx="8823375" cy="5013949"/>
           </a:xfrm>
           <a:prstGeom prst="rect">
             <a:avLst/>
@@ -16179,7 +16304,7 @@
       </p:pic>
       <p:pic>
         <p:nvPicPr>
-          <p:cNvPr id="278" name="Google Shape;278;p49"/>
+          <p:cNvPr id="289" name="Google Shape;289;p50"/>
           <p:cNvPicPr preferRelativeResize="0"/>
           <p:nvPr/>
         </p:nvPicPr>
@@ -16193,8 +16318,8 @@
         </p:blipFill>
         <p:spPr>
           <a:xfrm>
-            <a:off x="2628763" y="4047933"/>
-            <a:ext cx="3886483" cy="2810067"/>
+            <a:off x="2224088" y="6124577"/>
+            <a:ext cx="4695825" cy="733425"/>
           </a:xfrm>
           <a:prstGeom prst="rect">
             <a:avLst/>
@@ -16207,14 +16332,14 @@
       </p:pic>
       <p:sp>
         <p:nvSpPr>
-          <p:cNvPr id="279" name="Google Shape;279;p49"/>
+          <p:cNvPr id="290" name="Google Shape;290;p50"/>
           <p:cNvSpPr/>
           <p:nvPr/>
         </p:nvSpPr>
         <p:spPr>
           <a:xfrm>
-            <a:off x="2463725" y="689475"/>
-            <a:ext cx="183900" cy="183900"/>
+            <a:off x="864150" y="2383650"/>
+            <a:ext cx="1811100" cy="294300"/>
           </a:xfrm>
           <a:prstGeom prst="roundRect">
             <a:avLst>
@@ -16256,14 +16381,14 @@
       </p:sp>
       <p:sp>
         <p:nvSpPr>
-          <p:cNvPr id="280" name="Google Shape;280;p49"/>
+          <p:cNvPr id="291" name="Google Shape;291;p50"/>
           <p:cNvSpPr/>
           <p:nvPr/>
         </p:nvSpPr>
         <p:spPr>
           <a:xfrm>
-            <a:off x="2463725" y="1724400"/>
-            <a:ext cx="183900" cy="183900"/>
+            <a:off x="413000" y="1645400"/>
+            <a:ext cx="1358400" cy="294300"/>
           </a:xfrm>
           <a:prstGeom prst="roundRect">
             <a:avLst>
@@ -16303,6 +16428,55 @@
           </a:p>
         </p:txBody>
       </p:sp>
+      <p:sp>
+        <p:nvSpPr>
+          <p:cNvPr id="292" name="Google Shape;292;p50"/>
+          <p:cNvSpPr/>
+          <p:nvPr/>
+        </p:nvSpPr>
+        <p:spPr>
+          <a:xfrm>
+            <a:off x="3059100" y="2134275"/>
+            <a:ext cx="562800" cy="294300"/>
+          </a:xfrm>
+          <a:prstGeom prst="roundRect">
+            <a:avLst>
+              <a:gd fmla="val 16667" name="adj"/>
+            </a:avLst>
+          </a:prstGeom>
+          <a:noFill/>
+          <a:ln cap="flat" cmpd="sng" w="38100">
+            <a:solidFill>
+              <a:srgbClr val="FF9900"/>
+            </a:solidFill>
+            <a:prstDash val="solid"/>
+            <a:round/>
+            <a:headEnd len="sm" w="sm" type="none"/>
+            <a:tailEnd len="sm" w="sm" type="none"/>
+          </a:ln>
+        </p:spPr>
+        <p:txBody>
+          <a:bodyPr anchorCtr="0" anchor="ctr" bIns="91425" lIns="91425" spcFirstLastPara="1" rIns="91425" wrap="square" tIns="91425">
+            <a:noAutofit/>
+          </a:bodyPr>
+          <a:lstStyle/>
+          <a:p>
+            <a:pPr indent="0" lvl="0" marL="0" rtl="0" algn="l">
+              <a:spcBef>
+                <a:spcPts val="0"/>
+              </a:spcBef>
+              <a:spcAft>
+                <a:spcPts val="0"/>
+              </a:spcAft>
+              <a:buNone/>
+            </a:pPr>
+            <a:r>
+              <a:t/>
+            </a:r>
+            <a:endParaRPr/>
+          </a:p>
+        </p:txBody>
+      </p:sp>
     </p:spTree>
   </p:cSld>
   <p:clrMapOvr>
@@ -16311,12 +16485,12 @@
 </p:sld>
 </file>
 
-<file path=ppt/slides/slide38.xml><?xml version="1.0" encoding="utf-8"?>
+<file path=ppt/slides/slide39.xml><?xml version="1.0" encoding="utf-8"?>
 <p:sld xmlns:a="http://schemas.openxmlformats.org/drawingml/2006/main" xmlns:r="http://schemas.openxmlformats.org/officeDocument/2006/relationships" xmlns:mc="http://schemas.openxmlformats.org/markup-compatibility/2006" xmlns:mv="urn:schemas-microsoft-com:mac:vml" xmlns:p="http://schemas.openxmlformats.org/presentationml/2006/main" xmlns:c="http://schemas.openxmlformats.org/drawingml/2006/chart" xmlns:dgm="http://schemas.openxmlformats.org/drawingml/2006/diagram" xmlns:o="urn:schemas-microsoft-com:office:office" xmlns:v="urn:schemas-microsoft-com:vml" xmlns:pvml="urn:schemas-microsoft-com:office:powerpoint" xmlns:com="http://schemas.openxmlformats.org/drawingml/2006/compatibility" xmlns:p14="http://schemas.microsoft.com/office/powerpoint/2010/main" xmlns:p15="http://schemas.microsoft.com/office/powerpoint/2012/main" xmlns:ahyp="http://schemas.microsoft.com/office/drawing/2018/hyperlinkcolor">
   <p:cSld>
     <p:spTree>
       <p:nvGrpSpPr>
-        <p:cNvPr id="284" name="Shape 284"/>
+        <p:cNvPr id="296" name="Shape 296"/>
         <p:cNvGrpSpPr/>
         <p:nvPr/>
       </p:nvGrpSpPr>
@@ -16330,7 +16504,7 @@
       </p:grpSpPr>
       <p:pic>
         <p:nvPicPr>
-          <p:cNvPr id="285" name="Google Shape;285;p50"/>
+          <p:cNvPr id="297" name="Google Shape;297;p51"/>
           <p:cNvPicPr preferRelativeResize="0"/>
           <p:nvPr/>
         </p:nvPicPr>
@@ -16344,8 +16518,8 @@
         </p:blipFill>
         <p:spPr>
           <a:xfrm>
-            <a:off x="152400" y="152400"/>
-            <a:ext cx="8839199" cy="3590733"/>
+            <a:off x="1143000" y="0"/>
+            <a:ext cx="6858000" cy="6858000"/>
           </a:xfrm>
           <a:prstGeom prst="rect">
             <a:avLst/>
@@ -16356,152 +16530,6 @@
           </a:ln>
         </p:spPr>
       </p:pic>
-      <p:sp>
-        <p:nvSpPr>
-          <p:cNvPr id="286" name="Google Shape;286;p50"/>
-          <p:cNvSpPr/>
-          <p:nvPr/>
-        </p:nvSpPr>
-        <p:spPr>
-          <a:xfrm>
-            <a:off x="2463725" y="689475"/>
-            <a:ext cx="183900" cy="183900"/>
-          </a:xfrm>
-          <a:prstGeom prst="roundRect">
-            <a:avLst>
-              <a:gd fmla="val 16667" name="adj"/>
-            </a:avLst>
-          </a:prstGeom>
-          <a:noFill/>
-          <a:ln cap="flat" cmpd="sng" w="38100">
-            <a:solidFill>
-              <a:srgbClr val="FF9900"/>
-            </a:solidFill>
-            <a:prstDash val="solid"/>
-            <a:round/>
-            <a:headEnd len="sm" w="sm" type="none"/>
-            <a:tailEnd len="sm" w="sm" type="none"/>
-          </a:ln>
-        </p:spPr>
-        <p:txBody>
-          <a:bodyPr anchorCtr="0" anchor="ctr" bIns="91425" lIns="91425" spcFirstLastPara="1" rIns="91425" wrap="square" tIns="91425">
-            <a:noAutofit/>
-          </a:bodyPr>
-          <a:lstStyle/>
-          <a:p>
-            <a:pPr indent="0" lvl="0" marL="0" rtl="0" algn="l">
-              <a:spcBef>
-                <a:spcPts val="0"/>
-              </a:spcBef>
-              <a:spcAft>
-                <a:spcPts val="0"/>
-              </a:spcAft>
-              <a:buNone/>
-            </a:pPr>
-            <a:r>
-              <a:t/>
-            </a:r>
-            <a:endParaRPr/>
-          </a:p>
-        </p:txBody>
-      </p:sp>
-      <p:sp>
-        <p:nvSpPr>
-          <p:cNvPr id="287" name="Google Shape;287;p50"/>
-          <p:cNvSpPr/>
-          <p:nvPr/>
-        </p:nvSpPr>
-        <p:spPr>
-          <a:xfrm>
-            <a:off x="2463725" y="1724400"/>
-            <a:ext cx="183900" cy="183900"/>
-          </a:xfrm>
-          <a:prstGeom prst="roundRect">
-            <a:avLst>
-              <a:gd fmla="val 16667" name="adj"/>
-            </a:avLst>
-          </a:prstGeom>
-          <a:noFill/>
-          <a:ln cap="flat" cmpd="sng" w="38100">
-            <a:solidFill>
-              <a:srgbClr val="FF9900"/>
-            </a:solidFill>
-            <a:prstDash val="solid"/>
-            <a:round/>
-            <a:headEnd len="sm" w="sm" type="none"/>
-            <a:tailEnd len="sm" w="sm" type="none"/>
-          </a:ln>
-        </p:spPr>
-        <p:txBody>
-          <a:bodyPr anchorCtr="0" anchor="ctr" bIns="91425" lIns="91425" spcFirstLastPara="1" rIns="91425" wrap="square" tIns="91425">
-            <a:noAutofit/>
-          </a:bodyPr>
-          <a:lstStyle/>
-          <a:p>
-            <a:pPr indent="0" lvl="0" marL="0" rtl="0" algn="l">
-              <a:spcBef>
-                <a:spcPts val="0"/>
-              </a:spcBef>
-              <a:spcAft>
-                <a:spcPts val="0"/>
-              </a:spcAft>
-              <a:buNone/>
-            </a:pPr>
-            <a:r>
-              <a:t/>
-            </a:r>
-            <a:endParaRPr/>
-          </a:p>
-        </p:txBody>
-      </p:sp>
-      <p:sp>
-        <p:nvSpPr>
-          <p:cNvPr id="288" name="Google Shape;288;p50"/>
-          <p:cNvSpPr txBox="1"/>
-          <p:nvPr/>
-        </p:nvSpPr>
-        <p:spPr>
-          <a:xfrm>
-            <a:off x="2757900" y="5635325"/>
-            <a:ext cx="3107400" cy="432000"/>
-          </a:xfrm>
-          <a:prstGeom prst="rect">
-            <a:avLst/>
-          </a:prstGeom>
-          <a:noFill/>
-          <a:ln cap="flat" cmpd="sng" w="9525">
-            <a:solidFill>
-              <a:srgbClr val="000000"/>
-            </a:solidFill>
-            <a:prstDash val="solid"/>
-            <a:round/>
-            <a:headEnd len="sm" w="sm" type="none"/>
-            <a:tailEnd len="sm" w="sm" type="none"/>
-          </a:ln>
-        </p:spPr>
-        <p:txBody>
-          <a:bodyPr anchorCtr="0" anchor="t" bIns="91425" lIns="91425" spcFirstLastPara="1" rIns="91425" wrap="square" tIns="91425">
-            <a:noAutofit/>
-          </a:bodyPr>
-          <a:lstStyle/>
-          <a:p>
-            <a:pPr indent="0" lvl="0" marL="0" rtl="0" algn="l">
-              <a:spcBef>
-                <a:spcPts val="0"/>
-              </a:spcBef>
-              <a:spcAft>
-                <a:spcPts val="0"/>
-              </a:spcAft>
-              <a:buNone/>
-            </a:pPr>
-            <a:r>
-              <a:rPr lang="cs"/>
-              <a:t>How to draw a line of white squares?</a:t>
-            </a:r>
-            <a:endParaRPr/>
-          </a:p>
-        </p:txBody>
-      </p:sp>
     </p:spTree>
   </p:cSld>
   <p:clrMapOvr>
@@ -16510,12 +16538,12 @@
 </p:sld>
 </file>
 
-<file path=ppt/slides/slide39.xml><?xml version="1.0" encoding="utf-8"?>
+<file path=ppt/slides/slide4.xml><?xml version="1.0" encoding="utf-8"?>
 <p:sld xmlns:a="http://schemas.openxmlformats.org/drawingml/2006/main" xmlns:r="http://schemas.openxmlformats.org/officeDocument/2006/relationships" xmlns:mc="http://schemas.openxmlformats.org/markup-compatibility/2006" xmlns:mv="urn:schemas-microsoft-com:mac:vml" xmlns:p="http://schemas.openxmlformats.org/presentationml/2006/main" xmlns:c="http://schemas.openxmlformats.org/drawingml/2006/chart" xmlns:dgm="http://schemas.openxmlformats.org/drawingml/2006/diagram" xmlns:o="urn:schemas-microsoft-com:office:office" xmlns:v="urn:schemas-microsoft-com:vml" xmlns:pvml="urn:schemas-microsoft-com:office:powerpoint" xmlns:com="http://schemas.openxmlformats.org/drawingml/2006/compatibility" xmlns:p14="http://schemas.microsoft.com/office/powerpoint/2010/main" xmlns:p15="http://schemas.microsoft.com/office/powerpoint/2012/main" xmlns:ahyp="http://schemas.microsoft.com/office/drawing/2018/hyperlinkcolor">
   <p:cSld>
     <p:spTree>
       <p:nvGrpSpPr>
-        <p:cNvPr id="292" name="Shape 292"/>
+        <p:cNvPr id="78" name="Shape 78"/>
         <p:cNvGrpSpPr/>
         <p:nvPr/>
       </p:nvGrpSpPr>
@@ -16529,7 +16557,7 @@
       </p:grpSpPr>
       <p:pic>
         <p:nvPicPr>
-          <p:cNvPr id="293" name="Google Shape;293;p51"/>
+          <p:cNvPr id="79" name="Google Shape;79;p16"/>
           <p:cNvPicPr preferRelativeResize="0"/>
           <p:nvPr/>
         </p:nvPicPr>
@@ -16543,8 +16571,8 @@
         </p:blipFill>
         <p:spPr>
           <a:xfrm>
-            <a:off x="152400" y="152400"/>
-            <a:ext cx="8839201" cy="4654458"/>
+            <a:off x="2995613" y="0"/>
+            <a:ext cx="3152775" cy="866775"/>
           </a:xfrm>
           <a:prstGeom prst="rect">
             <a:avLst/>
@@ -16555,26 +16583,32 @@
           </a:ln>
         </p:spPr>
       </p:pic>
-      <p:sp>
-        <p:nvSpPr>
-          <p:cNvPr id="294" name="Google Shape;294;p51"/>
-          <p:cNvSpPr/>
+      <p:pic>
+        <p:nvPicPr>
+          <p:cNvPr id="80" name="Google Shape;80;p16"/>
+          <p:cNvPicPr preferRelativeResize="0"/>
           <p:nvPr/>
-        </p:nvSpPr>
-        <p:spPr>
-          <a:xfrm>
-            <a:off x="496450" y="1700700"/>
-            <a:ext cx="2656800" cy="542400"/>
-          </a:xfrm>
-          <a:prstGeom prst="roundRect">
-            <a:avLst>
-              <a:gd fmla="val 16667" name="adj"/>
-            </a:avLst>
+        </p:nvPicPr>
+        <p:blipFill>
+          <a:blip r:embed="rId4">
+            <a:alphaModFix/>
+          </a:blip>
+          <a:stretch>
+            <a:fillRect/>
+          </a:stretch>
+        </p:blipFill>
+        <p:spPr>
+          <a:xfrm>
+            <a:off x="4252913" y="3233738"/>
+            <a:ext cx="638175" cy="390525"/>
+          </a:xfrm>
+          <a:prstGeom prst="rect">
+            <a:avLst/>
           </a:prstGeom>
           <a:noFill/>
-          <a:ln cap="flat" cmpd="sng" w="38100">
+          <a:ln cap="flat" cmpd="sng" w="9525">
             <a:solidFill>
-              <a:srgbClr val="FF9900"/>
+              <a:schemeClr val="dk2"/>
             </a:solidFill>
             <a:prstDash val="solid"/>
             <a:round/>
@@ -16582,8 +16616,34 @@
             <a:tailEnd len="sm" w="sm" type="none"/>
           </a:ln>
         </p:spPr>
+      </p:pic>
+      <p:sp>
+        <p:nvSpPr>
+          <p:cNvPr id="81" name="Google Shape;81;p16"/>
+          <p:cNvSpPr txBox="1"/>
+          <p:nvPr/>
+        </p:nvSpPr>
+        <p:spPr>
+          <a:xfrm>
+            <a:off x="3634350" y="6467400"/>
+            <a:ext cx="1875300" cy="390600"/>
+          </a:xfrm>
+          <a:prstGeom prst="rect">
+            <a:avLst/>
+          </a:prstGeom>
+          <a:noFill/>
+          <a:ln cap="flat" cmpd="sng" w="9525">
+            <a:solidFill>
+              <a:srgbClr val="000000"/>
+            </a:solidFill>
+            <a:prstDash val="solid"/>
+            <a:round/>
+            <a:headEnd len="sm" w="sm" type="none"/>
+            <a:tailEnd len="sm" w="sm" type="none"/>
+          </a:ln>
+        </p:spPr>
         <p:txBody>
-          <a:bodyPr anchorCtr="0" anchor="ctr" bIns="91425" lIns="91425" spcFirstLastPara="1" rIns="91425" wrap="square" tIns="91425">
+          <a:bodyPr anchorCtr="0" anchor="t" bIns="91425" lIns="91425" spcFirstLastPara="1" rIns="91425" wrap="square" tIns="91425">
             <a:noAutofit/>
           </a:bodyPr>
           <a:lstStyle/>
@@ -16598,72 +16658,8 @@
               <a:buNone/>
             </a:pPr>
             <a:r>
-              <a:t/>
-            </a:r>
-            <a:endParaRPr/>
-          </a:p>
-        </p:txBody>
-      </p:sp>
-    </p:spTree>
-  </p:cSld>
-  <p:clrMapOvr>
-    <a:masterClrMapping/>
-  </p:clrMapOvr>
-</p:sld>
-</file>
-
-<file path=ppt/slides/slide4.xml><?xml version="1.0" encoding="utf-8"?>
-<p:sld xmlns:a="http://schemas.openxmlformats.org/drawingml/2006/main" xmlns:r="http://schemas.openxmlformats.org/officeDocument/2006/relationships" xmlns:mc="http://schemas.openxmlformats.org/markup-compatibility/2006" xmlns:mv="urn:schemas-microsoft-com:mac:vml" xmlns:p="http://schemas.openxmlformats.org/presentationml/2006/main" xmlns:c="http://schemas.openxmlformats.org/drawingml/2006/chart" xmlns:dgm="http://schemas.openxmlformats.org/drawingml/2006/diagram" xmlns:o="urn:schemas-microsoft-com:office:office" xmlns:v="urn:schemas-microsoft-com:vml" xmlns:pvml="urn:schemas-microsoft-com:office:powerpoint" xmlns:com="http://schemas.openxmlformats.org/drawingml/2006/compatibility" xmlns:p14="http://schemas.microsoft.com/office/powerpoint/2010/main" xmlns:p15="http://schemas.microsoft.com/office/powerpoint/2012/main" xmlns:ahyp="http://schemas.microsoft.com/office/drawing/2018/hyperlinkcolor">
-  <p:cSld>
-    <p:spTree>
-      <p:nvGrpSpPr>
-        <p:cNvPr id="76" name="Shape 76"/>
-        <p:cNvGrpSpPr/>
-        <p:nvPr/>
-      </p:nvGrpSpPr>
-      <p:grpSpPr>
-        <a:xfrm>
-          <a:off x="0" y="0"/>
-          <a:ext cx="0" cy="0"/>
-          <a:chOff x="0" y="0"/>
-          <a:chExt cx="0" cy="0"/>
-        </a:xfrm>
-      </p:grpSpPr>
-      <p:sp>
-        <p:nvSpPr>
-          <p:cNvPr id="77" name="Google Shape;77;p16"/>
-          <p:cNvSpPr txBox="1"/>
-          <p:nvPr>
-            <p:ph type="title"/>
-          </p:nvPr>
-        </p:nvSpPr>
-        <p:spPr>
-          <a:xfrm>
-            <a:off x="311700" y="2867800"/>
-            <a:ext cx="8520600" cy="1122300"/>
-          </a:xfrm>
-          <a:prstGeom prst="rect">
-            <a:avLst/>
-          </a:prstGeom>
-        </p:spPr>
-        <p:txBody>
-          <a:bodyPr anchorCtr="0" anchor="ctr" bIns="91425" lIns="91425" spcFirstLastPara="1" rIns="91425" wrap="square" tIns="91425">
-            <a:noAutofit/>
-          </a:bodyPr>
-          <a:lstStyle/>
-          <a:p>
-            <a:pPr indent="0" lvl="0" marL="0" rtl="0" algn="ctr">
-              <a:spcBef>
-                <a:spcPts val="0"/>
-              </a:spcBef>
-              <a:spcAft>
-                <a:spcPts val="0"/>
-              </a:spcAft>
-              <a:buNone/>
-            </a:pPr>
-            <a:r>
               <a:rPr lang="cs"/>
-              <a:t>Nested Loops</a:t>
+              <a:t>Repeat? More lines?</a:t>
             </a:r>
             <a:endParaRPr/>
           </a:p>
@@ -16682,7 +16678,7 @@
   <p:cSld>
     <p:spTree>
       <p:nvGrpSpPr>
-        <p:cNvPr id="298" name="Shape 298"/>
+        <p:cNvPr id="301" name="Shape 301"/>
         <p:cNvGrpSpPr/>
         <p:nvPr/>
       </p:nvGrpSpPr>
@@ -16696,7 +16692,7 @@
       </p:grpSpPr>
       <p:pic>
         <p:nvPicPr>
-          <p:cNvPr id="299" name="Google Shape;299;p52"/>
+          <p:cNvPr id="302" name="Google Shape;302;p52"/>
           <p:cNvPicPr preferRelativeResize="0"/>
           <p:nvPr/>
         </p:nvPicPr>
@@ -16710,8 +16706,8 @@
         </p:blipFill>
         <p:spPr>
           <a:xfrm>
-            <a:off x="152400" y="152400"/>
-            <a:ext cx="8839201" cy="4654458"/>
+            <a:off x="152400" y="118075"/>
+            <a:ext cx="8839198" cy="1474016"/>
           </a:xfrm>
           <a:prstGeom prst="rect">
             <a:avLst/>
@@ -16724,14 +16720,14 @@
       </p:pic>
       <p:sp>
         <p:nvSpPr>
-          <p:cNvPr id="300" name="Google Shape;300;p52"/>
+          <p:cNvPr id="303" name="Google Shape;303;p52"/>
           <p:cNvSpPr/>
           <p:nvPr/>
         </p:nvSpPr>
         <p:spPr>
           <a:xfrm>
-            <a:off x="496450" y="1700700"/>
-            <a:ext cx="2656800" cy="542400"/>
+            <a:off x="2233900" y="119500"/>
+            <a:ext cx="220800" cy="257400"/>
           </a:xfrm>
           <a:prstGeom prst="roundRect">
             <a:avLst>
@@ -16773,22 +16769,24 @@
       </p:sp>
       <p:sp>
         <p:nvSpPr>
-          <p:cNvPr id="301" name="Google Shape;301;p52"/>
-          <p:cNvSpPr txBox="1"/>
+          <p:cNvPr id="304" name="Google Shape;304;p52"/>
+          <p:cNvSpPr/>
           <p:nvPr/>
         </p:nvSpPr>
         <p:spPr>
           <a:xfrm>
-            <a:off x="2757900" y="5635325"/>
-            <a:ext cx="4394400" cy="432000"/>
-          </a:xfrm>
-          <a:prstGeom prst="rect">
-            <a:avLst/>
+            <a:off x="4351200" y="317875"/>
+            <a:ext cx="220800" cy="257400"/>
+          </a:xfrm>
+          <a:prstGeom prst="roundRect">
+            <a:avLst>
+              <a:gd fmla="val 16667" name="adj"/>
+            </a:avLst>
           </a:prstGeom>
           <a:noFill/>
-          <a:ln cap="flat" cmpd="sng" w="9525">
+          <a:ln cap="flat" cmpd="sng" w="38100">
             <a:solidFill>
-              <a:srgbClr val="000000"/>
+              <a:srgbClr val="FF9900"/>
             </a:solidFill>
             <a:prstDash val="solid"/>
             <a:round/>
@@ -16797,7 +16795,7 @@
           </a:ln>
         </p:spPr>
         <p:txBody>
-          <a:bodyPr anchorCtr="0" anchor="t" bIns="91425" lIns="91425" spcFirstLastPara="1" rIns="91425" wrap="square" tIns="91425">
+          <a:bodyPr anchorCtr="0" anchor="ctr" bIns="91425" lIns="91425" spcFirstLastPara="1" rIns="91425" wrap="square" tIns="91425">
             <a:noAutofit/>
           </a:bodyPr>
           <a:lstStyle/>
@@ -16812,8 +16810,56 @@
               <a:buNone/>
             </a:pPr>
             <a:r>
-              <a:rPr lang="cs"/>
-              <a:t>How to draw a line of altering black/white squares?</a:t>
+              <a:t/>
+            </a:r>
+            <a:endParaRPr/>
+          </a:p>
+        </p:txBody>
+      </p:sp>
+      <p:sp>
+        <p:nvSpPr>
+          <p:cNvPr id="305" name="Google Shape;305;p52"/>
+          <p:cNvSpPr/>
+          <p:nvPr/>
+        </p:nvSpPr>
+        <p:spPr>
+          <a:xfrm>
+            <a:off x="7401800" y="317875"/>
+            <a:ext cx="220800" cy="257400"/>
+          </a:xfrm>
+          <a:prstGeom prst="roundRect">
+            <a:avLst>
+              <a:gd fmla="val 16667" name="adj"/>
+            </a:avLst>
+          </a:prstGeom>
+          <a:noFill/>
+          <a:ln cap="flat" cmpd="sng" w="38100">
+            <a:solidFill>
+              <a:srgbClr val="FF9900"/>
+            </a:solidFill>
+            <a:prstDash val="solid"/>
+            <a:round/>
+            <a:headEnd len="sm" w="sm" type="none"/>
+            <a:tailEnd len="sm" w="sm" type="none"/>
+          </a:ln>
+        </p:spPr>
+        <p:txBody>
+          <a:bodyPr anchorCtr="0" anchor="ctr" bIns="91425" lIns="91425" spcFirstLastPara="1" rIns="91425" wrap="square" tIns="91425">
+            <a:noAutofit/>
+          </a:bodyPr>
+          <a:lstStyle/>
+          <a:p>
+            <a:pPr indent="0" lvl="0" marL="0" rtl="0" algn="l">
+              <a:spcBef>
+                <a:spcPts val="0"/>
+              </a:spcBef>
+              <a:spcAft>
+                <a:spcPts val="0"/>
+              </a:spcAft>
+              <a:buNone/>
+            </a:pPr>
+            <a:r>
+              <a:t/>
             </a:r>
             <a:endParaRPr/>
           </a:p>
@@ -16832,7 +16878,7 @@
   <p:cSld>
     <p:spTree>
       <p:nvGrpSpPr>
-        <p:cNvPr id="305" name="Shape 305"/>
+        <p:cNvPr id="309" name="Shape 309"/>
         <p:cNvGrpSpPr/>
         <p:nvPr/>
       </p:nvGrpSpPr>
@@ -16846,7 +16892,7 @@
       </p:grpSpPr>
       <p:pic>
         <p:nvPicPr>
-          <p:cNvPr id="306" name="Google Shape;306;p53"/>
+          <p:cNvPr id="310" name="Google Shape;310;p53"/>
           <p:cNvPicPr preferRelativeResize="0"/>
           <p:nvPr/>
         </p:nvPicPr>
@@ -16860,8 +16906,8 @@
         </p:blipFill>
         <p:spPr>
           <a:xfrm>
-            <a:off x="152400" y="0"/>
-            <a:ext cx="8839201" cy="5191277"/>
+            <a:off x="122700" y="142375"/>
+            <a:ext cx="8813477" cy="4360349"/>
           </a:xfrm>
           <a:prstGeom prst="rect">
             <a:avLst/>
@@ -16872,44 +16918,16 @@
           </a:ln>
         </p:spPr>
       </p:pic>
-      <p:pic>
-        <p:nvPicPr>
-          <p:cNvPr id="307" name="Google Shape;307;p53"/>
-          <p:cNvPicPr preferRelativeResize="0"/>
-          <p:nvPr/>
-        </p:nvPicPr>
-        <p:blipFill>
-          <a:blip r:embed="rId4">
-            <a:alphaModFix/>
-          </a:blip>
-          <a:stretch>
-            <a:fillRect/>
-          </a:stretch>
-        </p:blipFill>
-        <p:spPr>
-          <a:xfrm>
-            <a:off x="2224088" y="6124577"/>
-            <a:ext cx="4695825" cy="733425"/>
-          </a:xfrm>
-          <a:prstGeom prst="rect">
-            <a:avLst/>
-          </a:prstGeom>
-          <a:noFill/>
-          <a:ln>
-            <a:noFill/>
-          </a:ln>
-        </p:spPr>
-      </p:pic>
-      <p:sp>
-        <p:nvSpPr>
-          <p:cNvPr id="308" name="Google Shape;308;p53"/>
+      <p:sp>
+        <p:nvSpPr>
+          <p:cNvPr id="311" name="Google Shape;311;p53"/>
           <p:cNvSpPr/>
           <p:nvPr/>
         </p:nvSpPr>
         <p:spPr>
           <a:xfrm>
-            <a:off x="864150" y="2307450"/>
-            <a:ext cx="1811100" cy="294300"/>
+            <a:off x="374250" y="1565475"/>
+            <a:ext cx="3267600" cy="819600"/>
           </a:xfrm>
           <a:prstGeom prst="roundRect">
             <a:avLst>
@@ -16962,7 +16980,7 @@
   <p:cSld>
     <p:spTree>
       <p:nvGrpSpPr>
-        <p:cNvPr id="312" name="Shape 312"/>
+        <p:cNvPr id="315" name="Shape 315"/>
         <p:cNvGrpSpPr/>
         <p:nvPr/>
       </p:nvGrpSpPr>
@@ -16976,7 +16994,7 @@
       </p:grpSpPr>
       <p:pic>
         <p:nvPicPr>
-          <p:cNvPr id="313" name="Google Shape;313;p54"/>
+          <p:cNvPr id="316" name="Google Shape;316;p54"/>
           <p:cNvPicPr preferRelativeResize="0"/>
           <p:nvPr/>
         </p:nvPicPr>
@@ -16990,8 +17008,64 @@
         </p:blipFill>
         <p:spPr>
           <a:xfrm>
-            <a:off x="1143000" y="0"/>
-            <a:ext cx="6858000" cy="6858000"/>
+            <a:off x="1439425" y="4567770"/>
+            <a:ext cx="2073685" cy="2116442"/>
+          </a:xfrm>
+          <a:prstGeom prst="rect">
+            <a:avLst/>
+          </a:prstGeom>
+          <a:noFill/>
+          <a:ln>
+            <a:noFill/>
+          </a:ln>
+        </p:spPr>
+      </p:pic>
+      <p:pic>
+        <p:nvPicPr>
+          <p:cNvPr id="317" name="Google Shape;317;p54"/>
+          <p:cNvPicPr preferRelativeResize="0"/>
+          <p:nvPr/>
+        </p:nvPicPr>
+        <p:blipFill>
+          <a:blip r:embed="rId4">
+            <a:alphaModFix/>
+          </a:blip>
+          <a:stretch>
+            <a:fillRect/>
+          </a:stretch>
+        </p:blipFill>
+        <p:spPr>
+          <a:xfrm>
+            <a:off x="5732150" y="4589150"/>
+            <a:ext cx="2073674" cy="2073674"/>
+          </a:xfrm>
+          <a:prstGeom prst="rect">
+            <a:avLst/>
+          </a:prstGeom>
+          <a:noFill/>
+          <a:ln>
+            <a:noFill/>
+          </a:ln>
+        </p:spPr>
+      </p:pic>
+      <p:pic>
+        <p:nvPicPr>
+          <p:cNvPr id="318" name="Google Shape;318;p54"/>
+          <p:cNvPicPr preferRelativeResize="0"/>
+          <p:nvPr/>
+        </p:nvPicPr>
+        <p:blipFill>
+          <a:blip r:embed="rId5">
+            <a:alphaModFix/>
+          </a:blip>
+          <a:stretch>
+            <a:fillRect/>
+          </a:stretch>
+        </p:blipFill>
+        <p:spPr>
+          <a:xfrm>
+            <a:off x="152400" y="152400"/>
+            <a:ext cx="8616641" cy="4262970"/>
           </a:xfrm>
           <a:prstGeom prst="rect">
             <a:avLst/>
@@ -17015,7 +17089,7 @@
   <p:cSld>
     <p:spTree>
       <p:nvGrpSpPr>
-        <p:cNvPr id="317" name="Shape 317"/>
+        <p:cNvPr id="322" name="Shape 322"/>
         <p:cNvGrpSpPr/>
         <p:nvPr/>
       </p:nvGrpSpPr>
@@ -17029,7 +17103,7 @@
       </p:grpSpPr>
       <p:pic>
         <p:nvPicPr>
-          <p:cNvPr id="318" name="Google Shape;318;p55"/>
+          <p:cNvPr id="323" name="Google Shape;323;p55"/>
           <p:cNvPicPr preferRelativeResize="0"/>
           <p:nvPr/>
         </p:nvPicPr>
@@ -17044,7 +17118,7 @@
         <p:spPr>
           <a:xfrm>
             <a:off x="152400" y="152400"/>
-            <a:ext cx="8839198" cy="1446236"/>
+            <a:ext cx="8616641" cy="4262970"/>
           </a:xfrm>
           <a:prstGeom prst="rect">
             <a:avLst/>
@@ -17055,16 +17129,72 @@
           </a:ln>
         </p:spPr>
       </p:pic>
-      <p:sp>
-        <p:nvSpPr>
-          <p:cNvPr id="319" name="Google Shape;319;p55"/>
+      <p:pic>
+        <p:nvPicPr>
+          <p:cNvPr id="324" name="Google Shape;324;p55"/>
+          <p:cNvPicPr preferRelativeResize="0"/>
+          <p:nvPr/>
+        </p:nvPicPr>
+        <p:blipFill>
+          <a:blip r:embed="rId4">
+            <a:alphaModFix/>
+          </a:blip>
+          <a:stretch>
+            <a:fillRect/>
+          </a:stretch>
+        </p:blipFill>
+        <p:spPr>
+          <a:xfrm>
+            <a:off x="1439425" y="4567770"/>
+            <a:ext cx="2073685" cy="2116442"/>
+          </a:xfrm>
+          <a:prstGeom prst="rect">
+            <a:avLst/>
+          </a:prstGeom>
+          <a:noFill/>
+          <a:ln>
+            <a:noFill/>
+          </a:ln>
+        </p:spPr>
+      </p:pic>
+      <p:pic>
+        <p:nvPicPr>
+          <p:cNvPr id="325" name="Google Shape;325;p55"/>
+          <p:cNvPicPr preferRelativeResize="0"/>
+          <p:nvPr/>
+        </p:nvPicPr>
+        <p:blipFill>
+          <a:blip r:embed="rId5">
+            <a:alphaModFix/>
+          </a:blip>
+          <a:stretch>
+            <a:fillRect/>
+          </a:stretch>
+        </p:blipFill>
+        <p:spPr>
+          <a:xfrm>
+            <a:off x="5732150" y="4589150"/>
+            <a:ext cx="2073674" cy="2073674"/>
+          </a:xfrm>
+          <a:prstGeom prst="rect">
+            <a:avLst/>
+          </a:prstGeom>
+          <a:noFill/>
+          <a:ln>
+            <a:noFill/>
+          </a:ln>
+        </p:spPr>
+      </p:pic>
+      <p:sp>
+        <p:nvSpPr>
+          <p:cNvPr id="326" name="Google Shape;326;p55"/>
           <p:cNvSpPr/>
           <p:nvPr/>
         </p:nvSpPr>
         <p:spPr>
           <a:xfrm>
-            <a:off x="2233900" y="119500"/>
-            <a:ext cx="220800" cy="257400"/>
+            <a:off x="1037400" y="2137552"/>
+            <a:ext cx="1461600" cy="256800"/>
           </a:xfrm>
           <a:prstGeom prst="roundRect">
             <a:avLst>
@@ -17106,14 +17236,14 @@
       </p:sp>
       <p:sp>
         <p:nvSpPr>
-          <p:cNvPr id="320" name="Google Shape;320;p55"/>
+          <p:cNvPr id="327" name="Google Shape;327;p55"/>
           <p:cNvSpPr/>
           <p:nvPr/>
         </p:nvSpPr>
         <p:spPr>
           <a:xfrm>
-            <a:off x="4351200" y="317875"/>
-            <a:ext cx="220800" cy="257400"/>
+            <a:off x="7464750" y="4458625"/>
+            <a:ext cx="432000" cy="496500"/>
           </a:xfrm>
           <a:prstGeom prst="roundRect">
             <a:avLst>
@@ -17155,14 +17285,112 @@
       </p:sp>
       <p:sp>
         <p:nvSpPr>
-          <p:cNvPr id="321" name="Google Shape;321;p55"/>
+          <p:cNvPr id="328" name="Google Shape;328;p55"/>
           <p:cNvSpPr/>
           <p:nvPr/>
         </p:nvSpPr>
         <p:spPr>
           <a:xfrm>
-            <a:off x="7401800" y="317875"/>
-            <a:ext cx="220800" cy="257400"/>
+            <a:off x="5649850" y="4702950"/>
+            <a:ext cx="432000" cy="496500"/>
+          </a:xfrm>
+          <a:prstGeom prst="roundRect">
+            <a:avLst>
+              <a:gd fmla="val 16667" name="adj"/>
+            </a:avLst>
+          </a:prstGeom>
+          <a:noFill/>
+          <a:ln cap="flat" cmpd="sng" w="38100">
+            <a:solidFill>
+              <a:srgbClr val="FF9900"/>
+            </a:solidFill>
+            <a:prstDash val="solid"/>
+            <a:round/>
+            <a:headEnd len="sm" w="sm" type="none"/>
+            <a:tailEnd len="sm" w="sm" type="none"/>
+          </a:ln>
+        </p:spPr>
+        <p:txBody>
+          <a:bodyPr anchorCtr="0" anchor="ctr" bIns="91425" lIns="91425" spcFirstLastPara="1" rIns="91425" wrap="square" tIns="91425">
+            <a:noAutofit/>
+          </a:bodyPr>
+          <a:lstStyle/>
+          <a:p>
+            <a:pPr indent="0" lvl="0" marL="0" rtl="0" algn="l">
+              <a:spcBef>
+                <a:spcPts val="0"/>
+              </a:spcBef>
+              <a:spcAft>
+                <a:spcPts val="0"/>
+              </a:spcAft>
+              <a:buNone/>
+            </a:pPr>
+            <a:r>
+              <a:t/>
+            </a:r>
+            <a:endParaRPr/>
+          </a:p>
+        </p:txBody>
+      </p:sp>
+      <p:sp>
+        <p:nvSpPr>
+          <p:cNvPr id="329" name="Google Shape;329;p55"/>
+          <p:cNvSpPr/>
+          <p:nvPr/>
+        </p:nvSpPr>
+        <p:spPr>
+          <a:xfrm>
+            <a:off x="3127075" y="4458625"/>
+            <a:ext cx="432000" cy="496500"/>
+          </a:xfrm>
+          <a:prstGeom prst="roundRect">
+            <a:avLst>
+              <a:gd fmla="val 16667" name="adj"/>
+            </a:avLst>
+          </a:prstGeom>
+          <a:noFill/>
+          <a:ln cap="flat" cmpd="sng" w="38100">
+            <a:solidFill>
+              <a:srgbClr val="FF9900"/>
+            </a:solidFill>
+            <a:prstDash val="solid"/>
+            <a:round/>
+            <a:headEnd len="sm" w="sm" type="none"/>
+            <a:tailEnd len="sm" w="sm" type="none"/>
+          </a:ln>
+        </p:spPr>
+        <p:txBody>
+          <a:bodyPr anchorCtr="0" anchor="ctr" bIns="91425" lIns="91425" spcFirstLastPara="1" rIns="91425" wrap="square" tIns="91425">
+            <a:noAutofit/>
+          </a:bodyPr>
+          <a:lstStyle/>
+          <a:p>
+            <a:pPr indent="0" lvl="0" marL="0" rtl="0" algn="l">
+              <a:spcBef>
+                <a:spcPts val="0"/>
+              </a:spcBef>
+              <a:spcAft>
+                <a:spcPts val="0"/>
+              </a:spcAft>
+              <a:buNone/>
+            </a:pPr>
+            <a:r>
+              <a:t/>
+            </a:r>
+            <a:endParaRPr/>
+          </a:p>
+        </p:txBody>
+      </p:sp>
+      <p:sp>
+        <p:nvSpPr>
+          <p:cNvPr id="330" name="Google Shape;330;p55"/>
+          <p:cNvSpPr/>
+          <p:nvPr/>
+        </p:nvSpPr>
+        <p:spPr>
+          <a:xfrm>
+            <a:off x="1339750" y="4787125"/>
+            <a:ext cx="432000" cy="496500"/>
           </a:xfrm>
           <a:prstGeom prst="roundRect">
             <a:avLst>
@@ -17215,7 +17443,7 @@
   <p:cSld>
     <p:spTree>
       <p:nvGrpSpPr>
-        <p:cNvPr id="325" name="Shape 325"/>
+        <p:cNvPr id="334" name="Shape 334"/>
         <p:cNvGrpSpPr/>
         <p:nvPr/>
       </p:nvGrpSpPr>
@@ -17229,7 +17457,7 @@
       </p:grpSpPr>
       <p:pic>
         <p:nvPicPr>
-          <p:cNvPr id="326" name="Google Shape;326;p56"/>
+          <p:cNvPr id="335" name="Google Shape;335;p56"/>
           <p:cNvPicPr preferRelativeResize="0"/>
           <p:nvPr/>
         </p:nvPicPr>
@@ -17243,8 +17471,8 @@
         </p:blipFill>
         <p:spPr>
           <a:xfrm>
-            <a:off x="152400" y="0"/>
-            <a:ext cx="8839198" cy="4436758"/>
+            <a:off x="138550" y="152400"/>
+            <a:ext cx="8853051" cy="4536875"/>
           </a:xfrm>
           <a:prstGeom prst="rect">
             <a:avLst/>
@@ -17257,14 +17485,266 @@
       </p:pic>
       <p:sp>
         <p:nvSpPr>
-          <p:cNvPr id="327" name="Google Shape;327;p56"/>
+          <p:cNvPr id="336" name="Google Shape;336;p56"/>
           <p:cNvSpPr/>
           <p:nvPr/>
         </p:nvSpPr>
         <p:spPr>
           <a:xfrm>
-            <a:off x="450450" y="1489275"/>
-            <a:ext cx="3208500" cy="799800"/>
+            <a:off x="726250" y="2395300"/>
+            <a:ext cx="1452600" cy="257400"/>
+          </a:xfrm>
+          <a:prstGeom prst="roundRect">
+            <a:avLst>
+              <a:gd fmla="val 16667" name="adj"/>
+            </a:avLst>
+          </a:prstGeom>
+          <a:noFill/>
+          <a:ln cap="flat" cmpd="sng" w="38100">
+            <a:solidFill>
+              <a:srgbClr val="FF9900"/>
+            </a:solidFill>
+            <a:prstDash val="solid"/>
+            <a:round/>
+            <a:headEnd len="sm" w="sm" type="none"/>
+            <a:tailEnd len="sm" w="sm" type="none"/>
+          </a:ln>
+        </p:spPr>
+        <p:txBody>
+          <a:bodyPr anchorCtr="0" anchor="ctr" bIns="91425" lIns="91425" spcFirstLastPara="1" rIns="91425" wrap="square" tIns="91425">
+            <a:noAutofit/>
+          </a:bodyPr>
+          <a:lstStyle/>
+          <a:p>
+            <a:pPr indent="0" lvl="0" marL="0" rtl="0" algn="l">
+              <a:spcBef>
+                <a:spcPts val="0"/>
+              </a:spcBef>
+              <a:spcAft>
+                <a:spcPts val="0"/>
+              </a:spcAft>
+              <a:buNone/>
+            </a:pPr>
+            <a:r>
+              <a:t/>
+            </a:r>
+            <a:endParaRPr/>
+          </a:p>
+        </p:txBody>
+      </p:sp>
+      <p:pic>
+        <p:nvPicPr>
+          <p:cNvPr id="337" name="Google Shape;337;p56"/>
+          <p:cNvPicPr preferRelativeResize="0"/>
+          <p:nvPr/>
+        </p:nvPicPr>
+        <p:blipFill>
+          <a:blip r:embed="rId4">
+            <a:alphaModFix/>
+          </a:blip>
+          <a:stretch>
+            <a:fillRect/>
+          </a:stretch>
+        </p:blipFill>
+        <p:spPr>
+          <a:xfrm>
+            <a:off x="1803207" y="5374698"/>
+            <a:ext cx="1806229" cy="1483306"/>
+          </a:xfrm>
+          <a:prstGeom prst="rect">
+            <a:avLst/>
+          </a:prstGeom>
+          <a:noFill/>
+          <a:ln>
+            <a:noFill/>
+          </a:ln>
+        </p:spPr>
+      </p:pic>
+      <p:pic>
+        <p:nvPicPr>
+          <p:cNvPr id="338" name="Google Shape;338;p56"/>
+          <p:cNvPicPr preferRelativeResize="0"/>
+          <p:nvPr/>
+        </p:nvPicPr>
+        <p:blipFill>
+          <a:blip r:embed="rId5">
+            <a:alphaModFix/>
+          </a:blip>
+          <a:stretch>
+            <a:fillRect/>
+          </a:stretch>
+        </p:blipFill>
+        <p:spPr>
+          <a:xfrm>
+            <a:off x="5542270" y="5389682"/>
+            <a:ext cx="1806218" cy="1453331"/>
+          </a:xfrm>
+          <a:prstGeom prst="rect">
+            <a:avLst/>
+          </a:prstGeom>
+          <a:noFill/>
+          <a:ln>
+            <a:noFill/>
+          </a:ln>
+        </p:spPr>
+      </p:pic>
+      <p:sp>
+        <p:nvSpPr>
+          <p:cNvPr id="339" name="Google Shape;339;p56"/>
+          <p:cNvSpPr/>
+          <p:nvPr/>
+        </p:nvSpPr>
+        <p:spPr>
+          <a:xfrm>
+            <a:off x="7051405" y="5298204"/>
+            <a:ext cx="376200" cy="348000"/>
+          </a:xfrm>
+          <a:prstGeom prst="roundRect">
+            <a:avLst>
+              <a:gd fmla="val 16667" name="adj"/>
+            </a:avLst>
+          </a:prstGeom>
+          <a:noFill/>
+          <a:ln cap="flat" cmpd="sng" w="38100">
+            <a:solidFill>
+              <a:srgbClr val="FF9900"/>
+            </a:solidFill>
+            <a:prstDash val="solid"/>
+            <a:round/>
+            <a:headEnd len="sm" w="sm" type="none"/>
+            <a:tailEnd len="sm" w="sm" type="none"/>
+          </a:ln>
+        </p:spPr>
+        <p:txBody>
+          <a:bodyPr anchorCtr="0" anchor="ctr" bIns="91425" lIns="91425" spcFirstLastPara="1" rIns="91425" wrap="square" tIns="91425">
+            <a:noAutofit/>
+          </a:bodyPr>
+          <a:lstStyle/>
+          <a:p>
+            <a:pPr indent="0" lvl="0" marL="0" rtl="0" algn="l">
+              <a:spcBef>
+                <a:spcPts val="0"/>
+              </a:spcBef>
+              <a:spcAft>
+                <a:spcPts val="0"/>
+              </a:spcAft>
+              <a:buNone/>
+            </a:pPr>
+            <a:r>
+              <a:t/>
+            </a:r>
+            <a:endParaRPr/>
+          </a:p>
+        </p:txBody>
+      </p:sp>
+      <p:sp>
+        <p:nvSpPr>
+          <p:cNvPr id="340" name="Google Shape;340;p56"/>
+          <p:cNvSpPr/>
+          <p:nvPr/>
+        </p:nvSpPr>
+        <p:spPr>
+          <a:xfrm>
+            <a:off x="5470585" y="5469439"/>
+            <a:ext cx="376200" cy="348000"/>
+          </a:xfrm>
+          <a:prstGeom prst="roundRect">
+            <a:avLst>
+              <a:gd fmla="val 16667" name="adj"/>
+            </a:avLst>
+          </a:prstGeom>
+          <a:noFill/>
+          <a:ln cap="flat" cmpd="sng" w="38100">
+            <a:solidFill>
+              <a:srgbClr val="FF9900"/>
+            </a:solidFill>
+            <a:prstDash val="solid"/>
+            <a:round/>
+            <a:headEnd len="sm" w="sm" type="none"/>
+            <a:tailEnd len="sm" w="sm" type="none"/>
+          </a:ln>
+        </p:spPr>
+        <p:txBody>
+          <a:bodyPr anchorCtr="0" anchor="ctr" bIns="91425" lIns="91425" spcFirstLastPara="1" rIns="91425" wrap="square" tIns="91425">
+            <a:noAutofit/>
+          </a:bodyPr>
+          <a:lstStyle/>
+          <a:p>
+            <a:pPr indent="0" lvl="0" marL="0" rtl="0" algn="l">
+              <a:spcBef>
+                <a:spcPts val="0"/>
+              </a:spcBef>
+              <a:spcAft>
+                <a:spcPts val="0"/>
+              </a:spcAft>
+              <a:buNone/>
+            </a:pPr>
+            <a:r>
+              <a:t/>
+            </a:r>
+            <a:endParaRPr/>
+          </a:p>
+        </p:txBody>
+      </p:sp>
+      <p:sp>
+        <p:nvSpPr>
+          <p:cNvPr id="341" name="Google Shape;341;p56"/>
+          <p:cNvSpPr/>
+          <p:nvPr/>
+        </p:nvSpPr>
+        <p:spPr>
+          <a:xfrm>
+            <a:off x="3273189" y="5298204"/>
+            <a:ext cx="376200" cy="348000"/>
+          </a:xfrm>
+          <a:prstGeom prst="roundRect">
+            <a:avLst>
+              <a:gd fmla="val 16667" name="adj"/>
+            </a:avLst>
+          </a:prstGeom>
+          <a:noFill/>
+          <a:ln cap="flat" cmpd="sng" w="38100">
+            <a:solidFill>
+              <a:srgbClr val="FF9900"/>
+            </a:solidFill>
+            <a:prstDash val="solid"/>
+            <a:round/>
+            <a:headEnd len="sm" w="sm" type="none"/>
+            <a:tailEnd len="sm" w="sm" type="none"/>
+          </a:ln>
+        </p:spPr>
+        <p:txBody>
+          <a:bodyPr anchorCtr="0" anchor="ctr" bIns="91425" lIns="91425" spcFirstLastPara="1" rIns="91425" wrap="square" tIns="91425">
+            <a:noAutofit/>
+          </a:bodyPr>
+          <a:lstStyle/>
+          <a:p>
+            <a:pPr indent="0" lvl="0" marL="0" rtl="0" algn="l">
+              <a:spcBef>
+                <a:spcPts val="0"/>
+              </a:spcBef>
+              <a:spcAft>
+                <a:spcPts val="0"/>
+              </a:spcAft>
+              <a:buNone/>
+            </a:pPr>
+            <a:r>
+              <a:t/>
+            </a:r>
+            <a:endParaRPr/>
+          </a:p>
+        </p:txBody>
+      </p:sp>
+      <p:sp>
+        <p:nvSpPr>
+          <p:cNvPr id="342" name="Google Shape;342;p56"/>
+          <p:cNvSpPr/>
+          <p:nvPr/>
+        </p:nvSpPr>
+        <p:spPr>
+          <a:xfrm>
+            <a:off x="1716388" y="5528432"/>
+            <a:ext cx="376200" cy="348000"/>
           </a:xfrm>
           <a:prstGeom prst="roundRect">
             <a:avLst>
@@ -17317,7 +17797,7 @@
   <p:cSld>
     <p:spTree>
       <p:nvGrpSpPr>
-        <p:cNvPr id="331" name="Shape 331"/>
+        <p:cNvPr id="346" name="Shape 346"/>
         <p:cNvGrpSpPr/>
         <p:nvPr/>
       </p:nvGrpSpPr>
@@ -17331,7 +17811,7 @@
       </p:grpSpPr>
       <p:pic>
         <p:nvPicPr>
-          <p:cNvPr id="332" name="Google Shape;332;p57"/>
+          <p:cNvPr id="347" name="Google Shape;347;p57"/>
           <p:cNvPicPr preferRelativeResize="0"/>
           <p:nvPr/>
         </p:nvPicPr>
@@ -17345,8 +17825,8 @@
         </p:blipFill>
         <p:spPr>
           <a:xfrm>
-            <a:off x="152400" y="0"/>
-            <a:ext cx="8839198" cy="4436758"/>
+            <a:off x="0" y="368725"/>
+            <a:ext cx="6543662" cy="3628923"/>
           </a:xfrm>
           <a:prstGeom prst="rect">
             <a:avLst/>
@@ -17359,7 +17839,7 @@
       </p:pic>
       <p:pic>
         <p:nvPicPr>
-          <p:cNvPr id="333" name="Google Shape;333;p57"/>
+          <p:cNvPr id="348" name="Google Shape;348;p57"/>
           <p:cNvPicPr preferRelativeResize="0"/>
           <p:nvPr/>
         </p:nvPicPr>
@@ -17373,8 +17853,8 @@
         </p:blipFill>
         <p:spPr>
           <a:xfrm>
-            <a:off x="1439425" y="4567770"/>
-            <a:ext cx="2073685" cy="2116442"/>
+            <a:off x="6848463" y="2257413"/>
+            <a:ext cx="2295525" cy="4600575"/>
           </a:xfrm>
           <a:prstGeom prst="rect">
             <a:avLst/>
@@ -17385,34 +17865,104 @@
           </a:ln>
         </p:spPr>
       </p:pic>
-      <p:pic>
-        <p:nvPicPr>
-          <p:cNvPr id="334" name="Google Shape;334;p57"/>
-          <p:cNvPicPr preferRelativeResize="0"/>
+      <p:sp>
+        <p:nvSpPr>
+          <p:cNvPr id="349" name="Google Shape;349;p57"/>
+          <p:cNvSpPr/>
           <p:nvPr/>
-        </p:nvPicPr>
-        <p:blipFill>
-          <a:blip r:embed="rId5">
-            <a:alphaModFix/>
-          </a:blip>
-          <a:stretch>
-            <a:fillRect/>
-          </a:stretch>
-        </p:blipFill>
-        <p:spPr>
-          <a:xfrm>
-            <a:off x="5732150" y="4589150"/>
-            <a:ext cx="2073674" cy="2073674"/>
-          </a:xfrm>
-          <a:prstGeom prst="rect">
-            <a:avLst/>
+        </p:nvSpPr>
+        <p:spPr>
+          <a:xfrm>
+            <a:off x="193050" y="1553625"/>
+            <a:ext cx="3024600" cy="174600"/>
+          </a:xfrm>
+          <a:prstGeom prst="roundRect">
+            <a:avLst>
+              <a:gd fmla="val 16667" name="adj"/>
+            </a:avLst>
           </a:prstGeom>
           <a:noFill/>
-          <a:ln>
-            <a:noFill/>
+          <a:ln cap="flat" cmpd="sng" w="38100">
+            <a:solidFill>
+              <a:srgbClr val="FF9900"/>
+            </a:solidFill>
+            <a:prstDash val="solid"/>
+            <a:round/>
+            <a:headEnd len="sm" w="sm" type="none"/>
+            <a:tailEnd len="sm" w="sm" type="none"/>
           </a:ln>
         </p:spPr>
-      </p:pic>
+        <p:txBody>
+          <a:bodyPr anchorCtr="0" anchor="ctr" bIns="91425" lIns="91425" spcFirstLastPara="1" rIns="91425" wrap="square" tIns="91425">
+            <a:noAutofit/>
+          </a:bodyPr>
+          <a:lstStyle/>
+          <a:p>
+            <a:pPr indent="0" lvl="0" marL="0" rtl="0" algn="l">
+              <a:spcBef>
+                <a:spcPts val="0"/>
+              </a:spcBef>
+              <a:spcAft>
+                <a:spcPts val="0"/>
+              </a:spcAft>
+              <a:buNone/>
+            </a:pPr>
+            <a:r>
+              <a:t/>
+            </a:r>
+            <a:endParaRPr/>
+          </a:p>
+        </p:txBody>
+      </p:sp>
+      <p:sp>
+        <p:nvSpPr>
+          <p:cNvPr id="350" name="Google Shape;350;p57"/>
+          <p:cNvSpPr/>
+          <p:nvPr/>
+        </p:nvSpPr>
+        <p:spPr>
+          <a:xfrm>
+            <a:off x="404500" y="2325825"/>
+            <a:ext cx="579000" cy="165600"/>
+          </a:xfrm>
+          <a:prstGeom prst="roundRect">
+            <a:avLst>
+              <a:gd fmla="val 16667" name="adj"/>
+            </a:avLst>
+          </a:prstGeom>
+          <a:noFill/>
+          <a:ln cap="flat" cmpd="sng" w="38100">
+            <a:solidFill>
+              <a:srgbClr val="FF9900"/>
+            </a:solidFill>
+            <a:prstDash val="solid"/>
+            <a:round/>
+            <a:headEnd len="sm" w="sm" type="none"/>
+            <a:tailEnd len="sm" w="sm" type="none"/>
+          </a:ln>
+        </p:spPr>
+        <p:txBody>
+          <a:bodyPr anchorCtr="0" anchor="ctr" bIns="91425" lIns="91425" spcFirstLastPara="1" rIns="91425" wrap="square" tIns="91425">
+            <a:noAutofit/>
+          </a:bodyPr>
+          <a:lstStyle/>
+          <a:p>
+            <a:pPr indent="0" lvl="0" marL="0" rtl="0" algn="l">
+              <a:spcBef>
+                <a:spcPts val="0"/>
+              </a:spcBef>
+              <a:spcAft>
+                <a:spcPts val="0"/>
+              </a:spcAft>
+              <a:buNone/>
+            </a:pPr>
+            <a:r>
+              <a:t/>
+            </a:r>
+            <a:endParaRPr/>
+          </a:p>
+        </p:txBody>
+      </p:sp>
     </p:spTree>
   </p:cSld>
   <p:clrMapOvr>
@@ -17426,7 +17976,7 @@
   <p:cSld>
     <p:spTree>
       <p:nvGrpSpPr>
-        <p:cNvPr id="338" name="Shape 338"/>
+        <p:cNvPr id="354" name="Shape 354"/>
         <p:cNvGrpSpPr/>
         <p:nvPr/>
       </p:nvGrpSpPr>
@@ -17440,7 +17990,7 @@
       </p:grpSpPr>
       <p:pic>
         <p:nvPicPr>
-          <p:cNvPr id="339" name="Google Shape;339;p58"/>
+          <p:cNvPr id="355" name="Google Shape;355;p58"/>
           <p:cNvPicPr preferRelativeResize="0"/>
           <p:nvPr/>
         </p:nvPicPr>
@@ -17454,8 +18004,8 @@
         </p:blipFill>
         <p:spPr>
           <a:xfrm>
-            <a:off x="152400" y="0"/>
-            <a:ext cx="8839198" cy="4436758"/>
+            <a:off x="152400" y="152400"/>
+            <a:ext cx="6791325" cy="3971925"/>
           </a:xfrm>
           <a:prstGeom prst="rect">
             <a:avLst/>
@@ -17468,7 +18018,7 @@
       </p:pic>
       <p:pic>
         <p:nvPicPr>
-          <p:cNvPr id="340" name="Google Shape;340;p58"/>
+          <p:cNvPr id="356" name="Google Shape;356;p58"/>
           <p:cNvPicPr preferRelativeResize="0"/>
           <p:nvPr/>
         </p:nvPicPr>
@@ -17482,8 +18032,8 @@
         </p:blipFill>
         <p:spPr>
           <a:xfrm>
-            <a:off x="1439425" y="4567770"/>
-            <a:ext cx="2073685" cy="2116442"/>
+            <a:off x="3364213" y="4429125"/>
+            <a:ext cx="2415566" cy="2428875"/>
           </a:xfrm>
           <a:prstGeom prst="rect">
             <a:avLst/>
@@ -17494,44 +18044,16 @@
           </a:ln>
         </p:spPr>
       </p:pic>
-      <p:pic>
-        <p:nvPicPr>
-          <p:cNvPr id="341" name="Google Shape;341;p58"/>
-          <p:cNvPicPr preferRelativeResize="0"/>
-          <p:nvPr/>
-        </p:nvPicPr>
-        <p:blipFill>
-          <a:blip r:embed="rId5">
-            <a:alphaModFix/>
-          </a:blip>
-          <a:stretch>
-            <a:fillRect/>
-          </a:stretch>
-        </p:blipFill>
-        <p:spPr>
-          <a:xfrm>
-            <a:off x="5732150" y="4589150"/>
-            <a:ext cx="2073674" cy="2073674"/>
-          </a:xfrm>
-          <a:prstGeom prst="rect">
-            <a:avLst/>
-          </a:prstGeom>
-          <a:noFill/>
-          <a:ln>
-            <a:noFill/>
-          </a:ln>
-        </p:spPr>
-      </p:pic>
-      <p:sp>
-        <p:nvSpPr>
-          <p:cNvPr id="342" name="Google Shape;342;p58"/>
+      <p:sp>
+        <p:nvSpPr>
+          <p:cNvPr id="357" name="Google Shape;357;p58"/>
           <p:cNvSpPr/>
           <p:nvPr/>
         </p:nvSpPr>
         <p:spPr>
           <a:xfrm>
-            <a:off x="1057200" y="2096000"/>
-            <a:ext cx="1461600" cy="220800"/>
+            <a:off x="1342175" y="1342175"/>
+            <a:ext cx="321900" cy="376800"/>
           </a:xfrm>
           <a:prstGeom prst="roundRect">
             <a:avLst>
@@ -17573,14 +18095,14 @@
       </p:sp>
       <p:sp>
         <p:nvSpPr>
-          <p:cNvPr id="343" name="Google Shape;343;p58"/>
+          <p:cNvPr id="358" name="Google Shape;358;p58"/>
           <p:cNvSpPr/>
           <p:nvPr/>
         </p:nvSpPr>
         <p:spPr>
           <a:xfrm>
-            <a:off x="7464750" y="4458625"/>
-            <a:ext cx="432000" cy="496500"/>
+            <a:off x="3658825" y="1774250"/>
+            <a:ext cx="514800" cy="349200"/>
           </a:xfrm>
           <a:prstGeom prst="roundRect">
             <a:avLst>
@@ -17620,153 +18142,6 @@
           </a:p>
         </p:txBody>
       </p:sp>
-      <p:sp>
-        <p:nvSpPr>
-          <p:cNvPr id="344" name="Google Shape;344;p58"/>
-          <p:cNvSpPr/>
-          <p:nvPr/>
-        </p:nvSpPr>
-        <p:spPr>
-          <a:xfrm>
-            <a:off x="5649850" y="4702950"/>
-            <a:ext cx="432000" cy="496500"/>
-          </a:xfrm>
-          <a:prstGeom prst="roundRect">
-            <a:avLst>
-              <a:gd fmla="val 16667" name="adj"/>
-            </a:avLst>
-          </a:prstGeom>
-          <a:noFill/>
-          <a:ln cap="flat" cmpd="sng" w="38100">
-            <a:solidFill>
-              <a:srgbClr val="FF9900"/>
-            </a:solidFill>
-            <a:prstDash val="solid"/>
-            <a:round/>
-            <a:headEnd len="sm" w="sm" type="none"/>
-            <a:tailEnd len="sm" w="sm" type="none"/>
-          </a:ln>
-        </p:spPr>
-        <p:txBody>
-          <a:bodyPr anchorCtr="0" anchor="ctr" bIns="91425" lIns="91425" spcFirstLastPara="1" rIns="91425" wrap="square" tIns="91425">
-            <a:noAutofit/>
-          </a:bodyPr>
-          <a:lstStyle/>
-          <a:p>
-            <a:pPr indent="0" lvl="0" marL="0" rtl="0" algn="l">
-              <a:spcBef>
-                <a:spcPts val="0"/>
-              </a:spcBef>
-              <a:spcAft>
-                <a:spcPts val="0"/>
-              </a:spcAft>
-              <a:buNone/>
-            </a:pPr>
-            <a:r>
-              <a:t/>
-            </a:r>
-            <a:endParaRPr/>
-          </a:p>
-        </p:txBody>
-      </p:sp>
-      <p:sp>
-        <p:nvSpPr>
-          <p:cNvPr id="345" name="Google Shape;345;p58"/>
-          <p:cNvSpPr/>
-          <p:nvPr/>
-        </p:nvSpPr>
-        <p:spPr>
-          <a:xfrm>
-            <a:off x="3127075" y="4458625"/>
-            <a:ext cx="432000" cy="496500"/>
-          </a:xfrm>
-          <a:prstGeom prst="roundRect">
-            <a:avLst>
-              <a:gd fmla="val 16667" name="adj"/>
-            </a:avLst>
-          </a:prstGeom>
-          <a:noFill/>
-          <a:ln cap="flat" cmpd="sng" w="38100">
-            <a:solidFill>
-              <a:srgbClr val="FF9900"/>
-            </a:solidFill>
-            <a:prstDash val="solid"/>
-            <a:round/>
-            <a:headEnd len="sm" w="sm" type="none"/>
-            <a:tailEnd len="sm" w="sm" type="none"/>
-          </a:ln>
-        </p:spPr>
-        <p:txBody>
-          <a:bodyPr anchorCtr="0" anchor="ctr" bIns="91425" lIns="91425" spcFirstLastPara="1" rIns="91425" wrap="square" tIns="91425">
-            <a:noAutofit/>
-          </a:bodyPr>
-          <a:lstStyle/>
-          <a:p>
-            <a:pPr indent="0" lvl="0" marL="0" rtl="0" algn="l">
-              <a:spcBef>
-                <a:spcPts val="0"/>
-              </a:spcBef>
-              <a:spcAft>
-                <a:spcPts val="0"/>
-              </a:spcAft>
-              <a:buNone/>
-            </a:pPr>
-            <a:r>
-              <a:t/>
-            </a:r>
-            <a:endParaRPr/>
-          </a:p>
-        </p:txBody>
-      </p:sp>
-      <p:sp>
-        <p:nvSpPr>
-          <p:cNvPr id="346" name="Google Shape;346;p58"/>
-          <p:cNvSpPr/>
-          <p:nvPr/>
-        </p:nvSpPr>
-        <p:spPr>
-          <a:xfrm>
-            <a:off x="1339750" y="4787125"/>
-            <a:ext cx="432000" cy="496500"/>
-          </a:xfrm>
-          <a:prstGeom prst="roundRect">
-            <a:avLst>
-              <a:gd fmla="val 16667" name="adj"/>
-            </a:avLst>
-          </a:prstGeom>
-          <a:noFill/>
-          <a:ln cap="flat" cmpd="sng" w="38100">
-            <a:solidFill>
-              <a:srgbClr val="FF9900"/>
-            </a:solidFill>
-            <a:prstDash val="solid"/>
-            <a:round/>
-            <a:headEnd len="sm" w="sm" type="none"/>
-            <a:tailEnd len="sm" w="sm" type="none"/>
-          </a:ln>
-        </p:spPr>
-        <p:txBody>
-          <a:bodyPr anchorCtr="0" anchor="ctr" bIns="91425" lIns="91425" spcFirstLastPara="1" rIns="91425" wrap="square" tIns="91425">
-            <a:noAutofit/>
-          </a:bodyPr>
-          <a:lstStyle/>
-          <a:p>
-            <a:pPr indent="0" lvl="0" marL="0" rtl="0" algn="l">
-              <a:spcBef>
-                <a:spcPts val="0"/>
-              </a:spcBef>
-              <a:spcAft>
-                <a:spcPts val="0"/>
-              </a:spcAft>
-              <a:buNone/>
-            </a:pPr>
-            <a:r>
-              <a:t/>
-            </a:r>
-            <a:endParaRPr/>
-          </a:p>
-        </p:txBody>
-      </p:sp>
     </p:spTree>
   </p:cSld>
   <p:clrMapOvr>
@@ -17776,360 +18151,6 @@
 </file>
 
 <file path=ppt/slides/slide47.xml><?xml version="1.0" encoding="utf-8"?>
-<p:sld xmlns:a="http://schemas.openxmlformats.org/drawingml/2006/main" xmlns:r="http://schemas.openxmlformats.org/officeDocument/2006/relationships" xmlns:mc="http://schemas.openxmlformats.org/markup-compatibility/2006" xmlns:mv="urn:schemas-microsoft-com:mac:vml" xmlns:p="http://schemas.openxmlformats.org/presentationml/2006/main" xmlns:c="http://schemas.openxmlformats.org/drawingml/2006/chart" xmlns:dgm="http://schemas.openxmlformats.org/drawingml/2006/diagram" xmlns:o="urn:schemas-microsoft-com:office:office" xmlns:v="urn:schemas-microsoft-com:vml" xmlns:pvml="urn:schemas-microsoft-com:office:powerpoint" xmlns:com="http://schemas.openxmlformats.org/drawingml/2006/compatibility" xmlns:p14="http://schemas.microsoft.com/office/powerpoint/2010/main" xmlns:p15="http://schemas.microsoft.com/office/powerpoint/2012/main" xmlns:ahyp="http://schemas.microsoft.com/office/drawing/2018/hyperlinkcolor">
-  <p:cSld>
-    <p:spTree>
-      <p:nvGrpSpPr>
-        <p:cNvPr id="350" name="Shape 350"/>
-        <p:cNvGrpSpPr/>
-        <p:nvPr/>
-      </p:nvGrpSpPr>
-      <p:grpSpPr>
-        <a:xfrm>
-          <a:off x="0" y="0"/>
-          <a:ext cx="0" cy="0"/>
-          <a:chOff x="0" y="0"/>
-          <a:chExt cx="0" cy="0"/>
-        </a:xfrm>
-      </p:grpSpPr>
-      <p:pic>
-        <p:nvPicPr>
-          <p:cNvPr id="351" name="Google Shape;351;p59"/>
-          <p:cNvPicPr preferRelativeResize="0"/>
-          <p:nvPr/>
-        </p:nvPicPr>
-        <p:blipFill>
-          <a:blip r:embed="rId3">
-            <a:alphaModFix/>
-          </a:blip>
-          <a:stretch>
-            <a:fillRect/>
-          </a:stretch>
-        </p:blipFill>
-        <p:spPr>
-          <a:xfrm>
-            <a:off x="152400" y="0"/>
-            <a:ext cx="8839202" cy="4928138"/>
-          </a:xfrm>
-          <a:prstGeom prst="rect">
-            <a:avLst/>
-          </a:prstGeom>
-          <a:noFill/>
-          <a:ln>
-            <a:noFill/>
-          </a:ln>
-        </p:spPr>
-      </p:pic>
-      <p:sp>
-        <p:nvSpPr>
-          <p:cNvPr id="352" name="Google Shape;352;p59"/>
-          <p:cNvSpPr/>
-          <p:nvPr/>
-        </p:nvSpPr>
-        <p:spPr>
-          <a:xfrm>
-            <a:off x="726250" y="2623900"/>
-            <a:ext cx="1452600" cy="257400"/>
-          </a:xfrm>
-          <a:prstGeom prst="roundRect">
-            <a:avLst>
-              <a:gd fmla="val 16667" name="adj"/>
-            </a:avLst>
-          </a:prstGeom>
-          <a:noFill/>
-          <a:ln cap="flat" cmpd="sng" w="38100">
-            <a:solidFill>
-              <a:srgbClr val="FF9900"/>
-            </a:solidFill>
-            <a:prstDash val="solid"/>
-            <a:round/>
-            <a:headEnd len="sm" w="sm" type="none"/>
-            <a:tailEnd len="sm" w="sm" type="none"/>
-          </a:ln>
-        </p:spPr>
-        <p:txBody>
-          <a:bodyPr anchorCtr="0" anchor="ctr" bIns="91425" lIns="91425" spcFirstLastPara="1" rIns="91425" wrap="square" tIns="91425">
-            <a:noAutofit/>
-          </a:bodyPr>
-          <a:lstStyle/>
-          <a:p>
-            <a:pPr indent="0" lvl="0" marL="0" rtl="0" algn="l">
-              <a:spcBef>
-                <a:spcPts val="0"/>
-              </a:spcBef>
-              <a:spcAft>
-                <a:spcPts val="0"/>
-              </a:spcAft>
-              <a:buNone/>
-            </a:pPr>
-            <a:r>
-              <a:t/>
-            </a:r>
-            <a:endParaRPr/>
-          </a:p>
-        </p:txBody>
-      </p:sp>
-      <p:pic>
-        <p:nvPicPr>
-          <p:cNvPr id="353" name="Google Shape;353;p59"/>
-          <p:cNvPicPr preferRelativeResize="0"/>
-          <p:nvPr/>
-        </p:nvPicPr>
-        <p:blipFill>
-          <a:blip r:embed="rId4">
-            <a:alphaModFix/>
-          </a:blip>
-          <a:stretch>
-            <a:fillRect/>
-          </a:stretch>
-        </p:blipFill>
-        <p:spPr>
-          <a:xfrm>
-            <a:off x="1803207" y="5374698"/>
-            <a:ext cx="1806229" cy="1483306"/>
-          </a:xfrm>
-          <a:prstGeom prst="rect">
-            <a:avLst/>
-          </a:prstGeom>
-          <a:noFill/>
-          <a:ln>
-            <a:noFill/>
-          </a:ln>
-        </p:spPr>
-      </p:pic>
-      <p:pic>
-        <p:nvPicPr>
-          <p:cNvPr id="354" name="Google Shape;354;p59"/>
-          <p:cNvPicPr preferRelativeResize="0"/>
-          <p:nvPr/>
-        </p:nvPicPr>
-        <p:blipFill>
-          <a:blip r:embed="rId5">
-            <a:alphaModFix/>
-          </a:blip>
-          <a:stretch>
-            <a:fillRect/>
-          </a:stretch>
-        </p:blipFill>
-        <p:spPr>
-          <a:xfrm>
-            <a:off x="5542270" y="5389682"/>
-            <a:ext cx="1806218" cy="1453331"/>
-          </a:xfrm>
-          <a:prstGeom prst="rect">
-            <a:avLst/>
-          </a:prstGeom>
-          <a:noFill/>
-          <a:ln>
-            <a:noFill/>
-          </a:ln>
-        </p:spPr>
-      </p:pic>
-      <p:sp>
-        <p:nvSpPr>
-          <p:cNvPr id="355" name="Google Shape;355;p59"/>
-          <p:cNvSpPr/>
-          <p:nvPr/>
-        </p:nvSpPr>
-        <p:spPr>
-          <a:xfrm>
-            <a:off x="7051405" y="5298204"/>
-            <a:ext cx="376200" cy="348000"/>
-          </a:xfrm>
-          <a:prstGeom prst="roundRect">
-            <a:avLst>
-              <a:gd fmla="val 16667" name="adj"/>
-            </a:avLst>
-          </a:prstGeom>
-          <a:noFill/>
-          <a:ln cap="flat" cmpd="sng" w="38100">
-            <a:solidFill>
-              <a:srgbClr val="FF9900"/>
-            </a:solidFill>
-            <a:prstDash val="solid"/>
-            <a:round/>
-            <a:headEnd len="sm" w="sm" type="none"/>
-            <a:tailEnd len="sm" w="sm" type="none"/>
-          </a:ln>
-        </p:spPr>
-        <p:txBody>
-          <a:bodyPr anchorCtr="0" anchor="ctr" bIns="91425" lIns="91425" spcFirstLastPara="1" rIns="91425" wrap="square" tIns="91425">
-            <a:noAutofit/>
-          </a:bodyPr>
-          <a:lstStyle/>
-          <a:p>
-            <a:pPr indent="0" lvl="0" marL="0" rtl="0" algn="l">
-              <a:spcBef>
-                <a:spcPts val="0"/>
-              </a:spcBef>
-              <a:spcAft>
-                <a:spcPts val="0"/>
-              </a:spcAft>
-              <a:buNone/>
-            </a:pPr>
-            <a:r>
-              <a:t/>
-            </a:r>
-            <a:endParaRPr/>
-          </a:p>
-        </p:txBody>
-      </p:sp>
-      <p:sp>
-        <p:nvSpPr>
-          <p:cNvPr id="356" name="Google Shape;356;p59"/>
-          <p:cNvSpPr/>
-          <p:nvPr/>
-        </p:nvSpPr>
-        <p:spPr>
-          <a:xfrm>
-            <a:off x="5470585" y="5469439"/>
-            <a:ext cx="376200" cy="348000"/>
-          </a:xfrm>
-          <a:prstGeom prst="roundRect">
-            <a:avLst>
-              <a:gd fmla="val 16667" name="adj"/>
-            </a:avLst>
-          </a:prstGeom>
-          <a:noFill/>
-          <a:ln cap="flat" cmpd="sng" w="38100">
-            <a:solidFill>
-              <a:srgbClr val="FF9900"/>
-            </a:solidFill>
-            <a:prstDash val="solid"/>
-            <a:round/>
-            <a:headEnd len="sm" w="sm" type="none"/>
-            <a:tailEnd len="sm" w="sm" type="none"/>
-          </a:ln>
-        </p:spPr>
-        <p:txBody>
-          <a:bodyPr anchorCtr="0" anchor="ctr" bIns="91425" lIns="91425" spcFirstLastPara="1" rIns="91425" wrap="square" tIns="91425">
-            <a:noAutofit/>
-          </a:bodyPr>
-          <a:lstStyle/>
-          <a:p>
-            <a:pPr indent="0" lvl="0" marL="0" rtl="0" algn="l">
-              <a:spcBef>
-                <a:spcPts val="0"/>
-              </a:spcBef>
-              <a:spcAft>
-                <a:spcPts val="0"/>
-              </a:spcAft>
-              <a:buNone/>
-            </a:pPr>
-            <a:r>
-              <a:t/>
-            </a:r>
-            <a:endParaRPr/>
-          </a:p>
-        </p:txBody>
-      </p:sp>
-      <p:sp>
-        <p:nvSpPr>
-          <p:cNvPr id="357" name="Google Shape;357;p59"/>
-          <p:cNvSpPr/>
-          <p:nvPr/>
-        </p:nvSpPr>
-        <p:spPr>
-          <a:xfrm>
-            <a:off x="3273189" y="5298204"/>
-            <a:ext cx="376200" cy="348000"/>
-          </a:xfrm>
-          <a:prstGeom prst="roundRect">
-            <a:avLst>
-              <a:gd fmla="val 16667" name="adj"/>
-            </a:avLst>
-          </a:prstGeom>
-          <a:noFill/>
-          <a:ln cap="flat" cmpd="sng" w="38100">
-            <a:solidFill>
-              <a:srgbClr val="FF9900"/>
-            </a:solidFill>
-            <a:prstDash val="solid"/>
-            <a:round/>
-            <a:headEnd len="sm" w="sm" type="none"/>
-            <a:tailEnd len="sm" w="sm" type="none"/>
-          </a:ln>
-        </p:spPr>
-        <p:txBody>
-          <a:bodyPr anchorCtr="0" anchor="ctr" bIns="91425" lIns="91425" spcFirstLastPara="1" rIns="91425" wrap="square" tIns="91425">
-            <a:noAutofit/>
-          </a:bodyPr>
-          <a:lstStyle/>
-          <a:p>
-            <a:pPr indent="0" lvl="0" marL="0" rtl="0" algn="l">
-              <a:spcBef>
-                <a:spcPts val="0"/>
-              </a:spcBef>
-              <a:spcAft>
-                <a:spcPts val="0"/>
-              </a:spcAft>
-              <a:buNone/>
-            </a:pPr>
-            <a:r>
-              <a:t/>
-            </a:r>
-            <a:endParaRPr/>
-          </a:p>
-        </p:txBody>
-      </p:sp>
-      <p:sp>
-        <p:nvSpPr>
-          <p:cNvPr id="358" name="Google Shape;358;p59"/>
-          <p:cNvSpPr/>
-          <p:nvPr/>
-        </p:nvSpPr>
-        <p:spPr>
-          <a:xfrm>
-            <a:off x="1716388" y="5528432"/>
-            <a:ext cx="376200" cy="348000"/>
-          </a:xfrm>
-          <a:prstGeom prst="roundRect">
-            <a:avLst>
-              <a:gd fmla="val 16667" name="adj"/>
-            </a:avLst>
-          </a:prstGeom>
-          <a:noFill/>
-          <a:ln cap="flat" cmpd="sng" w="38100">
-            <a:solidFill>
-              <a:srgbClr val="FF9900"/>
-            </a:solidFill>
-            <a:prstDash val="solid"/>
-            <a:round/>
-            <a:headEnd len="sm" w="sm" type="none"/>
-            <a:tailEnd len="sm" w="sm" type="none"/>
-          </a:ln>
-        </p:spPr>
-        <p:txBody>
-          <a:bodyPr anchorCtr="0" anchor="ctr" bIns="91425" lIns="91425" spcFirstLastPara="1" rIns="91425" wrap="square" tIns="91425">
-            <a:noAutofit/>
-          </a:bodyPr>
-          <a:lstStyle/>
-          <a:p>
-            <a:pPr indent="0" lvl="0" marL="0" rtl="0" algn="l">
-              <a:spcBef>
-                <a:spcPts val="0"/>
-              </a:spcBef>
-              <a:spcAft>
-                <a:spcPts val="0"/>
-              </a:spcAft>
-              <a:buNone/>
-            </a:pPr>
-            <a:r>
-              <a:t/>
-            </a:r>
-            <a:endParaRPr/>
-          </a:p>
-        </p:txBody>
-      </p:sp>
-    </p:spTree>
-  </p:cSld>
-  <p:clrMapOvr>
-    <a:masterClrMapping/>
-  </p:clrMapOvr>
-</p:sld>
-</file>
-
-<file path=ppt/slides/slide48.xml><?xml version="1.0" encoding="utf-8"?>
 <p:sld xmlns:a="http://schemas.openxmlformats.org/drawingml/2006/main" xmlns:r="http://schemas.openxmlformats.org/officeDocument/2006/relationships" xmlns:mc="http://schemas.openxmlformats.org/markup-compatibility/2006" xmlns:mv="urn:schemas-microsoft-com:mac:vml" xmlns:p="http://schemas.openxmlformats.org/presentationml/2006/main" xmlns:c="http://schemas.openxmlformats.org/drawingml/2006/chart" xmlns:dgm="http://schemas.openxmlformats.org/drawingml/2006/diagram" xmlns:o="urn:schemas-microsoft-com:office:office" xmlns:v="urn:schemas-microsoft-com:vml" xmlns:pvml="urn:schemas-microsoft-com:office:powerpoint" xmlns:com="http://schemas.openxmlformats.org/drawingml/2006/compatibility" xmlns:p14="http://schemas.microsoft.com/office/powerpoint/2010/main" xmlns:p15="http://schemas.microsoft.com/office/powerpoint/2012/main" xmlns:ahyp="http://schemas.microsoft.com/office/drawing/2018/hyperlinkcolor">
   <p:cSld>
     <p:spTree>
@@ -18148,7 +18169,7 @@
       </p:grpSpPr>
       <p:pic>
         <p:nvPicPr>
-          <p:cNvPr id="363" name="Google Shape;363;p60"/>
+          <p:cNvPr id="363" name="Google Shape;363;p59"/>
           <p:cNvPicPr preferRelativeResize="0"/>
           <p:nvPr/>
         </p:nvPicPr>
@@ -18163,7 +18184,7 @@
         <p:spPr>
           <a:xfrm>
             <a:off x="0" y="0"/>
-            <a:ext cx="6733324" cy="4090900"/>
+            <a:ext cx="6867525" cy="6372225"/>
           </a:xfrm>
           <a:prstGeom prst="rect">
             <a:avLst/>
@@ -18174,14 +18195,39 @@
           </a:ln>
         </p:spPr>
       </p:pic>
+    </p:spTree>
+  </p:cSld>
+  <p:clrMapOvr>
+    <a:masterClrMapping/>
+  </p:clrMapOvr>
+</p:sld>
+</file>
+
+<file path=ppt/slides/slide48.xml><?xml version="1.0" encoding="utf-8"?>
+<p:sld xmlns:a="http://schemas.openxmlformats.org/drawingml/2006/main" xmlns:r="http://schemas.openxmlformats.org/officeDocument/2006/relationships" xmlns:mc="http://schemas.openxmlformats.org/markup-compatibility/2006" xmlns:mv="urn:schemas-microsoft-com:mac:vml" xmlns:p="http://schemas.openxmlformats.org/presentationml/2006/main" xmlns:c="http://schemas.openxmlformats.org/drawingml/2006/chart" xmlns:dgm="http://schemas.openxmlformats.org/drawingml/2006/diagram" xmlns:o="urn:schemas-microsoft-com:office:office" xmlns:v="urn:schemas-microsoft-com:vml" xmlns:pvml="urn:schemas-microsoft-com:office:powerpoint" xmlns:com="http://schemas.openxmlformats.org/drawingml/2006/compatibility" xmlns:p14="http://schemas.microsoft.com/office/powerpoint/2010/main" xmlns:p15="http://schemas.microsoft.com/office/powerpoint/2012/main" xmlns:ahyp="http://schemas.microsoft.com/office/drawing/2018/hyperlinkcolor">
+  <p:cSld>
+    <p:spTree>
+      <p:nvGrpSpPr>
+        <p:cNvPr id="367" name="Shape 367"/>
+        <p:cNvGrpSpPr/>
+        <p:nvPr/>
+      </p:nvGrpSpPr>
+      <p:grpSpPr>
+        <a:xfrm>
+          <a:off x="0" y="0"/>
+          <a:ext cx="0" cy="0"/>
+          <a:chOff x="0" y="0"/>
+          <a:chExt cx="0" cy="0"/>
+        </a:xfrm>
+      </p:grpSpPr>
       <p:pic>
         <p:nvPicPr>
-          <p:cNvPr id="364" name="Google Shape;364;p60"/>
+          <p:cNvPr id="368" name="Google Shape;368;p60"/>
           <p:cNvPicPr preferRelativeResize="0"/>
           <p:nvPr/>
         </p:nvPicPr>
         <p:blipFill>
-          <a:blip r:embed="rId4">
+          <a:blip r:embed="rId3">
             <a:alphaModFix/>
           </a:blip>
           <a:stretch>
@@ -18190,8 +18236,8 @@
         </p:blipFill>
         <p:spPr>
           <a:xfrm>
-            <a:off x="6848463" y="2257413"/>
-            <a:ext cx="2295525" cy="4600575"/>
+            <a:off x="0" y="0"/>
+            <a:ext cx="6867525" cy="6372225"/>
           </a:xfrm>
           <a:prstGeom prst="rect">
             <a:avLst/>
@@ -18204,14 +18250,14 @@
       </p:pic>
       <p:sp>
         <p:nvSpPr>
-          <p:cNvPr id="365" name="Google Shape;365;p60"/>
+          <p:cNvPr id="369" name="Google Shape;369;p60"/>
           <p:cNvSpPr/>
           <p:nvPr/>
         </p:nvSpPr>
         <p:spPr>
           <a:xfrm>
-            <a:off x="193050" y="1553625"/>
-            <a:ext cx="3024600" cy="174600"/>
+            <a:off x="4550550" y="3622050"/>
+            <a:ext cx="772200" cy="294300"/>
           </a:xfrm>
           <a:prstGeom prst="roundRect">
             <a:avLst>
@@ -18253,14 +18299,14 @@
       </p:sp>
       <p:sp>
         <p:nvSpPr>
-          <p:cNvPr id="366" name="Google Shape;366;p60"/>
+          <p:cNvPr id="370" name="Google Shape;370;p60"/>
           <p:cNvSpPr/>
           <p:nvPr/>
         </p:nvSpPr>
         <p:spPr>
           <a:xfrm>
-            <a:off x="404500" y="2325825"/>
-            <a:ext cx="579000" cy="165600"/>
+            <a:off x="3392225" y="3971400"/>
+            <a:ext cx="790500" cy="367800"/>
           </a:xfrm>
           <a:prstGeom prst="roundRect">
             <a:avLst>
@@ -18313,7 +18359,7 @@
   <p:cSld>
     <p:spTree>
       <p:nvGrpSpPr>
-        <p:cNvPr id="370" name="Shape 370"/>
+        <p:cNvPr id="374" name="Shape 374"/>
         <p:cNvGrpSpPr/>
         <p:nvPr/>
       </p:nvGrpSpPr>
@@ -18327,7 +18373,7 @@
       </p:grpSpPr>
       <p:pic>
         <p:nvPicPr>
-          <p:cNvPr id="371" name="Google Shape;371;p61"/>
+          <p:cNvPr id="375" name="Google Shape;375;p61"/>
           <p:cNvPicPr preferRelativeResize="0"/>
           <p:nvPr/>
         </p:nvPicPr>
@@ -18341,8 +18387,8 @@
         </p:blipFill>
         <p:spPr>
           <a:xfrm>
-            <a:off x="152400" y="152400"/>
-            <a:ext cx="6791325" cy="3971925"/>
+            <a:off x="0" y="0"/>
+            <a:ext cx="6867525" cy="6372225"/>
           </a:xfrm>
           <a:prstGeom prst="rect">
             <a:avLst/>
@@ -18353,132 +18399,6 @@
           </a:ln>
         </p:spPr>
       </p:pic>
-      <p:pic>
-        <p:nvPicPr>
-          <p:cNvPr id="372" name="Google Shape;372;p61"/>
-          <p:cNvPicPr preferRelativeResize="0"/>
-          <p:nvPr/>
-        </p:nvPicPr>
-        <p:blipFill>
-          <a:blip r:embed="rId4">
-            <a:alphaModFix/>
-          </a:blip>
-          <a:stretch>
-            <a:fillRect/>
-          </a:stretch>
-        </p:blipFill>
-        <p:spPr>
-          <a:xfrm>
-            <a:off x="3364213" y="4429125"/>
-            <a:ext cx="2415566" cy="2428875"/>
-          </a:xfrm>
-          <a:prstGeom prst="rect">
-            <a:avLst/>
-          </a:prstGeom>
-          <a:noFill/>
-          <a:ln>
-            <a:noFill/>
-          </a:ln>
-        </p:spPr>
-      </p:pic>
-      <p:sp>
-        <p:nvSpPr>
-          <p:cNvPr id="373" name="Google Shape;373;p61"/>
-          <p:cNvSpPr/>
-          <p:nvPr/>
-        </p:nvSpPr>
-        <p:spPr>
-          <a:xfrm>
-            <a:off x="1342175" y="1342175"/>
-            <a:ext cx="321900" cy="376800"/>
-          </a:xfrm>
-          <a:prstGeom prst="roundRect">
-            <a:avLst>
-              <a:gd fmla="val 16667" name="adj"/>
-            </a:avLst>
-          </a:prstGeom>
-          <a:noFill/>
-          <a:ln cap="flat" cmpd="sng" w="38100">
-            <a:solidFill>
-              <a:srgbClr val="FF9900"/>
-            </a:solidFill>
-            <a:prstDash val="solid"/>
-            <a:round/>
-            <a:headEnd len="sm" w="sm" type="none"/>
-            <a:tailEnd len="sm" w="sm" type="none"/>
-          </a:ln>
-        </p:spPr>
-        <p:txBody>
-          <a:bodyPr anchorCtr="0" anchor="ctr" bIns="91425" lIns="91425" spcFirstLastPara="1" rIns="91425" wrap="square" tIns="91425">
-            <a:noAutofit/>
-          </a:bodyPr>
-          <a:lstStyle/>
-          <a:p>
-            <a:pPr indent="0" lvl="0" marL="0" rtl="0" algn="l">
-              <a:spcBef>
-                <a:spcPts val="0"/>
-              </a:spcBef>
-              <a:spcAft>
-                <a:spcPts val="0"/>
-              </a:spcAft>
-              <a:buNone/>
-            </a:pPr>
-            <a:r>
-              <a:t/>
-            </a:r>
-            <a:endParaRPr/>
-          </a:p>
-        </p:txBody>
-      </p:sp>
-      <p:sp>
-        <p:nvSpPr>
-          <p:cNvPr id="374" name="Google Shape;374;p61"/>
-          <p:cNvSpPr/>
-          <p:nvPr/>
-        </p:nvSpPr>
-        <p:spPr>
-          <a:xfrm>
-            <a:off x="3658825" y="1774250"/>
-            <a:ext cx="514800" cy="349200"/>
-          </a:xfrm>
-          <a:prstGeom prst="roundRect">
-            <a:avLst>
-              <a:gd fmla="val 16667" name="adj"/>
-            </a:avLst>
-          </a:prstGeom>
-          <a:noFill/>
-          <a:ln cap="flat" cmpd="sng" w="38100">
-            <a:solidFill>
-              <a:srgbClr val="FF9900"/>
-            </a:solidFill>
-            <a:prstDash val="solid"/>
-            <a:round/>
-            <a:headEnd len="sm" w="sm" type="none"/>
-            <a:tailEnd len="sm" w="sm" type="none"/>
-          </a:ln>
-        </p:spPr>
-        <p:txBody>
-          <a:bodyPr anchorCtr="0" anchor="ctr" bIns="91425" lIns="91425" spcFirstLastPara="1" rIns="91425" wrap="square" tIns="91425">
-            <a:noAutofit/>
-          </a:bodyPr>
-          <a:lstStyle/>
-          <a:p>
-            <a:pPr indent="0" lvl="0" marL="0" rtl="0" algn="l">
-              <a:spcBef>
-                <a:spcPts val="0"/>
-              </a:spcBef>
-              <a:spcAft>
-                <a:spcPts val="0"/>
-              </a:spcAft>
-              <a:buNone/>
-            </a:pPr>
-            <a:r>
-              <a:t/>
-            </a:r>
-            <a:endParaRPr/>
-          </a:p>
-        </p:txBody>
-      </p:sp>
     </p:spTree>
   </p:cSld>
   <p:clrMapOvr>
@@ -18492,7 +18412,7 @@
   <p:cSld>
     <p:spTree>
       <p:nvGrpSpPr>
-        <p:cNvPr id="81" name="Shape 81"/>
+        <p:cNvPr id="85" name="Shape 85"/>
         <p:cNvGrpSpPr/>
         <p:nvPr/>
       </p:nvGrpSpPr>
@@ -18506,7 +18426,7 @@
       </p:grpSpPr>
       <p:pic>
         <p:nvPicPr>
-          <p:cNvPr id="82" name="Google Shape;82;p17"/>
+          <p:cNvPr id="86" name="Google Shape;86;p17"/>
           <p:cNvPicPr preferRelativeResize="0"/>
           <p:nvPr/>
         </p:nvPicPr>
@@ -18520,27 +18440,21 @@
         </p:blipFill>
         <p:spPr>
           <a:xfrm>
-            <a:off x="4386263" y="3233738"/>
-            <a:ext cx="371475" cy="390525"/>
+            <a:off x="2138363" y="0"/>
+            <a:ext cx="4867275" cy="2200275"/>
           </a:xfrm>
           <a:prstGeom prst="rect">
             <a:avLst/>
           </a:prstGeom>
           <a:noFill/>
-          <a:ln cap="flat" cmpd="sng" w="9525">
-            <a:solidFill>
-              <a:schemeClr val="dk2"/>
-            </a:solidFill>
-            <a:prstDash val="solid"/>
-            <a:round/>
-            <a:headEnd len="sm" w="sm" type="none"/>
-            <a:tailEnd len="sm" w="sm" type="none"/>
+          <a:ln>
+            <a:noFill/>
           </a:ln>
         </p:spPr>
       </p:pic>
       <p:pic>
         <p:nvPicPr>
-          <p:cNvPr id="83" name="Google Shape;83;p17"/>
+          <p:cNvPr id="87" name="Google Shape;87;p17"/>
           <p:cNvPicPr preferRelativeResize="0"/>
           <p:nvPr/>
         </p:nvPicPr>
@@ -18554,28 +18468,8 @@
         </p:blipFill>
         <p:spPr>
           <a:xfrm>
-            <a:off x="3900488" y="0"/>
-            <a:ext cx="1343025" cy="371475"/>
-          </a:xfrm>
-          <a:prstGeom prst="rect">
-            <a:avLst/>
-          </a:prstGeom>
-          <a:noFill/>
-          <a:ln>
-            <a:noFill/>
-          </a:ln>
-        </p:spPr>
-      </p:pic>
-      <p:sp>
-        <p:nvSpPr>
-          <p:cNvPr id="84" name="Google Shape;84;p17"/>
-          <p:cNvSpPr txBox="1"/>
-          <p:nvPr/>
-        </p:nvSpPr>
-        <p:spPr>
-          <a:xfrm>
-            <a:off x="3844663" y="6486550"/>
-            <a:ext cx="1454700" cy="390600"/>
+            <a:off x="4052900" y="2586038"/>
+            <a:ext cx="1038225" cy="1685925"/>
           </a:xfrm>
           <a:prstGeom prst="rect">
             <a:avLst/>
@@ -18583,7 +18477,7 @@
           <a:noFill/>
           <a:ln cap="flat" cmpd="sng" w="9525">
             <a:solidFill>
-              <a:srgbClr val="000000"/>
+              <a:schemeClr val="dk2"/>
             </a:solidFill>
             <a:prstDash val="solid"/>
             <a:round/>
@@ -18591,8 +18485,36 @@
             <a:tailEnd len="sm" w="sm" type="none"/>
           </a:ln>
         </p:spPr>
+      </p:pic>
+      <p:sp>
+        <p:nvSpPr>
+          <p:cNvPr id="88" name="Google Shape;88;p17"/>
+          <p:cNvSpPr/>
+          <p:nvPr/>
+        </p:nvSpPr>
+        <p:spPr>
+          <a:xfrm>
+            <a:off x="2757900" y="864150"/>
+            <a:ext cx="3189900" cy="772200"/>
+          </a:xfrm>
+          <a:prstGeom prst="roundRect">
+            <a:avLst>
+              <a:gd fmla="val 16667" name="adj"/>
+            </a:avLst>
+          </a:prstGeom>
+          <a:noFill/>
+          <a:ln cap="flat" cmpd="sng" w="38100">
+            <a:solidFill>
+              <a:srgbClr val="FF9900"/>
+            </a:solidFill>
+            <a:prstDash val="solid"/>
+            <a:round/>
+            <a:headEnd len="sm" w="sm" type="none"/>
+            <a:tailEnd len="sm" w="sm" type="none"/>
+          </a:ln>
+        </p:spPr>
         <p:txBody>
-          <a:bodyPr anchorCtr="0" anchor="t" bIns="91425" lIns="91425" spcFirstLastPara="1" rIns="91425" wrap="square" tIns="91425">
+          <a:bodyPr anchorCtr="0" anchor="ctr" bIns="91425" lIns="91425" spcFirstLastPara="1" rIns="91425" wrap="square" tIns="91425">
             <a:noAutofit/>
           </a:bodyPr>
           <a:lstStyle/>
@@ -18607,8 +18529,7 @@
               <a:buNone/>
             </a:pPr>
             <a:r>
-              <a:rPr lang="cs"/>
-              <a:t>Repeat? A line?</a:t>
+              <a:t/>
             </a:r>
             <a:endParaRPr/>
           </a:p>
@@ -18627,7 +18548,7 @@
   <p:cSld>
     <p:spTree>
       <p:nvGrpSpPr>
-        <p:cNvPr id="378" name="Shape 378"/>
+        <p:cNvPr id="379" name="Shape 379"/>
         <p:cNvGrpSpPr/>
         <p:nvPr/>
       </p:nvGrpSpPr>
@@ -18641,7 +18562,7 @@
       </p:grpSpPr>
       <p:pic>
         <p:nvPicPr>
-          <p:cNvPr id="379" name="Google Shape;379;p62"/>
+          <p:cNvPr id="380" name="Google Shape;380;p62"/>
           <p:cNvPicPr preferRelativeResize="0"/>
           <p:nvPr/>
         </p:nvPicPr>
@@ -18667,6 +18588,83 @@
           </a:ln>
         </p:spPr>
       </p:pic>
+      <p:pic>
+        <p:nvPicPr>
+          <p:cNvPr id="381" name="Google Shape;381;p62"/>
+          <p:cNvPicPr preferRelativeResize="0"/>
+          <p:nvPr/>
+        </p:nvPicPr>
+        <p:blipFill>
+          <a:blip r:embed="rId4">
+            <a:alphaModFix/>
+          </a:blip>
+          <a:stretch>
+            <a:fillRect/>
+          </a:stretch>
+        </p:blipFill>
+        <p:spPr>
+          <a:xfrm>
+            <a:off x="8448675" y="6181725"/>
+            <a:ext cx="695325" cy="676275"/>
+          </a:xfrm>
+          <a:prstGeom prst="rect">
+            <a:avLst/>
+          </a:prstGeom>
+          <a:noFill/>
+          <a:ln>
+            <a:noFill/>
+          </a:ln>
+        </p:spPr>
+      </p:pic>
+      <p:sp>
+        <p:nvSpPr>
+          <p:cNvPr id="382" name="Google Shape;382;p62"/>
+          <p:cNvSpPr/>
+          <p:nvPr/>
+        </p:nvSpPr>
+        <p:spPr>
+          <a:xfrm>
+            <a:off x="8402425" y="6131750"/>
+            <a:ext cx="790500" cy="772200"/>
+          </a:xfrm>
+          <a:prstGeom prst="roundRect">
+            <a:avLst>
+              <a:gd fmla="val 16667" name="adj"/>
+            </a:avLst>
+          </a:prstGeom>
+          <a:noFill/>
+          <a:ln cap="flat" cmpd="sng" w="38100">
+            <a:solidFill>
+              <a:srgbClr val="FF9900"/>
+            </a:solidFill>
+            <a:prstDash val="solid"/>
+            <a:round/>
+            <a:headEnd len="sm" w="sm" type="none"/>
+            <a:tailEnd len="sm" w="sm" type="none"/>
+          </a:ln>
+        </p:spPr>
+        <p:txBody>
+          <a:bodyPr anchorCtr="0" anchor="ctr" bIns="91425" lIns="91425" spcFirstLastPara="1" rIns="91425" wrap="square" tIns="91425">
+            <a:noAutofit/>
+          </a:bodyPr>
+          <a:lstStyle/>
+          <a:p>
+            <a:pPr indent="0" lvl="0" marL="0" rtl="0" algn="l">
+              <a:spcBef>
+                <a:spcPts val="0"/>
+              </a:spcBef>
+              <a:spcAft>
+                <a:spcPts val="0"/>
+              </a:spcAft>
+              <a:buNone/>
+            </a:pPr>
+            <a:r>
+              <a:t/>
+            </a:r>
+            <a:endParaRPr/>
+          </a:p>
+        </p:txBody>
+      </p:sp>
     </p:spTree>
   </p:cSld>
   <p:clrMapOvr>
@@ -18680,7 +18678,7 @@
   <p:cSld>
     <p:spTree>
       <p:nvGrpSpPr>
-        <p:cNvPr id="383" name="Shape 383"/>
+        <p:cNvPr id="386" name="Shape 386"/>
         <p:cNvGrpSpPr/>
         <p:nvPr/>
       </p:nvGrpSpPr>
@@ -18694,7 +18692,7 @@
       </p:grpSpPr>
       <p:pic>
         <p:nvPicPr>
-          <p:cNvPr id="384" name="Google Shape;384;p63"/>
+          <p:cNvPr id="387" name="Google Shape;387;p63"/>
           <p:cNvPicPr preferRelativeResize="0"/>
           <p:nvPr/>
         </p:nvPicPr>
@@ -18720,104 +18718,34 @@
           </a:ln>
         </p:spPr>
       </p:pic>
-      <p:sp>
-        <p:nvSpPr>
-          <p:cNvPr id="385" name="Google Shape;385;p63"/>
-          <p:cNvSpPr/>
+      <p:pic>
+        <p:nvPicPr>
+          <p:cNvPr id="388" name="Google Shape;388;p63"/>
+          <p:cNvPicPr preferRelativeResize="0"/>
           <p:nvPr/>
-        </p:nvSpPr>
-        <p:spPr>
-          <a:xfrm>
-            <a:off x="4550550" y="3622050"/>
-            <a:ext cx="772200" cy="294300"/>
-          </a:xfrm>
-          <a:prstGeom prst="roundRect">
-            <a:avLst>
-              <a:gd fmla="val 16667" name="adj"/>
-            </a:avLst>
+        </p:nvPicPr>
+        <p:blipFill>
+          <a:blip r:embed="rId4">
+            <a:alphaModFix/>
+          </a:blip>
+          <a:stretch>
+            <a:fillRect/>
+          </a:stretch>
+        </p:blipFill>
+        <p:spPr>
+          <a:xfrm>
+            <a:off x="8448675" y="6181725"/>
+            <a:ext cx="695325" cy="676275"/>
+          </a:xfrm>
+          <a:prstGeom prst="rect">
+            <a:avLst/>
           </a:prstGeom>
           <a:noFill/>
-          <a:ln cap="flat" cmpd="sng" w="38100">
-            <a:solidFill>
-              <a:srgbClr val="FF9900"/>
-            </a:solidFill>
-            <a:prstDash val="solid"/>
-            <a:round/>
-            <a:headEnd len="sm" w="sm" type="none"/>
-            <a:tailEnd len="sm" w="sm" type="none"/>
+          <a:ln>
+            <a:noFill/>
           </a:ln>
         </p:spPr>
-        <p:txBody>
-          <a:bodyPr anchorCtr="0" anchor="ctr" bIns="91425" lIns="91425" spcFirstLastPara="1" rIns="91425" wrap="square" tIns="91425">
-            <a:noAutofit/>
-          </a:bodyPr>
-          <a:lstStyle/>
-          <a:p>
-            <a:pPr indent="0" lvl="0" marL="0" rtl="0" algn="l">
-              <a:spcBef>
-                <a:spcPts val="0"/>
-              </a:spcBef>
-              <a:spcAft>
-                <a:spcPts val="0"/>
-              </a:spcAft>
-              <a:buNone/>
-            </a:pPr>
-            <a:r>
-              <a:t/>
-            </a:r>
-            <a:endParaRPr/>
-          </a:p>
-        </p:txBody>
-      </p:sp>
-      <p:sp>
-        <p:nvSpPr>
-          <p:cNvPr id="386" name="Google Shape;386;p63"/>
-          <p:cNvSpPr/>
-          <p:nvPr/>
-        </p:nvSpPr>
-        <p:spPr>
-          <a:xfrm>
-            <a:off x="3392225" y="3971400"/>
-            <a:ext cx="790500" cy="367800"/>
-          </a:xfrm>
-          <a:prstGeom prst="roundRect">
-            <a:avLst>
-              <a:gd fmla="val 16667" name="adj"/>
-            </a:avLst>
-          </a:prstGeom>
-          <a:noFill/>
-          <a:ln cap="flat" cmpd="sng" w="38100">
-            <a:solidFill>
-              <a:srgbClr val="FF9900"/>
-            </a:solidFill>
-            <a:prstDash val="solid"/>
-            <a:round/>
-            <a:headEnd len="sm" w="sm" type="none"/>
-            <a:tailEnd len="sm" w="sm" type="none"/>
-          </a:ln>
-        </p:spPr>
-        <p:txBody>
-          <a:bodyPr anchorCtr="0" anchor="ctr" bIns="91425" lIns="91425" spcFirstLastPara="1" rIns="91425" wrap="square" tIns="91425">
-            <a:noAutofit/>
-          </a:bodyPr>
-          <a:lstStyle/>
-          <a:p>
-            <a:pPr indent="0" lvl="0" marL="0" rtl="0" algn="l">
-              <a:spcBef>
-                <a:spcPts val="0"/>
-              </a:spcBef>
-              <a:spcAft>
-                <a:spcPts val="0"/>
-              </a:spcAft>
-              <a:buNone/>
-            </a:pPr>
-            <a:r>
-              <a:t/>
-            </a:r>
-            <a:endParaRPr/>
-          </a:p>
-        </p:txBody>
-      </p:sp>
+      </p:pic>
     </p:spTree>
   </p:cSld>
   <p:clrMapOvr>
@@ -18831,7 +18759,7 @@
   <p:cSld>
     <p:spTree>
       <p:nvGrpSpPr>
-        <p:cNvPr id="390" name="Shape 390"/>
+        <p:cNvPr id="392" name="Shape 392"/>
         <p:cNvGrpSpPr/>
         <p:nvPr/>
       </p:nvGrpSpPr>
@@ -18845,7 +18773,7 @@
       </p:grpSpPr>
       <p:pic>
         <p:nvPicPr>
-          <p:cNvPr id="391" name="Google Shape;391;p64"/>
+          <p:cNvPr id="393" name="Google Shape;393;p64"/>
           <p:cNvPicPr preferRelativeResize="0"/>
           <p:nvPr/>
         </p:nvPicPr>
@@ -18861,6 +18789,34 @@
           <a:xfrm>
             <a:off x="0" y="0"/>
             <a:ext cx="6867525" cy="6372225"/>
+          </a:xfrm>
+          <a:prstGeom prst="rect">
+            <a:avLst/>
+          </a:prstGeom>
+          <a:noFill/>
+          <a:ln>
+            <a:noFill/>
+          </a:ln>
+        </p:spPr>
+      </p:pic>
+      <p:pic>
+        <p:nvPicPr>
+          <p:cNvPr id="394" name="Google Shape;394;p64"/>
+          <p:cNvPicPr preferRelativeResize="0"/>
+          <p:nvPr/>
+        </p:nvPicPr>
+        <p:blipFill>
+          <a:blip r:embed="rId4">
+            <a:alphaModFix/>
+          </a:blip>
+          <a:stretch>
+            <a:fillRect/>
+          </a:stretch>
+        </p:blipFill>
+        <p:spPr>
+          <a:xfrm>
+            <a:off x="8448675" y="6181725"/>
+            <a:ext cx="695325" cy="676275"/>
           </a:xfrm>
           <a:prstGeom prst="rect">
             <a:avLst/>
@@ -18884,7 +18840,7 @@
   <p:cSld>
     <p:spTree>
       <p:nvGrpSpPr>
-        <p:cNvPr id="395" name="Shape 395"/>
+        <p:cNvPr id="398" name="Shape 398"/>
         <p:cNvGrpSpPr/>
         <p:nvPr/>
       </p:nvGrpSpPr>
@@ -18898,7 +18854,7 @@
       </p:grpSpPr>
       <p:pic>
         <p:nvPicPr>
-          <p:cNvPr id="396" name="Google Shape;396;p65"/>
+          <p:cNvPr id="399" name="Google Shape;399;p65"/>
           <p:cNvPicPr preferRelativeResize="0"/>
           <p:nvPr/>
         </p:nvPicPr>
@@ -18926,7 +18882,7 @@
       </p:pic>
       <p:pic>
         <p:nvPicPr>
-          <p:cNvPr id="397" name="Google Shape;397;p65"/>
+          <p:cNvPr id="400" name="Google Shape;400;p65"/>
           <p:cNvPicPr preferRelativeResize="0"/>
           <p:nvPr/>
         </p:nvPicPr>
@@ -18952,55 +18908,6 @@
           </a:ln>
         </p:spPr>
       </p:pic>
-      <p:sp>
-        <p:nvSpPr>
-          <p:cNvPr id="398" name="Google Shape;398;p65"/>
-          <p:cNvSpPr/>
-          <p:nvPr/>
-        </p:nvSpPr>
-        <p:spPr>
-          <a:xfrm>
-            <a:off x="8402425" y="6131750"/>
-            <a:ext cx="790500" cy="772200"/>
-          </a:xfrm>
-          <a:prstGeom prst="roundRect">
-            <a:avLst>
-              <a:gd fmla="val 16667" name="adj"/>
-            </a:avLst>
-          </a:prstGeom>
-          <a:noFill/>
-          <a:ln cap="flat" cmpd="sng" w="38100">
-            <a:solidFill>
-              <a:srgbClr val="FF9900"/>
-            </a:solidFill>
-            <a:prstDash val="solid"/>
-            <a:round/>
-            <a:headEnd len="sm" w="sm" type="none"/>
-            <a:tailEnd len="sm" w="sm" type="none"/>
-          </a:ln>
-        </p:spPr>
-        <p:txBody>
-          <a:bodyPr anchorCtr="0" anchor="ctr" bIns="91425" lIns="91425" spcFirstLastPara="1" rIns="91425" wrap="square" tIns="91425">
-            <a:noAutofit/>
-          </a:bodyPr>
-          <a:lstStyle/>
-          <a:p>
-            <a:pPr indent="0" lvl="0" marL="0" rtl="0" algn="l">
-              <a:spcBef>
-                <a:spcPts val="0"/>
-              </a:spcBef>
-              <a:spcAft>
-                <a:spcPts val="0"/>
-              </a:spcAft>
-              <a:buNone/>
-            </a:pPr>
-            <a:r>
-              <a:t/>
-            </a:r>
-            <a:endParaRPr/>
-          </a:p>
-        </p:txBody>
-      </p:sp>
     </p:spTree>
   </p:cSld>
   <p:clrMapOvr>
@@ -19014,7 +18921,7 @@
   <p:cSld>
     <p:spTree>
       <p:nvGrpSpPr>
-        <p:cNvPr id="402" name="Shape 402"/>
+        <p:cNvPr id="404" name="Shape 404"/>
         <p:cNvGrpSpPr/>
         <p:nvPr/>
       </p:nvGrpSpPr>
@@ -19028,7 +18935,7 @@
       </p:grpSpPr>
       <p:pic>
         <p:nvPicPr>
-          <p:cNvPr id="403" name="Google Shape;403;p66"/>
+          <p:cNvPr id="405" name="Google Shape;405;p66"/>
           <p:cNvPicPr preferRelativeResize="0"/>
           <p:nvPr/>
         </p:nvPicPr>
@@ -19042,7 +18949,7 @@
         </p:blipFill>
         <p:spPr>
           <a:xfrm>
-            <a:off x="0" y="0"/>
+            <a:off x="0" y="-40650"/>
             <a:ext cx="6867525" cy="6372225"/>
           </a:xfrm>
           <a:prstGeom prst="rect">
@@ -19056,7 +18963,7 @@
       </p:pic>
       <p:pic>
         <p:nvPicPr>
-          <p:cNvPr id="404" name="Google Shape;404;p66"/>
+          <p:cNvPr id="406" name="Google Shape;406;p66"/>
           <p:cNvPicPr preferRelativeResize="0"/>
           <p:nvPr/>
         </p:nvPicPr>
@@ -19095,7 +19002,7 @@
   <p:cSld>
     <p:spTree>
       <p:nvGrpSpPr>
-        <p:cNvPr id="408" name="Shape 408"/>
+        <p:cNvPr id="410" name="Shape 410"/>
         <p:cNvGrpSpPr/>
         <p:nvPr/>
       </p:nvGrpSpPr>
@@ -19109,7 +19016,7 @@
       </p:grpSpPr>
       <p:pic>
         <p:nvPicPr>
-          <p:cNvPr id="409" name="Google Shape;409;p67"/>
+          <p:cNvPr id="411" name="Google Shape;411;p67"/>
           <p:cNvPicPr preferRelativeResize="0"/>
           <p:nvPr/>
         </p:nvPicPr>
@@ -19137,7 +19044,7 @@
       </p:pic>
       <p:pic>
         <p:nvPicPr>
-          <p:cNvPr id="410" name="Google Shape;410;p67"/>
+          <p:cNvPr id="412" name="Google Shape;412;p67"/>
           <p:cNvPicPr preferRelativeResize="0"/>
           <p:nvPr/>
         </p:nvPicPr>
@@ -19176,7 +19083,7 @@
   <p:cSld>
     <p:spTree>
       <p:nvGrpSpPr>
-        <p:cNvPr id="414" name="Shape 414"/>
+        <p:cNvPr id="416" name="Shape 416"/>
         <p:cNvGrpSpPr/>
         <p:nvPr/>
       </p:nvGrpSpPr>
@@ -19190,7 +19097,7 @@
       </p:grpSpPr>
       <p:pic>
         <p:nvPicPr>
-          <p:cNvPr id="415" name="Google Shape;415;p68"/>
+          <p:cNvPr id="417" name="Google Shape;417;p68"/>
           <p:cNvPicPr preferRelativeResize="0"/>
           <p:nvPr/>
         </p:nvPicPr>
@@ -19218,7 +19125,7 @@
       </p:pic>
       <p:pic>
         <p:nvPicPr>
-          <p:cNvPr id="416" name="Google Shape;416;p68"/>
+          <p:cNvPr id="418" name="Google Shape;418;p68"/>
           <p:cNvPicPr preferRelativeResize="0"/>
           <p:nvPr/>
         </p:nvPicPr>
@@ -19232,8 +19139,8 @@
         </p:blipFill>
         <p:spPr>
           <a:xfrm>
-            <a:off x="8448675" y="6181725"/>
-            <a:ext cx="695325" cy="676275"/>
+            <a:off x="8448675" y="5591175"/>
+            <a:ext cx="695325" cy="1266825"/>
           </a:xfrm>
           <a:prstGeom prst="rect">
             <a:avLst/>
@@ -19244,6 +19151,55 @@
           </a:ln>
         </p:spPr>
       </p:pic>
+      <p:sp>
+        <p:nvSpPr>
+          <p:cNvPr id="419" name="Google Shape;419;p68"/>
+          <p:cNvSpPr/>
+          <p:nvPr/>
+        </p:nvSpPr>
+        <p:spPr>
+          <a:xfrm>
+            <a:off x="8402425" y="6131750"/>
+            <a:ext cx="790500" cy="772200"/>
+          </a:xfrm>
+          <a:prstGeom prst="roundRect">
+            <a:avLst>
+              <a:gd fmla="val 16667" name="adj"/>
+            </a:avLst>
+          </a:prstGeom>
+          <a:noFill/>
+          <a:ln cap="flat" cmpd="sng" w="38100">
+            <a:solidFill>
+              <a:srgbClr val="FF9900"/>
+            </a:solidFill>
+            <a:prstDash val="solid"/>
+            <a:round/>
+            <a:headEnd len="sm" w="sm" type="none"/>
+            <a:tailEnd len="sm" w="sm" type="none"/>
+          </a:ln>
+        </p:spPr>
+        <p:txBody>
+          <a:bodyPr anchorCtr="0" anchor="ctr" bIns="91425" lIns="91425" spcFirstLastPara="1" rIns="91425" wrap="square" tIns="91425">
+            <a:noAutofit/>
+          </a:bodyPr>
+          <a:lstStyle/>
+          <a:p>
+            <a:pPr indent="0" lvl="0" marL="0" rtl="0" algn="l">
+              <a:spcBef>
+                <a:spcPts val="0"/>
+              </a:spcBef>
+              <a:spcAft>
+                <a:spcPts val="0"/>
+              </a:spcAft>
+              <a:buNone/>
+            </a:pPr>
+            <a:r>
+              <a:t/>
+            </a:r>
+            <a:endParaRPr/>
+          </a:p>
+        </p:txBody>
+      </p:sp>
     </p:spTree>
   </p:cSld>
   <p:clrMapOvr>
@@ -19257,7 +19213,7 @@
   <p:cSld>
     <p:spTree>
       <p:nvGrpSpPr>
-        <p:cNvPr id="420" name="Shape 420"/>
+        <p:cNvPr id="423" name="Shape 423"/>
         <p:cNvGrpSpPr/>
         <p:nvPr/>
       </p:nvGrpSpPr>
@@ -19271,7 +19227,7 @@
       </p:grpSpPr>
       <p:pic>
         <p:nvPicPr>
-          <p:cNvPr id="421" name="Google Shape;421;p69"/>
+          <p:cNvPr id="424" name="Google Shape;424;p69"/>
           <p:cNvPicPr preferRelativeResize="0"/>
           <p:nvPr/>
         </p:nvPicPr>
@@ -19285,7 +19241,7 @@
         </p:blipFill>
         <p:spPr>
           <a:xfrm>
-            <a:off x="0" y="-40650"/>
+            <a:off x="0" y="0"/>
             <a:ext cx="6867525" cy="6372225"/>
           </a:xfrm>
           <a:prstGeom prst="rect">
@@ -19299,7 +19255,7 @@
       </p:pic>
       <p:pic>
         <p:nvPicPr>
-          <p:cNvPr id="422" name="Google Shape;422;p69"/>
+          <p:cNvPr id="425" name="Google Shape;425;p69"/>
           <p:cNvPicPr preferRelativeResize="0"/>
           <p:nvPr/>
         </p:nvPicPr>
@@ -19313,8 +19269,8 @@
         </p:blipFill>
         <p:spPr>
           <a:xfrm>
-            <a:off x="8448675" y="6181725"/>
-            <a:ext cx="695325" cy="676275"/>
+            <a:off x="8448675" y="5591175"/>
+            <a:ext cx="695325" cy="1266825"/>
           </a:xfrm>
           <a:prstGeom prst="rect">
             <a:avLst/>
@@ -19338,7 +19294,7 @@
   <p:cSld>
     <p:spTree>
       <p:nvGrpSpPr>
-        <p:cNvPr id="426" name="Shape 426"/>
+        <p:cNvPr id="429" name="Shape 429"/>
         <p:cNvGrpSpPr/>
         <p:nvPr/>
       </p:nvGrpSpPr>
@@ -19352,7 +19308,7 @@
       </p:grpSpPr>
       <p:pic>
         <p:nvPicPr>
-          <p:cNvPr id="427" name="Google Shape;427;p70"/>
+          <p:cNvPr id="430" name="Google Shape;430;p70"/>
           <p:cNvPicPr preferRelativeResize="0"/>
           <p:nvPr/>
         </p:nvPicPr>
@@ -19380,7 +19336,7 @@
       </p:pic>
       <p:pic>
         <p:nvPicPr>
-          <p:cNvPr id="428" name="Google Shape;428;p70"/>
+          <p:cNvPr id="431" name="Google Shape;431;p70"/>
           <p:cNvPicPr preferRelativeResize="0"/>
           <p:nvPr/>
         </p:nvPicPr>
@@ -19394,8 +19350,8 @@
         </p:blipFill>
         <p:spPr>
           <a:xfrm>
-            <a:off x="8448675" y="6181725"/>
-            <a:ext cx="695325" cy="676275"/>
+            <a:off x="8448675" y="5591175"/>
+            <a:ext cx="695325" cy="1266825"/>
           </a:xfrm>
           <a:prstGeom prst="rect">
             <a:avLst/>
@@ -19419,7 +19375,7 @@
   <p:cSld>
     <p:spTree>
       <p:nvGrpSpPr>
-        <p:cNvPr id="432" name="Shape 432"/>
+        <p:cNvPr id="435" name="Shape 435"/>
         <p:cNvGrpSpPr/>
         <p:nvPr/>
       </p:nvGrpSpPr>
@@ -19433,7 +19389,7 @@
       </p:grpSpPr>
       <p:pic>
         <p:nvPicPr>
-          <p:cNvPr id="433" name="Google Shape;433;p71"/>
+          <p:cNvPr id="436" name="Google Shape;436;p71"/>
           <p:cNvPicPr preferRelativeResize="0"/>
           <p:nvPr/>
         </p:nvPicPr>
@@ -19461,7 +19417,7 @@
       </p:pic>
       <p:pic>
         <p:nvPicPr>
-          <p:cNvPr id="434" name="Google Shape;434;p71"/>
+          <p:cNvPr id="437" name="Google Shape;437;p71"/>
           <p:cNvPicPr preferRelativeResize="0"/>
           <p:nvPr/>
         </p:nvPicPr>
@@ -19475,8 +19431,8 @@
         </p:blipFill>
         <p:spPr>
           <a:xfrm>
-            <a:off x="8448675" y="5591175"/>
-            <a:ext cx="695325" cy="1266825"/>
+            <a:off x="7896225" y="5591175"/>
+            <a:ext cx="1247775" cy="1266825"/>
           </a:xfrm>
           <a:prstGeom prst="rect">
             <a:avLst/>
@@ -19489,7 +19445,7 @@
       </p:pic>
       <p:sp>
         <p:nvSpPr>
-          <p:cNvPr id="435" name="Google Shape;435;p71"/>
+          <p:cNvPr id="438" name="Google Shape;438;p71"/>
           <p:cNvSpPr/>
           <p:nvPr/>
         </p:nvSpPr>
@@ -19549,7 +19505,7 @@
   <p:cSld>
     <p:spTree>
       <p:nvGrpSpPr>
-        <p:cNvPr id="88" name="Shape 88"/>
+        <p:cNvPr id="92" name="Shape 92"/>
         <p:cNvGrpSpPr/>
         <p:nvPr/>
       </p:nvGrpSpPr>
@@ -19563,7 +19519,7 @@
       </p:grpSpPr>
       <p:pic>
         <p:nvPicPr>
-          <p:cNvPr id="89" name="Google Shape;89;p18"/>
+          <p:cNvPr id="93" name="Google Shape;93;p18"/>
           <p:cNvPicPr preferRelativeResize="0"/>
           <p:nvPr/>
         </p:nvPicPr>
@@ -19577,8 +19533,8 @@
         </p:blipFill>
         <p:spPr>
           <a:xfrm>
-            <a:off x="2995613" y="0"/>
-            <a:ext cx="3152775" cy="866775"/>
+            <a:off x="152400" y="152400"/>
+            <a:ext cx="4829175" cy="2124075"/>
           </a:xfrm>
           <a:prstGeom prst="rect">
             <a:avLst/>
@@ -19589,89 +19545,6 @@
           </a:ln>
         </p:spPr>
       </p:pic>
-      <p:pic>
-        <p:nvPicPr>
-          <p:cNvPr id="90" name="Google Shape;90;p18"/>
-          <p:cNvPicPr preferRelativeResize="0"/>
-          <p:nvPr/>
-        </p:nvPicPr>
-        <p:blipFill>
-          <a:blip r:embed="rId4">
-            <a:alphaModFix/>
-          </a:blip>
-          <a:stretch>
-            <a:fillRect/>
-          </a:stretch>
-        </p:blipFill>
-        <p:spPr>
-          <a:xfrm>
-            <a:off x="4252913" y="3233738"/>
-            <a:ext cx="638175" cy="390525"/>
-          </a:xfrm>
-          <a:prstGeom prst="rect">
-            <a:avLst/>
-          </a:prstGeom>
-          <a:noFill/>
-          <a:ln cap="flat" cmpd="sng" w="9525">
-            <a:solidFill>
-              <a:schemeClr val="dk2"/>
-            </a:solidFill>
-            <a:prstDash val="solid"/>
-            <a:round/>
-            <a:headEnd len="sm" w="sm" type="none"/>
-            <a:tailEnd len="sm" w="sm" type="none"/>
-          </a:ln>
-        </p:spPr>
-      </p:pic>
-      <p:sp>
-        <p:nvSpPr>
-          <p:cNvPr id="91" name="Google Shape;91;p18"/>
-          <p:cNvSpPr/>
-          <p:nvPr/>
-        </p:nvSpPr>
-        <p:spPr>
-          <a:xfrm>
-            <a:off x="4938150" y="415625"/>
-            <a:ext cx="979800" cy="346500"/>
-          </a:xfrm>
-          <a:prstGeom prst="roundRect">
-            <a:avLst>
-              <a:gd fmla="val 16667" name="adj"/>
-            </a:avLst>
-          </a:prstGeom>
-          <a:noFill/>
-          <a:ln cap="flat" cmpd="sng" w="38100">
-            <a:solidFill>
-              <a:srgbClr val="FF9900"/>
-            </a:solidFill>
-            <a:prstDash val="solid"/>
-            <a:round/>
-            <a:headEnd len="sm" w="sm" type="none"/>
-            <a:tailEnd len="sm" w="sm" type="none"/>
-          </a:ln>
-        </p:spPr>
-        <p:txBody>
-          <a:bodyPr anchorCtr="0" anchor="ctr" bIns="91425" lIns="91425" spcFirstLastPara="1" rIns="91425" wrap="square" tIns="91425">
-            <a:noAutofit/>
-          </a:bodyPr>
-          <a:lstStyle/>
-          <a:p>
-            <a:pPr indent="0" lvl="0" marL="0" rtl="0" algn="l">
-              <a:spcBef>
-                <a:spcPts val="0"/>
-              </a:spcBef>
-              <a:spcAft>
-                <a:spcPts val="0"/>
-              </a:spcAft>
-              <a:buNone/>
-            </a:pPr>
-            <a:r>
-              <a:t/>
-            </a:r>
-            <a:endParaRPr/>
-          </a:p>
-        </p:txBody>
-      </p:sp>
     </p:spTree>
   </p:cSld>
   <p:clrMapOvr>
@@ -19685,7 +19558,7 @@
   <p:cSld>
     <p:spTree>
       <p:nvGrpSpPr>
-        <p:cNvPr id="439" name="Shape 439"/>
+        <p:cNvPr id="442" name="Shape 442"/>
         <p:cNvGrpSpPr/>
         <p:nvPr/>
       </p:nvGrpSpPr>
@@ -19699,7 +19572,7 @@
       </p:grpSpPr>
       <p:pic>
         <p:nvPicPr>
-          <p:cNvPr id="440" name="Google Shape;440;p72"/>
+          <p:cNvPr id="443" name="Google Shape;443;p72"/>
           <p:cNvPicPr preferRelativeResize="0"/>
           <p:nvPr/>
         </p:nvPicPr>
@@ -19727,7 +19600,7 @@
       </p:pic>
       <p:pic>
         <p:nvPicPr>
-          <p:cNvPr id="441" name="Google Shape;441;p72"/>
+          <p:cNvPr id="444" name="Google Shape;444;p72"/>
           <p:cNvPicPr preferRelativeResize="0"/>
           <p:nvPr/>
         </p:nvPicPr>
@@ -19741,8 +19614,8 @@
         </p:blipFill>
         <p:spPr>
           <a:xfrm>
-            <a:off x="8448675" y="5591175"/>
-            <a:ext cx="695325" cy="1266825"/>
+            <a:off x="7896225" y="5591175"/>
+            <a:ext cx="1247775" cy="1266825"/>
           </a:xfrm>
           <a:prstGeom prst="rect">
             <a:avLst/>
@@ -19766,7 +19639,7 @@
   <p:cSld>
     <p:spTree>
       <p:nvGrpSpPr>
-        <p:cNvPr id="445" name="Shape 445"/>
+        <p:cNvPr id="448" name="Shape 448"/>
         <p:cNvGrpSpPr/>
         <p:nvPr/>
       </p:nvGrpSpPr>
@@ -19780,7 +19653,7 @@
       </p:grpSpPr>
       <p:pic>
         <p:nvPicPr>
-          <p:cNvPr id="446" name="Google Shape;446;p73"/>
+          <p:cNvPr id="449" name="Google Shape;449;p73"/>
           <p:cNvPicPr preferRelativeResize="0"/>
           <p:nvPr/>
         </p:nvPicPr>
@@ -19808,7 +19681,7 @@
       </p:pic>
       <p:pic>
         <p:nvPicPr>
-          <p:cNvPr id="447" name="Google Shape;447;p73"/>
+          <p:cNvPr id="450" name="Google Shape;450;p73"/>
           <p:cNvPicPr preferRelativeResize="0"/>
           <p:nvPr/>
         </p:nvPicPr>
@@ -19822,8 +19695,8 @@
         </p:blipFill>
         <p:spPr>
           <a:xfrm>
-            <a:off x="8448675" y="5591175"/>
-            <a:ext cx="695325" cy="1266825"/>
+            <a:off x="7896225" y="5591175"/>
+            <a:ext cx="1247775" cy="1266825"/>
           </a:xfrm>
           <a:prstGeom prst="rect">
             <a:avLst/>
@@ -19847,7 +19720,7 @@
   <p:cSld>
     <p:spTree>
       <p:nvGrpSpPr>
-        <p:cNvPr id="451" name="Shape 451"/>
+        <p:cNvPr id="454" name="Shape 454"/>
         <p:cNvGrpSpPr/>
         <p:nvPr/>
       </p:nvGrpSpPr>
@@ -19861,7 +19734,7 @@
       </p:grpSpPr>
       <p:pic>
         <p:nvPicPr>
-          <p:cNvPr id="452" name="Google Shape;452;p74"/>
+          <p:cNvPr id="455" name="Google Shape;455;p74"/>
           <p:cNvPicPr preferRelativeResize="0"/>
           <p:nvPr/>
         </p:nvPicPr>
@@ -19889,7 +19762,7 @@
       </p:pic>
       <p:pic>
         <p:nvPicPr>
-          <p:cNvPr id="453" name="Google Shape;453;p74"/>
+          <p:cNvPr id="456" name="Google Shape;456;p74"/>
           <p:cNvPicPr preferRelativeResize="0"/>
           <p:nvPr/>
         </p:nvPicPr>
@@ -19915,55 +19788,6 @@
           </a:ln>
         </p:spPr>
       </p:pic>
-      <p:sp>
-        <p:nvSpPr>
-          <p:cNvPr id="454" name="Google Shape;454;p74"/>
-          <p:cNvSpPr/>
-          <p:nvPr/>
-        </p:nvSpPr>
-        <p:spPr>
-          <a:xfrm>
-            <a:off x="8402425" y="6131750"/>
-            <a:ext cx="790500" cy="772200"/>
-          </a:xfrm>
-          <a:prstGeom prst="roundRect">
-            <a:avLst>
-              <a:gd fmla="val 16667" name="adj"/>
-            </a:avLst>
-          </a:prstGeom>
-          <a:noFill/>
-          <a:ln cap="flat" cmpd="sng" w="38100">
-            <a:solidFill>
-              <a:srgbClr val="FF9900"/>
-            </a:solidFill>
-            <a:prstDash val="solid"/>
-            <a:round/>
-            <a:headEnd len="sm" w="sm" type="none"/>
-            <a:tailEnd len="sm" w="sm" type="none"/>
-          </a:ln>
-        </p:spPr>
-        <p:txBody>
-          <a:bodyPr anchorCtr="0" anchor="ctr" bIns="91425" lIns="91425" spcFirstLastPara="1" rIns="91425" wrap="square" tIns="91425">
-            <a:noAutofit/>
-          </a:bodyPr>
-          <a:lstStyle/>
-          <a:p>
-            <a:pPr indent="0" lvl="0" marL="0" rtl="0" algn="l">
-              <a:spcBef>
-                <a:spcPts val="0"/>
-              </a:spcBef>
-              <a:spcAft>
-                <a:spcPts val="0"/>
-              </a:spcAft>
-              <a:buNone/>
-            </a:pPr>
-            <a:r>
-              <a:t/>
-            </a:r>
-            <a:endParaRPr/>
-          </a:p>
-        </p:txBody>
-      </p:sp>
     </p:spTree>
   </p:cSld>
   <p:clrMapOvr>
@@ -19977,7 +19801,7 @@
   <p:cSld>
     <p:spTree>
       <p:nvGrpSpPr>
-        <p:cNvPr id="458" name="Shape 458"/>
+        <p:cNvPr id="460" name="Shape 460"/>
         <p:cNvGrpSpPr/>
         <p:nvPr/>
       </p:nvGrpSpPr>
@@ -19991,7 +19815,7 @@
       </p:grpSpPr>
       <p:pic>
         <p:nvPicPr>
-          <p:cNvPr id="459" name="Google Shape;459;p75"/>
+          <p:cNvPr id="461" name="Google Shape;461;p75"/>
           <p:cNvPicPr preferRelativeResize="0"/>
           <p:nvPr/>
         </p:nvPicPr>
@@ -20019,7 +19843,7 @@
       </p:pic>
       <p:pic>
         <p:nvPicPr>
-          <p:cNvPr id="460" name="Google Shape;460;p75"/>
+          <p:cNvPr id="462" name="Google Shape;462;p75"/>
           <p:cNvPicPr preferRelativeResize="0"/>
           <p:nvPr/>
         </p:nvPicPr>
@@ -20058,7 +19882,7 @@
   <p:cSld>
     <p:spTree>
       <p:nvGrpSpPr>
-        <p:cNvPr id="464" name="Shape 464"/>
+        <p:cNvPr id="466" name="Shape 466"/>
         <p:cNvGrpSpPr/>
         <p:nvPr/>
       </p:nvGrpSpPr>
@@ -20072,7 +19896,7 @@
       </p:grpSpPr>
       <p:pic>
         <p:nvPicPr>
-          <p:cNvPr id="465" name="Google Shape;465;p76"/>
+          <p:cNvPr id="467" name="Google Shape;467;p76"/>
           <p:cNvPicPr preferRelativeResize="0"/>
           <p:nvPr/>
         </p:nvPicPr>
@@ -20100,7 +19924,7 @@
       </p:pic>
       <p:pic>
         <p:nvPicPr>
-          <p:cNvPr id="466" name="Google Shape;466;p76"/>
+          <p:cNvPr id="468" name="Google Shape;468;p76"/>
           <p:cNvPicPr preferRelativeResize="0"/>
           <p:nvPr/>
         </p:nvPicPr>
@@ -20139,7 +19963,7 @@
   <p:cSld>
     <p:spTree>
       <p:nvGrpSpPr>
-        <p:cNvPr id="470" name="Shape 470"/>
+        <p:cNvPr id="472" name="Shape 472"/>
         <p:cNvGrpSpPr/>
         <p:nvPr/>
       </p:nvGrpSpPr>
@@ -20153,7 +19977,7 @@
       </p:grpSpPr>
       <p:pic>
         <p:nvPicPr>
-          <p:cNvPr id="471" name="Google Shape;471;p77"/>
+          <p:cNvPr id="473" name="Google Shape;473;p77"/>
           <p:cNvPicPr preferRelativeResize="0"/>
           <p:nvPr/>
         </p:nvPicPr>
@@ -20181,7 +20005,7 @@
       </p:pic>
       <p:pic>
         <p:nvPicPr>
-          <p:cNvPr id="472" name="Google Shape;472;p77"/>
+          <p:cNvPr id="474" name="Google Shape;474;p77"/>
           <p:cNvPicPr preferRelativeResize="0"/>
           <p:nvPr/>
         </p:nvPicPr>
@@ -20220,7 +20044,7 @@
   <p:cSld>
     <p:spTree>
       <p:nvGrpSpPr>
-        <p:cNvPr id="476" name="Shape 476"/>
+        <p:cNvPr id="478" name="Shape 478"/>
         <p:cNvGrpSpPr/>
         <p:nvPr/>
       </p:nvGrpSpPr>
@@ -20234,7 +20058,7 @@
       </p:grpSpPr>
       <p:pic>
         <p:nvPicPr>
-          <p:cNvPr id="477" name="Google Shape;477;p78"/>
+          <p:cNvPr id="479" name="Google Shape;479;p78"/>
           <p:cNvPicPr preferRelativeResize="0"/>
           <p:nvPr/>
         </p:nvPicPr>
@@ -20262,7 +20086,7 @@
       </p:pic>
       <p:pic>
         <p:nvPicPr>
-          <p:cNvPr id="478" name="Google Shape;478;p78"/>
+          <p:cNvPr id="480" name="Google Shape;480;p78"/>
           <p:cNvPicPr preferRelativeResize="0"/>
           <p:nvPr/>
         </p:nvPicPr>
@@ -20276,8 +20100,8 @@
         </p:blipFill>
         <p:spPr>
           <a:xfrm>
-            <a:off x="7896225" y="5591175"/>
-            <a:ext cx="1247775" cy="1266825"/>
+            <a:off x="7877175" y="5019675"/>
+            <a:ext cx="1266825" cy="1838325"/>
           </a:xfrm>
           <a:prstGeom prst="rect">
             <a:avLst/>
@@ -20288,6 +20112,55 @@
           </a:ln>
         </p:spPr>
       </p:pic>
+      <p:sp>
+        <p:nvSpPr>
+          <p:cNvPr id="481" name="Google Shape;481;p78"/>
+          <p:cNvSpPr/>
+          <p:nvPr/>
+        </p:nvSpPr>
+        <p:spPr>
+          <a:xfrm>
+            <a:off x="7792825" y="6131750"/>
+            <a:ext cx="790500" cy="772200"/>
+          </a:xfrm>
+          <a:prstGeom prst="roundRect">
+            <a:avLst>
+              <a:gd fmla="val 16667" name="adj"/>
+            </a:avLst>
+          </a:prstGeom>
+          <a:noFill/>
+          <a:ln cap="flat" cmpd="sng" w="38100">
+            <a:solidFill>
+              <a:srgbClr val="FF9900"/>
+            </a:solidFill>
+            <a:prstDash val="solid"/>
+            <a:round/>
+            <a:headEnd len="sm" w="sm" type="none"/>
+            <a:tailEnd len="sm" w="sm" type="none"/>
+          </a:ln>
+        </p:spPr>
+        <p:txBody>
+          <a:bodyPr anchorCtr="0" anchor="ctr" bIns="91425" lIns="91425" spcFirstLastPara="1" rIns="91425" wrap="square" tIns="91425">
+            <a:noAutofit/>
+          </a:bodyPr>
+          <a:lstStyle/>
+          <a:p>
+            <a:pPr indent="0" lvl="0" marL="0" rtl="0" algn="l">
+              <a:spcBef>
+                <a:spcPts val="0"/>
+              </a:spcBef>
+              <a:spcAft>
+                <a:spcPts val="0"/>
+              </a:spcAft>
+              <a:buNone/>
+            </a:pPr>
+            <a:r>
+              <a:t/>
+            </a:r>
+            <a:endParaRPr/>
+          </a:p>
+        </p:txBody>
+      </p:sp>
     </p:spTree>
   </p:cSld>
   <p:clrMapOvr>
@@ -20301,7 +20174,7 @@
   <p:cSld>
     <p:spTree>
       <p:nvGrpSpPr>
-        <p:cNvPr id="482" name="Shape 482"/>
+        <p:cNvPr id="485" name="Shape 485"/>
         <p:cNvGrpSpPr/>
         <p:nvPr/>
       </p:nvGrpSpPr>
@@ -20315,7 +20188,7 @@
       </p:grpSpPr>
       <p:pic>
         <p:nvPicPr>
-          <p:cNvPr id="483" name="Google Shape;483;p79"/>
+          <p:cNvPr id="486" name="Google Shape;486;p79"/>
           <p:cNvPicPr preferRelativeResize="0"/>
           <p:nvPr/>
         </p:nvPicPr>
@@ -20343,7 +20216,7 @@
       </p:pic>
       <p:pic>
         <p:nvPicPr>
-          <p:cNvPr id="484" name="Google Shape;484;p79"/>
+          <p:cNvPr id="487" name="Google Shape;487;p79"/>
           <p:cNvPicPr preferRelativeResize="0"/>
           <p:nvPr/>
         </p:nvPicPr>
@@ -20357,8 +20230,8 @@
         </p:blipFill>
         <p:spPr>
           <a:xfrm>
-            <a:off x="7896225" y="5591175"/>
-            <a:ext cx="1247775" cy="1266825"/>
+            <a:off x="7877175" y="5019675"/>
+            <a:ext cx="1266825" cy="1838325"/>
           </a:xfrm>
           <a:prstGeom prst="rect">
             <a:avLst/>
@@ -20382,7 +20255,7 @@
   <p:cSld>
     <p:spTree>
       <p:nvGrpSpPr>
-        <p:cNvPr id="488" name="Shape 488"/>
+        <p:cNvPr id="491" name="Shape 491"/>
         <p:cNvGrpSpPr/>
         <p:nvPr/>
       </p:nvGrpSpPr>
@@ -20396,7 +20269,7 @@
       </p:grpSpPr>
       <p:pic>
         <p:nvPicPr>
-          <p:cNvPr id="489" name="Google Shape;489;p80"/>
+          <p:cNvPr id="492" name="Google Shape;492;p80"/>
           <p:cNvPicPr preferRelativeResize="0"/>
           <p:nvPr/>
         </p:nvPicPr>
@@ -20424,7 +20297,7 @@
       </p:pic>
       <p:pic>
         <p:nvPicPr>
-          <p:cNvPr id="490" name="Google Shape;490;p80"/>
+          <p:cNvPr id="493" name="Google Shape;493;p80"/>
           <p:cNvPicPr preferRelativeResize="0"/>
           <p:nvPr/>
         </p:nvPicPr>
@@ -20438,8 +20311,8 @@
         </p:blipFill>
         <p:spPr>
           <a:xfrm>
-            <a:off x="7896225" y="5591175"/>
-            <a:ext cx="1247775" cy="1266825"/>
+            <a:off x="7877175" y="5019675"/>
+            <a:ext cx="1266825" cy="1838325"/>
           </a:xfrm>
           <a:prstGeom prst="rect">
             <a:avLst/>
@@ -20463,7 +20336,7 @@
   <p:cSld>
     <p:spTree>
       <p:nvGrpSpPr>
-        <p:cNvPr id="494" name="Shape 494"/>
+        <p:cNvPr id="497" name="Shape 497"/>
         <p:cNvGrpSpPr/>
         <p:nvPr/>
       </p:nvGrpSpPr>
@@ -20477,7 +20350,7 @@
       </p:grpSpPr>
       <p:pic>
         <p:nvPicPr>
-          <p:cNvPr id="495" name="Google Shape;495;p81"/>
+          <p:cNvPr id="498" name="Google Shape;498;p81"/>
           <p:cNvPicPr preferRelativeResize="0"/>
           <p:nvPr/>
         </p:nvPicPr>
@@ -20505,7 +20378,7 @@
       </p:pic>
       <p:pic>
         <p:nvPicPr>
-          <p:cNvPr id="496" name="Google Shape;496;p81"/>
+          <p:cNvPr id="499" name="Google Shape;499;p81"/>
           <p:cNvPicPr preferRelativeResize="0"/>
           <p:nvPr/>
         </p:nvPicPr>
@@ -20533,13 +20406,13 @@
       </p:pic>
       <p:sp>
         <p:nvSpPr>
-          <p:cNvPr id="497" name="Google Shape;497;p81"/>
+          <p:cNvPr id="500" name="Google Shape;500;p81"/>
           <p:cNvSpPr/>
           <p:nvPr/>
         </p:nvSpPr>
         <p:spPr>
           <a:xfrm>
-            <a:off x="7792825" y="6131750"/>
+            <a:off x="8402425" y="6131750"/>
             <a:ext cx="790500" cy="772200"/>
           </a:xfrm>
           <a:prstGeom prst="roundRect">
@@ -20593,7 +20466,7 @@
   <p:cSld>
     <p:spTree>
       <p:nvGrpSpPr>
-        <p:cNvPr id="95" name="Shape 95"/>
+        <p:cNvPr id="97" name="Shape 97"/>
         <p:cNvGrpSpPr/>
         <p:nvPr/>
       </p:nvGrpSpPr>
@@ -20607,7 +20480,7 @@
       </p:grpSpPr>
       <p:pic>
         <p:nvPicPr>
-          <p:cNvPr id="96" name="Google Shape;96;p19"/>
+          <p:cNvPr id="98" name="Google Shape;98;p19"/>
           <p:cNvPicPr preferRelativeResize="0"/>
           <p:nvPr/>
         </p:nvPicPr>
@@ -20621,8 +20494,8 @@
         </p:blipFill>
         <p:spPr>
           <a:xfrm>
-            <a:off x="2995613" y="0"/>
-            <a:ext cx="3152775" cy="866775"/>
+            <a:off x="152400" y="152400"/>
+            <a:ext cx="4829175" cy="2124075"/>
           </a:xfrm>
           <a:prstGeom prst="rect">
             <a:avLst/>
@@ -20633,88 +20506,6 @@
           </a:ln>
         </p:spPr>
       </p:pic>
-      <p:pic>
-        <p:nvPicPr>
-          <p:cNvPr id="97" name="Google Shape;97;p19"/>
-          <p:cNvPicPr preferRelativeResize="0"/>
-          <p:nvPr/>
-        </p:nvPicPr>
-        <p:blipFill>
-          <a:blip r:embed="rId4">
-            <a:alphaModFix/>
-          </a:blip>
-          <a:stretch>
-            <a:fillRect/>
-          </a:stretch>
-        </p:blipFill>
-        <p:spPr>
-          <a:xfrm>
-            <a:off x="4252913" y="3233738"/>
-            <a:ext cx="638175" cy="390525"/>
-          </a:xfrm>
-          <a:prstGeom prst="rect">
-            <a:avLst/>
-          </a:prstGeom>
-          <a:noFill/>
-          <a:ln cap="flat" cmpd="sng" w="9525">
-            <a:solidFill>
-              <a:schemeClr val="dk2"/>
-            </a:solidFill>
-            <a:prstDash val="solid"/>
-            <a:round/>
-            <a:headEnd len="sm" w="sm" type="none"/>
-            <a:tailEnd len="sm" w="sm" type="none"/>
-          </a:ln>
-        </p:spPr>
-      </p:pic>
-      <p:sp>
-        <p:nvSpPr>
-          <p:cNvPr id="98" name="Google Shape;98;p19"/>
-          <p:cNvSpPr txBox="1"/>
-          <p:nvPr/>
-        </p:nvSpPr>
-        <p:spPr>
-          <a:xfrm>
-            <a:off x="3634350" y="6467400"/>
-            <a:ext cx="1875300" cy="390600"/>
-          </a:xfrm>
-          <a:prstGeom prst="rect">
-            <a:avLst/>
-          </a:prstGeom>
-          <a:noFill/>
-          <a:ln cap="flat" cmpd="sng" w="9525">
-            <a:solidFill>
-              <a:srgbClr val="000000"/>
-            </a:solidFill>
-            <a:prstDash val="solid"/>
-            <a:round/>
-            <a:headEnd len="sm" w="sm" type="none"/>
-            <a:tailEnd len="sm" w="sm" type="none"/>
-          </a:ln>
-        </p:spPr>
-        <p:txBody>
-          <a:bodyPr anchorCtr="0" anchor="t" bIns="91425" lIns="91425" spcFirstLastPara="1" rIns="91425" wrap="square" tIns="91425">
-            <a:noAutofit/>
-          </a:bodyPr>
-          <a:lstStyle/>
-          <a:p>
-            <a:pPr indent="0" lvl="0" marL="0" rtl="0" algn="l">
-              <a:spcBef>
-                <a:spcPts val="0"/>
-              </a:spcBef>
-              <a:spcAft>
-                <a:spcPts val="0"/>
-              </a:spcAft>
-              <a:buNone/>
-            </a:pPr>
-            <a:r>
-              <a:rPr lang="cs"/>
-              <a:t>Repeat? More lines?</a:t>
-            </a:r>
-            <a:endParaRPr/>
-          </a:p>
-        </p:txBody>
-      </p:sp>
     </p:spTree>
   </p:cSld>
   <p:clrMapOvr>
@@ -20728,7 +20519,7 @@
   <p:cSld>
     <p:spTree>
       <p:nvGrpSpPr>
-        <p:cNvPr id="501" name="Shape 501"/>
+        <p:cNvPr id="504" name="Shape 504"/>
         <p:cNvGrpSpPr/>
         <p:nvPr/>
       </p:nvGrpSpPr>
@@ -20742,7 +20533,7 @@
       </p:grpSpPr>
       <p:pic>
         <p:nvPicPr>
-          <p:cNvPr id="502" name="Google Shape;502;p82"/>
+          <p:cNvPr id="505" name="Google Shape;505;p82"/>
           <p:cNvPicPr preferRelativeResize="0"/>
           <p:nvPr/>
         </p:nvPicPr>
@@ -20770,7 +20561,7 @@
       </p:pic>
       <p:pic>
         <p:nvPicPr>
-          <p:cNvPr id="503" name="Google Shape;503;p82"/>
+          <p:cNvPr id="506" name="Google Shape;506;p82"/>
           <p:cNvPicPr preferRelativeResize="0"/>
           <p:nvPr/>
         </p:nvPicPr>
@@ -20809,7 +20600,7 @@
   <p:cSld>
     <p:spTree>
       <p:nvGrpSpPr>
-        <p:cNvPr id="507" name="Shape 507"/>
+        <p:cNvPr id="510" name="Shape 510"/>
         <p:cNvGrpSpPr/>
         <p:nvPr/>
       </p:nvGrpSpPr>
@@ -20823,7 +20614,7 @@
       </p:grpSpPr>
       <p:pic>
         <p:nvPicPr>
-          <p:cNvPr id="508" name="Google Shape;508;p83"/>
+          <p:cNvPr id="511" name="Google Shape;511;p83"/>
           <p:cNvPicPr preferRelativeResize="0"/>
           <p:nvPr/>
         </p:nvPicPr>
@@ -20851,7 +20642,7 @@
       </p:pic>
       <p:pic>
         <p:nvPicPr>
-          <p:cNvPr id="509" name="Google Shape;509;p83"/>
+          <p:cNvPr id="512" name="Google Shape;512;p83"/>
           <p:cNvPicPr preferRelativeResize="0"/>
           <p:nvPr/>
         </p:nvPicPr>
@@ -20890,7 +20681,7 @@
   <p:cSld>
     <p:spTree>
       <p:nvGrpSpPr>
-        <p:cNvPr id="513" name="Shape 513"/>
+        <p:cNvPr id="516" name="Shape 516"/>
         <p:cNvGrpSpPr/>
         <p:nvPr/>
       </p:nvGrpSpPr>
@@ -20904,7 +20695,7 @@
       </p:grpSpPr>
       <p:pic>
         <p:nvPicPr>
-          <p:cNvPr id="514" name="Google Shape;514;p84"/>
+          <p:cNvPr id="517" name="Google Shape;517;p84"/>
           <p:cNvPicPr preferRelativeResize="0"/>
           <p:nvPr/>
         </p:nvPicPr>
@@ -20932,7 +20723,7 @@
       </p:pic>
       <p:pic>
         <p:nvPicPr>
-          <p:cNvPr id="515" name="Google Shape;515;p84"/>
+          <p:cNvPr id="518" name="Google Shape;518;p84"/>
           <p:cNvPicPr preferRelativeResize="0"/>
           <p:nvPr/>
         </p:nvPicPr>
@@ -20946,8 +20737,8 @@
         </p:blipFill>
         <p:spPr>
           <a:xfrm>
-            <a:off x="7877175" y="5019675"/>
-            <a:ext cx="1266825" cy="1838325"/>
+            <a:off x="7324725" y="5019675"/>
+            <a:ext cx="1819275" cy="1838325"/>
           </a:xfrm>
           <a:prstGeom prst="rect">
             <a:avLst/>
@@ -20960,7 +20751,7 @@
       </p:pic>
       <p:sp>
         <p:nvSpPr>
-          <p:cNvPr id="516" name="Google Shape;516;p84"/>
+          <p:cNvPr id="519" name="Google Shape;519;p84"/>
           <p:cNvSpPr/>
           <p:nvPr/>
         </p:nvSpPr>
@@ -21020,7 +20811,7 @@
   <p:cSld>
     <p:spTree>
       <p:nvGrpSpPr>
-        <p:cNvPr id="520" name="Shape 520"/>
+        <p:cNvPr id="523" name="Shape 523"/>
         <p:cNvGrpSpPr/>
         <p:nvPr/>
       </p:nvGrpSpPr>
@@ -21034,7 +20825,7 @@
       </p:grpSpPr>
       <p:pic>
         <p:nvPicPr>
-          <p:cNvPr id="521" name="Google Shape;521;p85"/>
+          <p:cNvPr id="524" name="Google Shape;524;p85"/>
           <p:cNvPicPr preferRelativeResize="0"/>
           <p:nvPr/>
         </p:nvPicPr>
@@ -21062,7 +20853,7 @@
       </p:pic>
       <p:pic>
         <p:nvPicPr>
-          <p:cNvPr id="522" name="Google Shape;522;p85"/>
+          <p:cNvPr id="525" name="Google Shape;525;p85"/>
           <p:cNvPicPr preferRelativeResize="0"/>
           <p:nvPr/>
         </p:nvPicPr>
@@ -21076,8 +20867,8 @@
         </p:blipFill>
         <p:spPr>
           <a:xfrm>
-            <a:off x="7877175" y="5019675"/>
-            <a:ext cx="1266825" cy="1838325"/>
+            <a:off x="7324725" y="5019675"/>
+            <a:ext cx="1819275" cy="1838325"/>
           </a:xfrm>
           <a:prstGeom prst="rect">
             <a:avLst/>
@@ -21101,7 +20892,7 @@
   <p:cSld>
     <p:spTree>
       <p:nvGrpSpPr>
-        <p:cNvPr id="526" name="Shape 526"/>
+        <p:cNvPr id="529" name="Shape 529"/>
         <p:cNvGrpSpPr/>
         <p:nvPr/>
       </p:nvGrpSpPr>
@@ -21115,7 +20906,7 @@
       </p:grpSpPr>
       <p:pic>
         <p:nvPicPr>
-          <p:cNvPr id="527" name="Google Shape;527;p86"/>
+          <p:cNvPr id="530" name="Google Shape;530;p86"/>
           <p:cNvPicPr preferRelativeResize="0"/>
           <p:nvPr/>
         </p:nvPicPr>
@@ -21143,7 +20934,7 @@
       </p:pic>
       <p:pic>
         <p:nvPicPr>
-          <p:cNvPr id="528" name="Google Shape;528;p86"/>
+          <p:cNvPr id="531" name="Google Shape;531;p86"/>
           <p:cNvPicPr preferRelativeResize="0"/>
           <p:nvPr/>
         </p:nvPicPr>
@@ -21157,8 +20948,8 @@
         </p:blipFill>
         <p:spPr>
           <a:xfrm>
-            <a:off x="7877175" y="5019675"/>
-            <a:ext cx="1266825" cy="1838325"/>
+            <a:off x="7324725" y="5019675"/>
+            <a:ext cx="1819275" cy="1838325"/>
           </a:xfrm>
           <a:prstGeom prst="rect">
             <a:avLst/>
@@ -21182,7 +20973,7 @@
   <p:cSld>
     <p:spTree>
       <p:nvGrpSpPr>
-        <p:cNvPr id="532" name="Shape 532"/>
+        <p:cNvPr id="535" name="Shape 535"/>
         <p:cNvGrpSpPr/>
         <p:nvPr/>
       </p:nvGrpSpPr>
@@ -21196,7 +20987,7 @@
       </p:grpSpPr>
       <p:pic>
         <p:nvPicPr>
-          <p:cNvPr id="533" name="Google Shape;533;p87"/>
+          <p:cNvPr id="536" name="Google Shape;536;p87"/>
           <p:cNvPicPr preferRelativeResize="0"/>
           <p:nvPr/>
         </p:nvPicPr>
@@ -21224,299 +21015,7 @@
       </p:pic>
       <p:pic>
         <p:nvPicPr>
-          <p:cNvPr id="534" name="Google Shape;534;p87"/>
-          <p:cNvPicPr preferRelativeResize="0"/>
-          <p:nvPr/>
-        </p:nvPicPr>
-        <p:blipFill>
-          <a:blip r:embed="rId4">
-            <a:alphaModFix/>
-          </a:blip>
-          <a:stretch>
-            <a:fillRect/>
-          </a:stretch>
-        </p:blipFill>
-        <p:spPr>
-          <a:xfrm>
-            <a:off x="7324725" y="5019675"/>
-            <a:ext cx="1819275" cy="1838325"/>
-          </a:xfrm>
-          <a:prstGeom prst="rect">
-            <a:avLst/>
-          </a:prstGeom>
-          <a:noFill/>
-          <a:ln>
-            <a:noFill/>
-          </a:ln>
-        </p:spPr>
-      </p:pic>
-      <p:sp>
-        <p:nvSpPr>
-          <p:cNvPr id="535" name="Google Shape;535;p87"/>
-          <p:cNvSpPr/>
-          <p:nvPr/>
-        </p:nvSpPr>
-        <p:spPr>
-          <a:xfrm>
-            <a:off x="8402425" y="6131750"/>
-            <a:ext cx="790500" cy="772200"/>
-          </a:xfrm>
-          <a:prstGeom prst="roundRect">
-            <a:avLst>
-              <a:gd fmla="val 16667" name="adj"/>
-            </a:avLst>
-          </a:prstGeom>
-          <a:noFill/>
-          <a:ln cap="flat" cmpd="sng" w="38100">
-            <a:solidFill>
-              <a:srgbClr val="FF9900"/>
-            </a:solidFill>
-            <a:prstDash val="solid"/>
-            <a:round/>
-            <a:headEnd len="sm" w="sm" type="none"/>
-            <a:tailEnd len="sm" w="sm" type="none"/>
-          </a:ln>
-        </p:spPr>
-        <p:txBody>
-          <a:bodyPr anchorCtr="0" anchor="ctr" bIns="91425" lIns="91425" spcFirstLastPara="1" rIns="91425" wrap="square" tIns="91425">
-            <a:noAutofit/>
-          </a:bodyPr>
-          <a:lstStyle/>
-          <a:p>
-            <a:pPr indent="0" lvl="0" marL="0" rtl="0" algn="l">
-              <a:spcBef>
-                <a:spcPts val="0"/>
-              </a:spcBef>
-              <a:spcAft>
-                <a:spcPts val="0"/>
-              </a:spcAft>
-              <a:buNone/>
-            </a:pPr>
-            <a:r>
-              <a:t/>
-            </a:r>
-            <a:endParaRPr/>
-          </a:p>
-        </p:txBody>
-      </p:sp>
-    </p:spTree>
-  </p:cSld>
-  <p:clrMapOvr>
-    <a:masterClrMapping/>
-  </p:clrMapOvr>
-</p:sld>
-</file>
-
-<file path=ppt/slides/slide76.xml><?xml version="1.0" encoding="utf-8"?>
-<p:sld xmlns:a="http://schemas.openxmlformats.org/drawingml/2006/main" xmlns:r="http://schemas.openxmlformats.org/officeDocument/2006/relationships" xmlns:mc="http://schemas.openxmlformats.org/markup-compatibility/2006" xmlns:mv="urn:schemas-microsoft-com:mac:vml" xmlns:p="http://schemas.openxmlformats.org/presentationml/2006/main" xmlns:c="http://schemas.openxmlformats.org/drawingml/2006/chart" xmlns:dgm="http://schemas.openxmlformats.org/drawingml/2006/diagram" xmlns:o="urn:schemas-microsoft-com:office:office" xmlns:v="urn:schemas-microsoft-com:vml" xmlns:pvml="urn:schemas-microsoft-com:office:powerpoint" xmlns:com="http://schemas.openxmlformats.org/drawingml/2006/compatibility" xmlns:p14="http://schemas.microsoft.com/office/powerpoint/2010/main" xmlns:p15="http://schemas.microsoft.com/office/powerpoint/2012/main" xmlns:ahyp="http://schemas.microsoft.com/office/drawing/2018/hyperlinkcolor">
-  <p:cSld>
-    <p:spTree>
-      <p:nvGrpSpPr>
-        <p:cNvPr id="539" name="Shape 539"/>
-        <p:cNvGrpSpPr/>
-        <p:nvPr/>
-      </p:nvGrpSpPr>
-      <p:grpSpPr>
-        <a:xfrm>
-          <a:off x="0" y="0"/>
-          <a:ext cx="0" cy="0"/>
-          <a:chOff x="0" y="0"/>
-          <a:chExt cx="0" cy="0"/>
-        </a:xfrm>
-      </p:grpSpPr>
-      <p:pic>
-        <p:nvPicPr>
-          <p:cNvPr id="540" name="Google Shape;540;p88"/>
-          <p:cNvPicPr preferRelativeResize="0"/>
-          <p:nvPr/>
-        </p:nvPicPr>
-        <p:blipFill>
-          <a:blip r:embed="rId3">
-            <a:alphaModFix/>
-          </a:blip>
-          <a:stretch>
-            <a:fillRect/>
-          </a:stretch>
-        </p:blipFill>
-        <p:spPr>
-          <a:xfrm>
-            <a:off x="0" y="0"/>
-            <a:ext cx="6867525" cy="6372225"/>
-          </a:xfrm>
-          <a:prstGeom prst="rect">
-            <a:avLst/>
-          </a:prstGeom>
-          <a:noFill/>
-          <a:ln>
-            <a:noFill/>
-          </a:ln>
-        </p:spPr>
-      </p:pic>
-      <p:pic>
-        <p:nvPicPr>
-          <p:cNvPr id="541" name="Google Shape;541;p88"/>
-          <p:cNvPicPr preferRelativeResize="0"/>
-          <p:nvPr/>
-        </p:nvPicPr>
-        <p:blipFill>
-          <a:blip r:embed="rId4">
-            <a:alphaModFix/>
-          </a:blip>
-          <a:stretch>
-            <a:fillRect/>
-          </a:stretch>
-        </p:blipFill>
-        <p:spPr>
-          <a:xfrm>
-            <a:off x="7324725" y="5019675"/>
-            <a:ext cx="1819275" cy="1838325"/>
-          </a:xfrm>
-          <a:prstGeom prst="rect">
-            <a:avLst/>
-          </a:prstGeom>
-          <a:noFill/>
-          <a:ln>
-            <a:noFill/>
-          </a:ln>
-        </p:spPr>
-      </p:pic>
-    </p:spTree>
-  </p:cSld>
-  <p:clrMapOvr>
-    <a:masterClrMapping/>
-  </p:clrMapOvr>
-</p:sld>
-</file>
-
-<file path=ppt/slides/slide77.xml><?xml version="1.0" encoding="utf-8"?>
-<p:sld xmlns:a="http://schemas.openxmlformats.org/drawingml/2006/main" xmlns:r="http://schemas.openxmlformats.org/officeDocument/2006/relationships" xmlns:mc="http://schemas.openxmlformats.org/markup-compatibility/2006" xmlns:mv="urn:schemas-microsoft-com:mac:vml" xmlns:p="http://schemas.openxmlformats.org/presentationml/2006/main" xmlns:c="http://schemas.openxmlformats.org/drawingml/2006/chart" xmlns:dgm="http://schemas.openxmlformats.org/drawingml/2006/diagram" xmlns:o="urn:schemas-microsoft-com:office:office" xmlns:v="urn:schemas-microsoft-com:vml" xmlns:pvml="urn:schemas-microsoft-com:office:powerpoint" xmlns:com="http://schemas.openxmlformats.org/drawingml/2006/compatibility" xmlns:p14="http://schemas.microsoft.com/office/powerpoint/2010/main" xmlns:p15="http://schemas.microsoft.com/office/powerpoint/2012/main" xmlns:ahyp="http://schemas.microsoft.com/office/drawing/2018/hyperlinkcolor">
-  <p:cSld>
-    <p:spTree>
-      <p:nvGrpSpPr>
-        <p:cNvPr id="545" name="Shape 545"/>
-        <p:cNvGrpSpPr/>
-        <p:nvPr/>
-      </p:nvGrpSpPr>
-      <p:grpSpPr>
-        <a:xfrm>
-          <a:off x="0" y="0"/>
-          <a:ext cx="0" cy="0"/>
-          <a:chOff x="0" y="0"/>
-          <a:chExt cx="0" cy="0"/>
-        </a:xfrm>
-      </p:grpSpPr>
-      <p:pic>
-        <p:nvPicPr>
-          <p:cNvPr id="546" name="Google Shape;546;p89"/>
-          <p:cNvPicPr preferRelativeResize="0"/>
-          <p:nvPr/>
-        </p:nvPicPr>
-        <p:blipFill>
-          <a:blip r:embed="rId3">
-            <a:alphaModFix/>
-          </a:blip>
-          <a:stretch>
-            <a:fillRect/>
-          </a:stretch>
-        </p:blipFill>
-        <p:spPr>
-          <a:xfrm>
-            <a:off x="0" y="0"/>
-            <a:ext cx="6867525" cy="6372225"/>
-          </a:xfrm>
-          <a:prstGeom prst="rect">
-            <a:avLst/>
-          </a:prstGeom>
-          <a:noFill/>
-          <a:ln>
-            <a:noFill/>
-          </a:ln>
-        </p:spPr>
-      </p:pic>
-      <p:pic>
-        <p:nvPicPr>
-          <p:cNvPr id="547" name="Google Shape;547;p89"/>
-          <p:cNvPicPr preferRelativeResize="0"/>
-          <p:nvPr/>
-        </p:nvPicPr>
-        <p:blipFill>
-          <a:blip r:embed="rId4">
-            <a:alphaModFix/>
-          </a:blip>
-          <a:stretch>
-            <a:fillRect/>
-          </a:stretch>
-        </p:blipFill>
-        <p:spPr>
-          <a:xfrm>
-            <a:off x="7324725" y="5019675"/>
-            <a:ext cx="1819275" cy="1838325"/>
-          </a:xfrm>
-          <a:prstGeom prst="rect">
-            <a:avLst/>
-          </a:prstGeom>
-          <a:noFill/>
-          <a:ln>
-            <a:noFill/>
-          </a:ln>
-        </p:spPr>
-      </p:pic>
-    </p:spTree>
-  </p:cSld>
-  <p:clrMapOvr>
-    <a:masterClrMapping/>
-  </p:clrMapOvr>
-</p:sld>
-</file>
-
-<file path=ppt/slides/slide78.xml><?xml version="1.0" encoding="utf-8"?>
-<p:sld xmlns:a="http://schemas.openxmlformats.org/drawingml/2006/main" xmlns:r="http://schemas.openxmlformats.org/officeDocument/2006/relationships" xmlns:mc="http://schemas.openxmlformats.org/markup-compatibility/2006" xmlns:mv="urn:schemas-microsoft-com:mac:vml" xmlns:p="http://schemas.openxmlformats.org/presentationml/2006/main" xmlns:c="http://schemas.openxmlformats.org/drawingml/2006/chart" xmlns:dgm="http://schemas.openxmlformats.org/drawingml/2006/diagram" xmlns:o="urn:schemas-microsoft-com:office:office" xmlns:v="urn:schemas-microsoft-com:vml" xmlns:pvml="urn:schemas-microsoft-com:office:powerpoint" xmlns:com="http://schemas.openxmlformats.org/drawingml/2006/compatibility" xmlns:p14="http://schemas.microsoft.com/office/powerpoint/2010/main" xmlns:p15="http://schemas.microsoft.com/office/powerpoint/2012/main" xmlns:ahyp="http://schemas.microsoft.com/office/drawing/2018/hyperlinkcolor">
-  <p:cSld>
-    <p:spTree>
-      <p:nvGrpSpPr>
-        <p:cNvPr id="551" name="Shape 551"/>
-        <p:cNvGrpSpPr/>
-        <p:nvPr/>
-      </p:nvGrpSpPr>
-      <p:grpSpPr>
-        <a:xfrm>
-          <a:off x="0" y="0"/>
-          <a:ext cx="0" cy="0"/>
-          <a:chOff x="0" y="0"/>
-          <a:chExt cx="0" cy="0"/>
-        </a:xfrm>
-      </p:grpSpPr>
-      <p:pic>
-        <p:nvPicPr>
-          <p:cNvPr id="552" name="Google Shape;552;p90"/>
-          <p:cNvPicPr preferRelativeResize="0"/>
-          <p:nvPr/>
-        </p:nvPicPr>
-        <p:blipFill>
-          <a:blip r:embed="rId3">
-            <a:alphaModFix/>
-          </a:blip>
-          <a:stretch>
-            <a:fillRect/>
-          </a:stretch>
-        </p:blipFill>
-        <p:spPr>
-          <a:xfrm>
-            <a:off x="0" y="0"/>
-            <a:ext cx="6867525" cy="6372225"/>
-          </a:xfrm>
-          <a:prstGeom prst="rect">
-            <a:avLst/>
-          </a:prstGeom>
-          <a:noFill/>
-          <a:ln>
-            <a:noFill/>
-          </a:ln>
-        </p:spPr>
-      </p:pic>
-      <p:pic>
-        <p:nvPicPr>
-          <p:cNvPr id="553" name="Google Shape;553;p90"/>
+          <p:cNvPr id="537" name="Google Shape;537;p87"/>
           <p:cNvPicPr preferRelativeResize="0"/>
           <p:nvPr/>
         </p:nvPicPr>
@@ -21583,8 +21082,8 @@
         </p:blipFill>
         <p:spPr>
           <a:xfrm>
-            <a:off x="2138363" y="0"/>
-            <a:ext cx="4867275" cy="2200275"/>
+            <a:off x="152400" y="152400"/>
+            <a:ext cx="4829175" cy="2124075"/>
           </a:xfrm>
           <a:prstGeom prst="rect">
             <a:avLst/>
@@ -21611,8 +21110,8 @@
         </p:blipFill>
         <p:spPr>
           <a:xfrm>
-            <a:off x="4052900" y="2586038"/>
-            <a:ext cx="1038225" cy="1685925"/>
+            <a:off x="4348163" y="6429375"/>
+            <a:ext cx="447675" cy="428625"/>
           </a:xfrm>
           <a:prstGeom prst="rect">
             <a:avLst/>
@@ -21629,55 +21128,6 @@
           </a:ln>
         </p:spPr>
       </p:pic>
-      <p:sp>
-        <p:nvSpPr>
-          <p:cNvPr id="105" name="Google Shape;105;p20"/>
-          <p:cNvSpPr/>
-          <p:nvPr/>
-        </p:nvSpPr>
-        <p:spPr>
-          <a:xfrm>
-            <a:off x="2757900" y="864150"/>
-            <a:ext cx="3189900" cy="772200"/>
-          </a:xfrm>
-          <a:prstGeom prst="roundRect">
-            <a:avLst>
-              <a:gd fmla="val 16667" name="adj"/>
-            </a:avLst>
-          </a:prstGeom>
-          <a:noFill/>
-          <a:ln cap="flat" cmpd="sng" w="38100">
-            <a:solidFill>
-              <a:srgbClr val="FF9900"/>
-            </a:solidFill>
-            <a:prstDash val="solid"/>
-            <a:round/>
-            <a:headEnd len="sm" w="sm" type="none"/>
-            <a:tailEnd len="sm" w="sm" type="none"/>
-          </a:ln>
-        </p:spPr>
-        <p:txBody>
-          <a:bodyPr anchorCtr="0" anchor="ctr" bIns="91425" lIns="91425" spcFirstLastPara="1" rIns="91425" wrap="square" tIns="91425">
-            <a:noAutofit/>
-          </a:bodyPr>
-          <a:lstStyle/>
-          <a:p>
-            <a:pPr indent="0" lvl="0" marL="0" rtl="0" algn="l">
-              <a:spcBef>
-                <a:spcPts val="0"/>
-              </a:spcBef>
-              <a:spcAft>
-                <a:spcPts val="0"/>
-              </a:spcAft>
-              <a:buNone/>
-            </a:pPr>
-            <a:r>
-              <a:t/>
-            </a:r>
-            <a:endParaRPr/>
-          </a:p>
-        </p:txBody>
-      </p:sp>
     </p:spTree>
   </p:cSld>
   <p:clrMapOvr>
@@ -21691,7 +21141,7 @@
   <p:cSld>
     <p:spTree>
       <p:nvGrpSpPr>
-        <p:cNvPr id="109" name="Shape 109"/>
+        <p:cNvPr id="108" name="Shape 108"/>
         <p:cNvGrpSpPr/>
         <p:nvPr/>
       </p:nvGrpSpPr>
@@ -21705,7 +21155,7 @@
       </p:grpSpPr>
       <p:pic>
         <p:nvPicPr>
-          <p:cNvPr id="110" name="Google Shape;110;p21"/>
+          <p:cNvPr id="109" name="Google Shape;109;p21"/>
           <p:cNvPicPr preferRelativeResize="0"/>
           <p:nvPr/>
         </p:nvPicPr>
@@ -21731,6 +21181,40 @@
           </a:ln>
         </p:spPr>
       </p:pic>
+      <p:pic>
+        <p:nvPicPr>
+          <p:cNvPr id="110" name="Google Shape;110;p21"/>
+          <p:cNvPicPr preferRelativeResize="0"/>
+          <p:nvPr/>
+        </p:nvPicPr>
+        <p:blipFill>
+          <a:blip r:embed="rId4">
+            <a:alphaModFix/>
+          </a:blip>
+          <a:stretch>
+            <a:fillRect/>
+          </a:stretch>
+        </p:blipFill>
+        <p:spPr>
+          <a:xfrm>
+            <a:off x="4348163" y="6429375"/>
+            <a:ext cx="447675" cy="428625"/>
+          </a:xfrm>
+          <a:prstGeom prst="rect">
+            <a:avLst/>
+          </a:prstGeom>
+          <a:noFill/>
+          <a:ln cap="flat" cmpd="sng" w="9525">
+            <a:solidFill>
+              <a:schemeClr val="dk2"/>
+            </a:solidFill>
+            <a:prstDash val="solid"/>
+            <a:round/>
+            <a:headEnd len="sm" w="sm" type="none"/>
+            <a:tailEnd len="sm" w="sm" type="none"/>
+          </a:ln>
+        </p:spPr>
+      </p:pic>
     </p:spTree>
   </p:cSld>
   <p:clrMapOvr>
@@ -21740,6 +21224,285 @@
 </file>
 
 <file path=ppt/theme/theme1.xml><?xml version="1.0" encoding="utf-8"?>
+<a:theme xmlns:a="http://schemas.openxmlformats.org/drawingml/2006/main" xmlns:r="http://schemas.openxmlformats.org/officeDocument/2006/relationships" name="Simple Light">
+  <a:themeElements>
+    <a:clrScheme name="Simple Light">
+      <a:dk1>
+        <a:srgbClr val="000000"/>
+      </a:dk1>
+      <a:lt1>
+        <a:srgbClr val="FFFFFF"/>
+      </a:lt1>
+      <a:dk2>
+        <a:srgbClr val="595959"/>
+      </a:dk2>
+      <a:lt2>
+        <a:srgbClr val="EEEEEE"/>
+      </a:lt2>
+      <a:accent1>
+        <a:srgbClr val="FFAB40"/>
+      </a:accent1>
+      <a:accent2>
+        <a:srgbClr val="212121"/>
+      </a:accent2>
+      <a:accent3>
+        <a:srgbClr val="78909C"/>
+      </a:accent3>
+      <a:accent4>
+        <a:srgbClr val="FFAB40"/>
+      </a:accent4>
+      <a:accent5>
+        <a:srgbClr val="0097A7"/>
+      </a:accent5>
+      <a:accent6>
+        <a:srgbClr val="EEFF41"/>
+      </a:accent6>
+      <a:hlink>
+        <a:srgbClr val="0097A7"/>
+      </a:hlink>
+      <a:folHlink>
+        <a:srgbClr val="0097A7"/>
+      </a:folHlink>
+    </a:clrScheme>
+    <a:fontScheme name="Office">
+      <a:majorFont>
+        <a:latin typeface="Arial"/>
+        <a:ea typeface=""/>
+        <a:cs typeface=""/>
+        <a:font script="Jpan" typeface="ＭＳ Ｐゴシック"/>
+        <a:font script="Hang" typeface="맑은 고딕"/>
+        <a:font script="Hans" typeface="宋体"/>
+        <a:font script="Hant" typeface="新細明體"/>
+        <a:font script="Arab" typeface="Times New Roman"/>
+        <a:font script="Hebr" typeface="Times New Roman"/>
+        <a:font script="Thai" typeface="Angsana New"/>
+        <a:font script="Ethi" typeface="Nyala"/>
+        <a:font script="Beng" typeface="Vrinda"/>
+        <a:font script="Gujr" typeface="Shruti"/>
+        <a:font script="Khmr" typeface="MoolBoran"/>
+        <a:font script="Knda" typeface="Tunga"/>
+        <a:font script="Guru" typeface="Raavi"/>
+        <a:font script="Cans" typeface="Euphemia"/>
+        <a:font script="Cher" typeface="Plantagenet Cherokee"/>
+        <a:font script="Yiii" typeface="Microsoft Yi Baiti"/>
+        <a:font script="Tibt" typeface="Microsoft Himalaya"/>
+        <a:font script="Thaa" typeface="MV Boli"/>
+        <a:font script="Deva" typeface="Mangal"/>
+        <a:font script="Telu" typeface="Gautami"/>
+        <a:font script="Taml" typeface="Latha"/>
+        <a:font script="Syrc" typeface="Estrangelo Edessa"/>
+        <a:font script="Orya" typeface="Kalinga"/>
+        <a:font script="Mlym" typeface="Kartika"/>
+        <a:font script="Laoo" typeface="DokChampa"/>
+        <a:font script="Sinh" typeface="Iskoola Pota"/>
+        <a:font script="Mong" typeface="Mongolian Baiti"/>
+        <a:font script="Viet" typeface="Times New Roman"/>
+        <a:font script="Uigh" typeface="Microsoft Uighur"/>
+        <a:font script="Geor" typeface="Sylfaen"/>
+      </a:majorFont>
+      <a:minorFont>
+        <a:latin typeface="Arial"/>
+        <a:ea typeface=""/>
+        <a:cs typeface=""/>
+        <a:font script="Jpan" typeface="ＭＳ Ｐゴシック"/>
+        <a:font script="Hang" typeface="맑은 고딕"/>
+        <a:font script="Hans" typeface="宋体"/>
+        <a:font script="Hant" typeface="新細明體"/>
+        <a:font script="Arab" typeface="Arial"/>
+        <a:font script="Hebr" typeface="Arial"/>
+        <a:font script="Thai" typeface="Cordia New"/>
+        <a:font script="Ethi" typeface="Nyala"/>
+        <a:font script="Beng" typeface="Vrinda"/>
+        <a:font script="Gujr" typeface="Shruti"/>
+        <a:font script="Khmr" typeface="DaunPenh"/>
+        <a:font script="Knda" typeface="Tunga"/>
+        <a:font script="Guru" typeface="Raavi"/>
+        <a:font script="Cans" typeface="Euphemia"/>
+        <a:font script="Cher" typeface="Plantagenet Cherokee"/>
+        <a:font script="Yiii" typeface="Microsoft Yi Baiti"/>
+        <a:font script="Tibt" typeface="Microsoft Himalaya"/>
+        <a:font script="Thaa" typeface="MV Boli"/>
+        <a:font script="Deva" typeface="Mangal"/>
+        <a:font script="Telu" typeface="Gautami"/>
+        <a:font script="Taml" typeface="Latha"/>
+        <a:font script="Syrc" typeface="Estrangelo Edessa"/>
+        <a:font script="Orya" typeface="Kalinga"/>
+        <a:font script="Mlym" typeface="Kartika"/>
+        <a:font script="Laoo" typeface="DokChampa"/>
+        <a:font script="Sinh" typeface="Iskoola Pota"/>
+        <a:font script="Mong" typeface="Mongolian Baiti"/>
+        <a:font script="Viet" typeface="Arial"/>
+        <a:font script="Uigh" typeface="Microsoft Uighur"/>
+        <a:font script="Geor" typeface="Sylfaen"/>
+      </a:minorFont>
+    </a:fontScheme>
+    <a:fmtScheme name="Office">
+      <a:fillStyleLst>
+        <a:solidFill>
+          <a:schemeClr val="phClr"/>
+        </a:solidFill>
+        <a:gradFill rotWithShape="1">
+          <a:gsLst>
+            <a:gs pos="0">
+              <a:schemeClr val="phClr">
+                <a:tint val="50000"/>
+                <a:satMod val="300000"/>
+              </a:schemeClr>
+            </a:gs>
+            <a:gs pos="35000">
+              <a:schemeClr val="phClr">
+                <a:tint val="37000"/>
+                <a:satMod val="300000"/>
+              </a:schemeClr>
+            </a:gs>
+            <a:gs pos="100000">
+              <a:schemeClr val="phClr">
+                <a:tint val="15000"/>
+                <a:satMod val="350000"/>
+              </a:schemeClr>
+            </a:gs>
+          </a:gsLst>
+          <a:lin ang="16200000" scaled="1"/>
+        </a:gradFill>
+        <a:gradFill rotWithShape="1">
+          <a:gsLst>
+            <a:gs pos="0">
+              <a:schemeClr val="phClr">
+                <a:tint val="100000"/>
+                <a:shade val="100000"/>
+                <a:satMod val="130000"/>
+              </a:schemeClr>
+            </a:gs>
+            <a:gs pos="100000">
+              <a:schemeClr val="phClr">
+                <a:tint val="50000"/>
+                <a:shade val="100000"/>
+                <a:satMod val="350000"/>
+              </a:schemeClr>
+            </a:gs>
+          </a:gsLst>
+          <a:lin ang="16200000" scaled="0"/>
+        </a:gradFill>
+      </a:fillStyleLst>
+      <a:lnStyleLst>
+        <a:ln w="9525" cap="flat" cmpd="sng" algn="ctr">
+          <a:solidFill>
+            <a:schemeClr val="phClr">
+              <a:shade val="95000"/>
+              <a:satMod val="105000"/>
+            </a:schemeClr>
+          </a:solidFill>
+          <a:prstDash val="solid"/>
+        </a:ln>
+        <a:ln w="25400" cap="flat" cmpd="sng" algn="ctr">
+          <a:solidFill>
+            <a:schemeClr val="phClr"/>
+          </a:solidFill>
+          <a:prstDash val="solid"/>
+        </a:ln>
+        <a:ln w="38100" cap="flat" cmpd="sng" algn="ctr">
+          <a:solidFill>
+            <a:schemeClr val="phClr"/>
+          </a:solidFill>
+          <a:prstDash val="solid"/>
+        </a:ln>
+      </a:lnStyleLst>
+      <a:effectStyleLst>
+        <a:effectStyle>
+          <a:effectLst>
+            <a:outerShdw blurRad="40000" dist="20000" dir="5400000" rotWithShape="0">
+              <a:srgbClr val="000000">
+                <a:alpha val="38000"/>
+              </a:srgbClr>
+            </a:outerShdw>
+          </a:effectLst>
+        </a:effectStyle>
+        <a:effectStyle>
+          <a:effectLst>
+            <a:outerShdw blurRad="40000" dist="23000" dir="5400000" rotWithShape="0">
+              <a:srgbClr val="000000">
+                <a:alpha val="35000"/>
+              </a:srgbClr>
+            </a:outerShdw>
+          </a:effectLst>
+        </a:effectStyle>
+        <a:effectStyle>
+          <a:effectLst>
+            <a:outerShdw blurRad="40000" dist="23000" dir="5400000" rotWithShape="0">
+              <a:srgbClr val="000000">
+                <a:alpha val="35000"/>
+              </a:srgbClr>
+            </a:outerShdw>
+          </a:effectLst>
+          <a:scene3d>
+            <a:camera prst="orthographicFront">
+              <a:rot lat="0" lon="0" rev="0"/>
+            </a:camera>
+            <a:lightRig rig="threePt" dir="t">
+              <a:rot lat="0" lon="0" rev="1200000"/>
+            </a:lightRig>
+          </a:scene3d>
+          <a:sp3d>
+            <a:bevelT w="63500" h="25400"/>
+          </a:sp3d>
+        </a:effectStyle>
+      </a:effectStyleLst>
+      <a:bgFillStyleLst>
+        <a:solidFill>
+          <a:schemeClr val="phClr"/>
+        </a:solidFill>
+        <a:gradFill rotWithShape="1">
+          <a:gsLst>
+            <a:gs pos="0">
+              <a:schemeClr val="phClr">
+                <a:tint val="40000"/>
+                <a:satMod val="350000"/>
+              </a:schemeClr>
+            </a:gs>
+            <a:gs pos="40000">
+              <a:schemeClr val="phClr">
+                <a:tint val="45000"/>
+                <a:shade val="99000"/>
+                <a:satMod val="350000"/>
+              </a:schemeClr>
+            </a:gs>
+            <a:gs pos="100000">
+              <a:schemeClr val="phClr">
+                <a:shade val="20000"/>
+                <a:satMod val="255000"/>
+              </a:schemeClr>
+            </a:gs>
+          </a:gsLst>
+          <a:path path="circle">
+            <a:fillToRect l="50000" t="-80000" r="50000" b="180000"/>
+          </a:path>
+        </a:gradFill>
+        <a:gradFill rotWithShape="1">
+          <a:gsLst>
+            <a:gs pos="0">
+              <a:schemeClr val="phClr">
+                <a:tint val="80000"/>
+                <a:satMod val="300000"/>
+              </a:schemeClr>
+            </a:gs>
+            <a:gs pos="100000">
+              <a:schemeClr val="phClr">
+                <a:shade val="30000"/>
+                <a:satMod val="200000"/>
+              </a:schemeClr>
+            </a:gs>
+          </a:gsLst>
+          <a:path path="circle">
+            <a:fillToRect l="50000" t="50000" r="50000" b="50000"/>
+          </a:path>
+        </a:gradFill>
+      </a:bgFillStyleLst>
+    </a:fmtScheme>
+  </a:themeElements>
+</a:theme>
+</file>
+
+<file path=ppt/theme/theme2.xml><?xml version="1.0" encoding="utf-8"?>
 <a:theme xmlns:a="http://schemas.openxmlformats.org/drawingml/2006/main" xmlns:r="http://schemas.openxmlformats.org/officeDocument/2006/relationships">
   <a:themeElements>
     <a:clrScheme name="Default">
@@ -22016,283 +21779,4 @@
     </a:fmtScheme>
   </a:themeElements>
 </a:theme>
-</file>
-
-<file path=ppt/theme/theme2.xml><?xml version="1.0" encoding="utf-8"?>
-<a:theme xmlns:a="http://schemas.openxmlformats.org/drawingml/2006/main" xmlns:r="http://schemas.openxmlformats.org/officeDocument/2006/relationships" name="Simple Light">
-  <a:themeElements>
-    <a:clrScheme name="Simple Light">
-      <a:dk1>
-        <a:srgbClr val="000000"/>
-      </a:dk1>
-      <a:lt1>
-        <a:srgbClr val="FFFFFF"/>
-      </a:lt1>
-      <a:dk2>
-        <a:srgbClr val="595959"/>
-      </a:dk2>
-      <a:lt2>
-        <a:srgbClr val="EEEEEE"/>
-      </a:lt2>
-      <a:accent1>
-        <a:srgbClr val="FFAB40"/>
-      </a:accent1>
-      <a:accent2>
-        <a:srgbClr val="212121"/>
-      </a:accent2>
-      <a:accent3>
-        <a:srgbClr val="78909C"/>
-      </a:accent3>
-      <a:accent4>
-        <a:srgbClr val="FFAB40"/>
-      </a:accent4>
-      <a:accent5>
-        <a:srgbClr val="0097A7"/>
-      </a:accent5>
-      <a:accent6>
-        <a:srgbClr val="EEFF41"/>
-      </a:accent6>
-      <a:hlink>
-        <a:srgbClr val="0097A7"/>
-      </a:hlink>
-      <a:folHlink>
-        <a:srgbClr val="0097A7"/>
-      </a:folHlink>
-    </a:clrScheme>
-    <a:fontScheme name="Office">
-      <a:majorFont>
-        <a:latin typeface="Arial"/>
-        <a:ea typeface=""/>
-        <a:cs typeface=""/>
-        <a:font script="Jpan" typeface="ＭＳ Ｐゴシック"/>
-        <a:font script="Hang" typeface="맑은 고딕"/>
-        <a:font script="Hans" typeface="宋体"/>
-        <a:font script="Hant" typeface="新細明體"/>
-        <a:font script="Arab" typeface="Times New Roman"/>
-        <a:font script="Hebr" typeface="Times New Roman"/>
-        <a:font script="Thai" typeface="Angsana New"/>
-        <a:font script="Ethi" typeface="Nyala"/>
-        <a:font script="Beng" typeface="Vrinda"/>
-        <a:font script="Gujr" typeface="Shruti"/>
-        <a:font script="Khmr" typeface="MoolBoran"/>
-        <a:font script="Knda" typeface="Tunga"/>
-        <a:font script="Guru" typeface="Raavi"/>
-        <a:font script="Cans" typeface="Euphemia"/>
-        <a:font script="Cher" typeface="Plantagenet Cherokee"/>
-        <a:font script="Yiii" typeface="Microsoft Yi Baiti"/>
-        <a:font script="Tibt" typeface="Microsoft Himalaya"/>
-        <a:font script="Thaa" typeface="MV Boli"/>
-        <a:font script="Deva" typeface="Mangal"/>
-        <a:font script="Telu" typeface="Gautami"/>
-        <a:font script="Taml" typeface="Latha"/>
-        <a:font script="Syrc" typeface="Estrangelo Edessa"/>
-        <a:font script="Orya" typeface="Kalinga"/>
-        <a:font script="Mlym" typeface="Kartika"/>
-        <a:font script="Laoo" typeface="DokChampa"/>
-        <a:font script="Sinh" typeface="Iskoola Pota"/>
-        <a:font script="Mong" typeface="Mongolian Baiti"/>
-        <a:font script="Viet" typeface="Times New Roman"/>
-        <a:font script="Uigh" typeface="Microsoft Uighur"/>
-        <a:font script="Geor" typeface="Sylfaen"/>
-      </a:majorFont>
-      <a:minorFont>
-        <a:latin typeface="Arial"/>
-        <a:ea typeface=""/>
-        <a:cs typeface=""/>
-        <a:font script="Jpan" typeface="ＭＳ Ｐゴシック"/>
-        <a:font script="Hang" typeface="맑은 고딕"/>
-        <a:font script="Hans" typeface="宋体"/>
-        <a:font script="Hant" typeface="新細明體"/>
-        <a:font script="Arab" typeface="Arial"/>
-        <a:font script="Hebr" typeface="Arial"/>
-        <a:font script="Thai" typeface="Cordia New"/>
-        <a:font script="Ethi" typeface="Nyala"/>
-        <a:font script="Beng" typeface="Vrinda"/>
-        <a:font script="Gujr" typeface="Shruti"/>
-        <a:font script="Khmr" typeface="DaunPenh"/>
-        <a:font script="Knda" typeface="Tunga"/>
-        <a:font script="Guru" typeface="Raavi"/>
-        <a:font script="Cans" typeface="Euphemia"/>
-        <a:font script="Cher" typeface="Plantagenet Cherokee"/>
-        <a:font script="Yiii" typeface="Microsoft Yi Baiti"/>
-        <a:font script="Tibt" typeface="Microsoft Himalaya"/>
-        <a:font script="Thaa" typeface="MV Boli"/>
-        <a:font script="Deva" typeface="Mangal"/>
-        <a:font script="Telu" typeface="Gautami"/>
-        <a:font script="Taml" typeface="Latha"/>
-        <a:font script="Syrc" typeface="Estrangelo Edessa"/>
-        <a:font script="Orya" typeface="Kalinga"/>
-        <a:font script="Mlym" typeface="Kartika"/>
-        <a:font script="Laoo" typeface="DokChampa"/>
-        <a:font script="Sinh" typeface="Iskoola Pota"/>
-        <a:font script="Mong" typeface="Mongolian Baiti"/>
-        <a:font script="Viet" typeface="Arial"/>
-        <a:font script="Uigh" typeface="Microsoft Uighur"/>
-        <a:font script="Geor" typeface="Sylfaen"/>
-      </a:minorFont>
-    </a:fontScheme>
-    <a:fmtScheme name="Office">
-      <a:fillStyleLst>
-        <a:solidFill>
-          <a:schemeClr val="phClr"/>
-        </a:solidFill>
-        <a:gradFill rotWithShape="1">
-          <a:gsLst>
-            <a:gs pos="0">
-              <a:schemeClr val="phClr">
-                <a:tint val="50000"/>
-                <a:satMod val="300000"/>
-              </a:schemeClr>
-            </a:gs>
-            <a:gs pos="35000">
-              <a:schemeClr val="phClr">
-                <a:tint val="37000"/>
-                <a:satMod val="300000"/>
-              </a:schemeClr>
-            </a:gs>
-            <a:gs pos="100000">
-              <a:schemeClr val="phClr">
-                <a:tint val="15000"/>
-                <a:satMod val="350000"/>
-              </a:schemeClr>
-            </a:gs>
-          </a:gsLst>
-          <a:lin ang="16200000" scaled="1"/>
-        </a:gradFill>
-        <a:gradFill rotWithShape="1">
-          <a:gsLst>
-            <a:gs pos="0">
-              <a:schemeClr val="phClr">
-                <a:tint val="100000"/>
-                <a:shade val="100000"/>
-                <a:satMod val="130000"/>
-              </a:schemeClr>
-            </a:gs>
-            <a:gs pos="100000">
-              <a:schemeClr val="phClr">
-                <a:tint val="50000"/>
-                <a:shade val="100000"/>
-                <a:satMod val="350000"/>
-              </a:schemeClr>
-            </a:gs>
-          </a:gsLst>
-          <a:lin ang="16200000" scaled="0"/>
-        </a:gradFill>
-      </a:fillStyleLst>
-      <a:lnStyleLst>
-        <a:ln w="9525" cap="flat" cmpd="sng" algn="ctr">
-          <a:solidFill>
-            <a:schemeClr val="phClr">
-              <a:shade val="95000"/>
-              <a:satMod val="105000"/>
-            </a:schemeClr>
-          </a:solidFill>
-          <a:prstDash val="solid"/>
-        </a:ln>
-        <a:ln w="25400" cap="flat" cmpd="sng" algn="ctr">
-          <a:solidFill>
-            <a:schemeClr val="phClr"/>
-          </a:solidFill>
-          <a:prstDash val="solid"/>
-        </a:ln>
-        <a:ln w="38100" cap="flat" cmpd="sng" algn="ctr">
-          <a:solidFill>
-            <a:schemeClr val="phClr"/>
-          </a:solidFill>
-          <a:prstDash val="solid"/>
-        </a:ln>
-      </a:lnStyleLst>
-      <a:effectStyleLst>
-        <a:effectStyle>
-          <a:effectLst>
-            <a:outerShdw blurRad="40000" dist="20000" dir="5400000" rotWithShape="0">
-              <a:srgbClr val="000000">
-                <a:alpha val="38000"/>
-              </a:srgbClr>
-            </a:outerShdw>
-          </a:effectLst>
-        </a:effectStyle>
-        <a:effectStyle>
-          <a:effectLst>
-            <a:outerShdw blurRad="40000" dist="23000" dir="5400000" rotWithShape="0">
-              <a:srgbClr val="000000">
-                <a:alpha val="35000"/>
-              </a:srgbClr>
-            </a:outerShdw>
-          </a:effectLst>
-        </a:effectStyle>
-        <a:effectStyle>
-          <a:effectLst>
-            <a:outerShdw blurRad="40000" dist="23000" dir="5400000" rotWithShape="0">
-              <a:srgbClr val="000000">
-                <a:alpha val="35000"/>
-              </a:srgbClr>
-            </a:outerShdw>
-          </a:effectLst>
-          <a:scene3d>
-            <a:camera prst="orthographicFront">
-              <a:rot lat="0" lon="0" rev="0"/>
-            </a:camera>
-            <a:lightRig rig="threePt" dir="t">
-              <a:rot lat="0" lon="0" rev="1200000"/>
-            </a:lightRig>
-          </a:scene3d>
-          <a:sp3d>
-            <a:bevelT w="63500" h="25400"/>
-          </a:sp3d>
-        </a:effectStyle>
-      </a:effectStyleLst>
-      <a:bgFillStyleLst>
-        <a:solidFill>
-          <a:schemeClr val="phClr"/>
-        </a:solidFill>
-        <a:gradFill rotWithShape="1">
-          <a:gsLst>
-            <a:gs pos="0">
-              <a:schemeClr val="phClr">
-                <a:tint val="40000"/>
-                <a:satMod val="350000"/>
-              </a:schemeClr>
-            </a:gs>
-            <a:gs pos="40000">
-              <a:schemeClr val="phClr">
-                <a:tint val="45000"/>
-                <a:shade val="99000"/>
-                <a:satMod val="350000"/>
-              </a:schemeClr>
-            </a:gs>
-            <a:gs pos="100000">
-              <a:schemeClr val="phClr">
-                <a:shade val="20000"/>
-                <a:satMod val="255000"/>
-              </a:schemeClr>
-            </a:gs>
-          </a:gsLst>
-          <a:path path="circle">
-            <a:fillToRect l="50000" t="-80000" r="50000" b="180000"/>
-          </a:path>
-        </a:gradFill>
-        <a:gradFill rotWithShape="1">
-          <a:gsLst>
-            <a:gs pos="0">
-              <a:schemeClr val="phClr">
-                <a:tint val="80000"/>
-                <a:satMod val="300000"/>
-              </a:schemeClr>
-            </a:gs>
-            <a:gs pos="100000">
-              <a:schemeClr val="phClr">
-                <a:shade val="30000"/>
-                <a:satMod val="200000"/>
-              </a:schemeClr>
-            </a:gs>
-          </a:gsLst>
-          <a:path path="circle">
-            <a:fillToRect l="50000" t="50000" r="50000" b="50000"/>
-          </a:path>
-        </a:gradFill>
-      </a:bgFillStyleLst>
-    </a:fmtScheme>
-  </a:themeElements>
-</a:theme>
 </file>